--- a/Whitaker_PdocMasterClass_April2016.pptx
+++ b/Whitaker_PdocMasterClass_April2016.pptx
@@ -5,7 +5,7 @@
     <p:sldMasterId id="2147483929" r:id="rId1"/>
   </p:sldMasterIdLst>
   <p:notesMasterIdLst>
-    <p:notesMasterId r:id="rId49"/>
+    <p:notesMasterId r:id="rId52"/>
   </p:notesMasterIdLst>
   <p:sldIdLst>
     <p:sldId id="257" r:id="rId2"/>
@@ -30,31 +30,34 @@
     <p:sldId id="286" r:id="rId21"/>
     <p:sldId id="295" r:id="rId22"/>
     <p:sldId id="296" r:id="rId23"/>
-    <p:sldId id="293" r:id="rId24"/>
-    <p:sldId id="261" r:id="rId25"/>
-    <p:sldId id="259" r:id="rId26"/>
-    <p:sldId id="301" r:id="rId27"/>
-    <p:sldId id="302" r:id="rId28"/>
-    <p:sldId id="292" r:id="rId29"/>
-    <p:sldId id="300" r:id="rId30"/>
-    <p:sldId id="298" r:id="rId31"/>
-    <p:sldId id="299" r:id="rId32"/>
-    <p:sldId id="260" r:id="rId33"/>
-    <p:sldId id="303" r:id="rId34"/>
-    <p:sldId id="266" r:id="rId35"/>
-    <p:sldId id="271" r:id="rId36"/>
-    <p:sldId id="267" r:id="rId37"/>
-    <p:sldId id="304" r:id="rId38"/>
-    <p:sldId id="305" r:id="rId39"/>
-    <p:sldId id="306" r:id="rId40"/>
-    <p:sldId id="307" r:id="rId41"/>
-    <p:sldId id="308" r:id="rId42"/>
-    <p:sldId id="309" r:id="rId43"/>
-    <p:sldId id="263" r:id="rId44"/>
-    <p:sldId id="310" r:id="rId45"/>
+    <p:sldId id="317" r:id="rId24"/>
+    <p:sldId id="293" r:id="rId25"/>
+    <p:sldId id="261" r:id="rId26"/>
+    <p:sldId id="259" r:id="rId27"/>
+    <p:sldId id="301" r:id="rId28"/>
+    <p:sldId id="302" r:id="rId29"/>
+    <p:sldId id="292" r:id="rId30"/>
+    <p:sldId id="300" r:id="rId31"/>
+    <p:sldId id="298" r:id="rId32"/>
+    <p:sldId id="299" r:id="rId33"/>
+    <p:sldId id="260" r:id="rId34"/>
+    <p:sldId id="303" r:id="rId35"/>
+    <p:sldId id="266" r:id="rId36"/>
+    <p:sldId id="271" r:id="rId37"/>
+    <p:sldId id="267" r:id="rId38"/>
+    <p:sldId id="304" r:id="rId39"/>
+    <p:sldId id="305" r:id="rId40"/>
+    <p:sldId id="306" r:id="rId41"/>
+    <p:sldId id="307" r:id="rId42"/>
+    <p:sldId id="308" r:id="rId43"/>
+    <p:sldId id="309" r:id="rId44"/>
+    <p:sldId id="263" r:id="rId45"/>
     <p:sldId id="277" r:id="rId46"/>
     <p:sldId id="311" r:id="rId47"/>
-    <p:sldId id="272" r:id="rId48"/>
+    <p:sldId id="318" r:id="rId48"/>
+    <p:sldId id="310" r:id="rId49"/>
+    <p:sldId id="319" r:id="rId50"/>
+    <p:sldId id="272" r:id="rId51"/>
   </p:sldIdLst>
   <p:sldSz cx="12192000" cy="6858000"/>
   <p:notesSz cx="6858000" cy="9144000"/>
@@ -1939,7 +1942,7 @@
           <a:p>
             <a:fld id="{0164207E-AF3A-43A0-B220-F1A4ED21AC70}" type="slidenum">
               <a:rPr lang="en-GB" smtClean="0"/>
-              <a:t>28</a:t>
+              <a:t>23</a:t>
             </a:fld>
             <a:endParaRPr lang="en-GB"/>
           </a:p>
@@ -1948,7 +1951,7 @@
     </p:spTree>
     <p:extLst>
       <p:ext uri="{BB962C8B-B14F-4D97-AF65-F5344CB8AC3E}">
-        <p14:creationId xmlns:p14="http://schemas.microsoft.com/office/powerpoint/2010/main" val="2651200416"/>
+        <p14:creationId xmlns:p14="http://schemas.microsoft.com/office/powerpoint/2010/main" val="935038299"/>
       </p:ext>
     </p:extLst>
   </p:cSld>
@@ -2004,8 +2007,22 @@
           <a:p>
             <a:r>
               <a:rPr lang="en-GB" dirty="0"/>
-              <a:t>https://losc.ligo.org/s/events/GW150914/GW150914_tutorial.html</a:t>
-            </a:r>
+              <a:t>Girls</a:t>
+            </a:r>
+            <a:r>
+              <a:rPr lang="en-GB" baseline="0" dirty="0"/>
+              <a:t> can’t do maths</a:t>
+            </a:r>
+          </a:p>
+          <a:p>
+            <a:endParaRPr lang="en-GB" baseline="0" dirty="0"/>
+          </a:p>
+          <a:p>
+            <a:r>
+              <a:rPr lang="en-GB" baseline="0" dirty="0"/>
+              <a:t>Give them a test of spatial rotation – boys do better.</a:t>
+            </a:r>
+            <a:endParaRPr lang="en-GB" dirty="0"/>
           </a:p>
         </p:txBody>
       </p:sp>
@@ -2026,7 +2043,7 @@
           <a:p>
             <a:fld id="{0164207E-AF3A-43A0-B220-F1A4ED21AC70}" type="slidenum">
               <a:rPr lang="en-GB" smtClean="0"/>
-              <a:t>33</a:t>
+              <a:t>29</a:t>
             </a:fld>
             <a:endParaRPr lang="en-GB"/>
           </a:p>
@@ -2035,7 +2052,7 @@
     </p:spTree>
     <p:extLst>
       <p:ext uri="{BB962C8B-B14F-4D97-AF65-F5344CB8AC3E}">
-        <p14:creationId xmlns:p14="http://schemas.microsoft.com/office/powerpoint/2010/main" val="3386880872"/>
+        <p14:creationId xmlns:p14="http://schemas.microsoft.com/office/powerpoint/2010/main" val="2651200416"/>
       </p:ext>
     </p:extLst>
   </p:cSld>
@@ -2089,7 +2106,10 @@
           <a:bodyPr/>
           <a:lstStyle/>
           <a:p>
-            <a:endParaRPr lang="en-GB" dirty="0"/>
+            <a:r>
+              <a:rPr lang="en-GB" dirty="0"/>
+              <a:t>https://losc.ligo.org/s/events/GW150914/GW150914_tutorial.html</a:t>
+            </a:r>
           </a:p>
         </p:txBody>
       </p:sp>
@@ -2110,7 +2130,7 @@
           <a:p>
             <a:fld id="{0164207E-AF3A-43A0-B220-F1A4ED21AC70}" type="slidenum">
               <a:rPr lang="en-GB" smtClean="0"/>
-              <a:t>35</a:t>
+              <a:t>34</a:t>
             </a:fld>
             <a:endParaRPr lang="en-GB"/>
           </a:p>
@@ -2119,7 +2139,7 @@
     </p:spTree>
     <p:extLst>
       <p:ext uri="{BB962C8B-B14F-4D97-AF65-F5344CB8AC3E}">
-        <p14:creationId xmlns:p14="http://schemas.microsoft.com/office/powerpoint/2010/main" val="1732118548"/>
+        <p14:creationId xmlns:p14="http://schemas.microsoft.com/office/powerpoint/2010/main" val="3386880872"/>
       </p:ext>
     </p:extLst>
   </p:cSld>
@@ -2173,6 +2193,90 @@
           <a:bodyPr/>
           <a:lstStyle/>
           <a:p>
+            <a:endParaRPr lang="en-GB" dirty="0"/>
+          </a:p>
+        </p:txBody>
+      </p:sp>
+      <p:sp>
+        <p:nvSpPr>
+          <p:cNvPr id="4" name="Slide Number Placeholder 3"/>
+          <p:cNvSpPr>
+            <a:spLocks noGrp="1"/>
+          </p:cNvSpPr>
+          <p:nvPr>
+            <p:ph type="sldNum" sz="quarter" idx="10"/>
+          </p:nvPr>
+        </p:nvSpPr>
+        <p:spPr/>
+        <p:txBody>
+          <a:bodyPr/>
+          <a:lstStyle/>
+          <a:p>
+            <a:fld id="{0164207E-AF3A-43A0-B220-F1A4ED21AC70}" type="slidenum">
+              <a:rPr lang="en-GB" smtClean="0"/>
+              <a:t>36</a:t>
+            </a:fld>
+            <a:endParaRPr lang="en-GB"/>
+          </a:p>
+        </p:txBody>
+      </p:sp>
+    </p:spTree>
+    <p:extLst>
+      <p:ext uri="{BB962C8B-B14F-4D97-AF65-F5344CB8AC3E}">
+        <p14:creationId xmlns:p14="http://schemas.microsoft.com/office/powerpoint/2010/main" val="1732118548"/>
+      </p:ext>
+    </p:extLst>
+  </p:cSld>
+  <p:clrMapOvr>
+    <a:masterClrMapping/>
+  </p:clrMapOvr>
+</p:notes>
+</file>
+
+<file path=ppt/notesSlides/notesSlide26.xml><?xml version="1.0" encoding="utf-8"?>
+<p:notes xmlns:a="http://schemas.openxmlformats.org/drawingml/2006/main" xmlns:r="http://schemas.openxmlformats.org/officeDocument/2006/relationships" xmlns:p="http://schemas.openxmlformats.org/presentationml/2006/main">
+  <p:cSld>
+    <p:spTree>
+      <p:nvGrpSpPr>
+        <p:cNvPr id="1" name=""/>
+        <p:cNvGrpSpPr/>
+        <p:nvPr/>
+      </p:nvGrpSpPr>
+      <p:grpSpPr>
+        <a:xfrm>
+          <a:off x="0" y="0"/>
+          <a:ext cx="0" cy="0"/>
+          <a:chOff x="0" y="0"/>
+          <a:chExt cx="0" cy="0"/>
+        </a:xfrm>
+      </p:grpSpPr>
+      <p:sp>
+        <p:nvSpPr>
+          <p:cNvPr id="2" name="Slide Image Placeholder 1"/>
+          <p:cNvSpPr>
+            <a:spLocks noGrp="1" noRot="1" noChangeAspect="1"/>
+          </p:cNvSpPr>
+          <p:nvPr>
+            <p:ph type="sldImg"/>
+          </p:nvPr>
+        </p:nvSpPr>
+        <p:spPr/>
+      </p:sp>
+      <p:sp>
+        <p:nvSpPr>
+          <p:cNvPr id="3" name="Notes Placeholder 2"/>
+          <p:cNvSpPr>
+            <a:spLocks noGrp="1"/>
+          </p:cNvSpPr>
+          <p:nvPr>
+            <p:ph type="body" idx="1"/>
+          </p:nvPr>
+        </p:nvSpPr>
+        <p:spPr/>
+        <p:txBody>
+          <a:bodyPr/>
+          <a:lstStyle/>
+          <a:p>
             <a:r>
               <a:rPr lang="en-GB" dirty="0"/>
               <a:t>http://www.slideshare.net/nishanbose/introduction-to-github-55872492/7</a:t>
@@ -2197,7 +2301,7 @@
           <a:p>
             <a:fld id="{0164207E-AF3A-43A0-B220-F1A4ED21AC70}" type="slidenum">
               <a:rPr lang="en-GB" smtClean="0"/>
-              <a:t>42</a:t>
+              <a:t>43</a:t>
             </a:fld>
             <a:endParaRPr lang="en-GB"/>
           </a:p>
@@ -8540,13 +8644,13 @@
           <a:p>
             <a:pPr algn="ctr"/>
             <a:r>
-              <a:rPr lang="en-GB" sz="7200" b="1" dirty="0">
+              <a:rPr lang="en-GB" sz="7200" b="1" dirty="0" err="1">
                 <a:solidFill>
                   <a:srgbClr val="008080"/>
                 </a:solidFill>
                 <a:latin typeface="Gill Sans MT" panose="020B0502020104020203" pitchFamily="34" charset="0"/>
               </a:rPr>
-              <a:t>Python vs R</a:t>
+              <a:t>StackOverflow</a:t>
             </a:r>
             <a:br>
               <a:rPr lang="en-GB" sz="7200" b="1" dirty="0">
@@ -8557,63 +8661,21 @@
               </a:rPr>
             </a:br>
             <a:r>
-              <a:rPr lang="en-GB" sz="4800" b="1" dirty="0">
-                <a:solidFill>
-                  <a:schemeClr val="bg1"/>
+              <a:rPr lang="en-GB" sz="7200" b="1" dirty="0">
+                <a:solidFill>
+                  <a:srgbClr val="008080"/>
                 </a:solidFill>
                 <a:latin typeface="Gill Sans MT" panose="020B0502020104020203" pitchFamily="34" charset="0"/>
               </a:rPr>
-              <a:t>(vs </a:t>
-            </a:r>
-            <a:r>
-              <a:rPr lang="en-GB" sz="4800" b="1" dirty="0" err="1">
-                <a:solidFill>
-                  <a:schemeClr val="bg1"/>
-                </a:solidFill>
-                <a:latin typeface="Gill Sans MT" panose="020B0502020104020203" pitchFamily="34" charset="0"/>
-              </a:rPr>
-              <a:t>Matlab</a:t>
-            </a:r>
-            <a:r>
-              <a:rPr lang="en-GB" sz="4800" b="1" dirty="0">
-                <a:solidFill>
-                  <a:schemeClr val="bg1"/>
-                </a:solidFill>
-                <a:latin typeface="Gill Sans MT" panose="020B0502020104020203" pitchFamily="34" charset="0"/>
-              </a:rPr>
-              <a:t> vs STATA </a:t>
-            </a:r>
-            <a:r>
-              <a:rPr lang="en-GB" sz="4800" b="1" dirty="0" err="1">
-                <a:solidFill>
-                  <a:schemeClr val="bg1"/>
-                </a:solidFill>
-                <a:latin typeface="Gill Sans MT" panose="020B0502020104020203" pitchFamily="34" charset="0"/>
-              </a:rPr>
-              <a:t>etc</a:t>
-            </a:r>
-            <a:r>
-              <a:rPr lang="en-GB" sz="4800" b="1" dirty="0">
-                <a:solidFill>
-                  <a:schemeClr val="bg1"/>
-                </a:solidFill>
-                <a:latin typeface="Gill Sans MT" panose="020B0502020104020203" pitchFamily="34" charset="0"/>
-              </a:rPr>
-              <a:t>…)</a:t>
-            </a:r>
-            <a:endParaRPr lang="en-GB" sz="7200" b="1" dirty="0">
-              <a:solidFill>
-                <a:schemeClr val="bg1"/>
-              </a:solidFill>
-              <a:latin typeface="Gill Sans MT" panose="020B0502020104020203" pitchFamily="34" charset="0"/>
-            </a:endParaRPr>
+              <a:t>&amp; MWEs</a:t>
+            </a:r>
           </a:p>
         </p:txBody>
       </p:sp>
     </p:spTree>
     <p:extLst>
       <p:ext uri="{BB962C8B-B14F-4D97-AF65-F5344CB8AC3E}">
-        <p14:creationId xmlns:p14="http://schemas.microsoft.com/office/powerpoint/2010/main" val="2052425940"/>
+        <p14:creationId xmlns:p14="http://schemas.microsoft.com/office/powerpoint/2010/main" val="2286252819"/>
       </p:ext>
     </p:extLst>
   </p:cSld>
@@ -8683,9 +8745,7 @@
             <a:r>
               <a:rPr lang="en-GB" sz="4800" b="1" dirty="0">
                 <a:solidFill>
-                  <a:schemeClr val="bg1">
-                    <a:lumMod val="50000"/>
-                  </a:schemeClr>
+                  <a:schemeClr val="bg1"/>
                 </a:solidFill>
                 <a:latin typeface="Gill Sans MT" panose="020B0502020104020203" pitchFamily="34" charset="0"/>
               </a:rPr>
@@ -8694,9 +8754,7 @@
             <a:r>
               <a:rPr lang="en-GB" sz="4800" b="1" dirty="0" err="1">
                 <a:solidFill>
-                  <a:schemeClr val="bg1">
-                    <a:lumMod val="50000"/>
-                  </a:schemeClr>
+                  <a:schemeClr val="bg1"/>
                 </a:solidFill>
                 <a:latin typeface="Gill Sans MT" panose="020B0502020104020203" pitchFamily="34" charset="0"/>
               </a:rPr>
@@ -8705,9 +8763,7 @@
             <a:r>
               <a:rPr lang="en-GB" sz="4800" b="1" dirty="0">
                 <a:solidFill>
-                  <a:schemeClr val="bg1">
-                    <a:lumMod val="50000"/>
-                  </a:schemeClr>
+                  <a:schemeClr val="bg1"/>
                 </a:solidFill>
                 <a:latin typeface="Gill Sans MT" panose="020B0502020104020203" pitchFamily="34" charset="0"/>
               </a:rPr>
@@ -8716,9 +8772,7 @@
             <a:r>
               <a:rPr lang="en-GB" sz="4800" b="1" dirty="0" err="1">
                 <a:solidFill>
-                  <a:schemeClr val="bg1">
-                    <a:lumMod val="50000"/>
-                  </a:schemeClr>
+                  <a:schemeClr val="bg1"/>
                 </a:solidFill>
                 <a:latin typeface="Gill Sans MT" panose="020B0502020104020203" pitchFamily="34" charset="0"/>
               </a:rPr>
@@ -8727,9 +8781,7 @@
             <a:r>
               <a:rPr lang="en-GB" sz="4800" b="1" dirty="0">
                 <a:solidFill>
-                  <a:schemeClr val="bg1">
-                    <a:lumMod val="50000"/>
-                  </a:schemeClr>
+                  <a:schemeClr val="bg1"/>
                 </a:solidFill>
                 <a:latin typeface="Gill Sans MT" panose="020B0502020104020203" pitchFamily="34" charset="0"/>
               </a:rPr>
@@ -8737,9 +8789,7 @@
             </a:r>
             <a:endParaRPr lang="en-GB" sz="7200" b="1" dirty="0">
               <a:solidFill>
-                <a:schemeClr val="bg1">
-                  <a:lumMod val="50000"/>
-                </a:schemeClr>
+                <a:schemeClr val="bg1"/>
               </a:solidFill>
               <a:latin typeface="Gill Sans MT" panose="020B0502020104020203" pitchFamily="34" charset="0"/>
             </a:endParaRPr>
@@ -8749,7 +8799,7 @@
     </p:spTree>
     <p:extLst>
       <p:ext uri="{BB962C8B-B14F-4D97-AF65-F5344CB8AC3E}">
-        <p14:creationId xmlns:p14="http://schemas.microsoft.com/office/powerpoint/2010/main" val="1935589750"/>
+        <p14:creationId xmlns:p14="http://schemas.microsoft.com/office/powerpoint/2010/main" val="2052425940"/>
       </p:ext>
     </p:extLst>
   </p:cSld>
@@ -8806,6 +8856,142 @@
                 </a:solidFill>
                 <a:latin typeface="Gill Sans MT" panose="020B0502020104020203" pitchFamily="34" charset="0"/>
               </a:rPr>
+              <a:t>Python vs R</a:t>
+            </a:r>
+            <a:br>
+              <a:rPr lang="en-GB" sz="7200" b="1" dirty="0">
+                <a:solidFill>
+                  <a:srgbClr val="008080"/>
+                </a:solidFill>
+                <a:latin typeface="Gill Sans MT" panose="020B0502020104020203" pitchFamily="34" charset="0"/>
+              </a:rPr>
+            </a:br>
+            <a:r>
+              <a:rPr lang="en-GB" sz="4800" b="1" dirty="0">
+                <a:solidFill>
+                  <a:schemeClr val="bg1">
+                    <a:lumMod val="50000"/>
+                  </a:schemeClr>
+                </a:solidFill>
+                <a:latin typeface="Gill Sans MT" panose="020B0502020104020203" pitchFamily="34" charset="0"/>
+              </a:rPr>
+              <a:t>(vs </a:t>
+            </a:r>
+            <a:r>
+              <a:rPr lang="en-GB" sz="4800" b="1" dirty="0" err="1">
+                <a:solidFill>
+                  <a:schemeClr val="bg1">
+                    <a:lumMod val="50000"/>
+                  </a:schemeClr>
+                </a:solidFill>
+                <a:latin typeface="Gill Sans MT" panose="020B0502020104020203" pitchFamily="34" charset="0"/>
+              </a:rPr>
+              <a:t>Matlab</a:t>
+            </a:r>
+            <a:r>
+              <a:rPr lang="en-GB" sz="4800" b="1" dirty="0">
+                <a:solidFill>
+                  <a:schemeClr val="bg1">
+                    <a:lumMod val="50000"/>
+                  </a:schemeClr>
+                </a:solidFill>
+                <a:latin typeface="Gill Sans MT" panose="020B0502020104020203" pitchFamily="34" charset="0"/>
+              </a:rPr>
+              <a:t> vs STATA </a:t>
+            </a:r>
+            <a:r>
+              <a:rPr lang="en-GB" sz="4800" b="1" dirty="0" err="1">
+                <a:solidFill>
+                  <a:schemeClr val="bg1">
+                    <a:lumMod val="50000"/>
+                  </a:schemeClr>
+                </a:solidFill>
+                <a:latin typeface="Gill Sans MT" panose="020B0502020104020203" pitchFamily="34" charset="0"/>
+              </a:rPr>
+              <a:t>etc</a:t>
+            </a:r>
+            <a:r>
+              <a:rPr lang="en-GB" sz="4800" b="1" dirty="0">
+                <a:solidFill>
+                  <a:schemeClr val="bg1">
+                    <a:lumMod val="50000"/>
+                  </a:schemeClr>
+                </a:solidFill>
+                <a:latin typeface="Gill Sans MT" panose="020B0502020104020203" pitchFamily="34" charset="0"/>
+              </a:rPr>
+              <a:t>…)</a:t>
+            </a:r>
+            <a:endParaRPr lang="en-GB" sz="7200" b="1" dirty="0">
+              <a:solidFill>
+                <a:schemeClr val="bg1">
+                  <a:lumMod val="50000"/>
+                </a:schemeClr>
+              </a:solidFill>
+              <a:latin typeface="Gill Sans MT" panose="020B0502020104020203" pitchFamily="34" charset="0"/>
+            </a:endParaRPr>
+          </a:p>
+        </p:txBody>
+      </p:sp>
+    </p:spTree>
+    <p:extLst>
+      <p:ext uri="{BB962C8B-B14F-4D97-AF65-F5344CB8AC3E}">
+        <p14:creationId xmlns:p14="http://schemas.microsoft.com/office/powerpoint/2010/main" val="1935589750"/>
+      </p:ext>
+    </p:extLst>
+  </p:cSld>
+  <p:clrMapOvr>
+    <a:masterClrMapping/>
+  </p:clrMapOvr>
+</p:sld>
+</file>
+
+<file path=ppt/slides/slide26.xml><?xml version="1.0" encoding="utf-8"?>
+<p:sld xmlns:a="http://schemas.openxmlformats.org/drawingml/2006/main" xmlns:r="http://schemas.openxmlformats.org/officeDocument/2006/relationships" xmlns:p="http://schemas.openxmlformats.org/presentationml/2006/main">
+  <p:cSld>
+    <p:spTree>
+      <p:nvGrpSpPr>
+        <p:cNvPr id="1" name=""/>
+        <p:cNvGrpSpPr/>
+        <p:nvPr/>
+      </p:nvGrpSpPr>
+      <p:grpSpPr>
+        <a:xfrm>
+          <a:off x="0" y="0"/>
+          <a:ext cx="0" cy="0"/>
+          <a:chOff x="0" y="0"/>
+          <a:chExt cx="0" cy="0"/>
+        </a:xfrm>
+      </p:grpSpPr>
+      <p:sp>
+        <p:nvSpPr>
+          <p:cNvPr id="4" name="Title 3"/>
+          <p:cNvSpPr>
+            <a:spLocks noGrp="1"/>
+          </p:cNvSpPr>
+          <p:nvPr>
+            <p:ph type="title" idx="4294967295"/>
+          </p:nvPr>
+        </p:nvSpPr>
+        <p:spPr>
+          <a:xfrm>
+            <a:off x="1302707" y="1786938"/>
+            <a:ext cx="9966325" cy="2925762"/>
+          </a:xfrm>
+        </p:spPr>
+        <p:txBody>
+          <a:bodyPr>
+            <a:noAutofit/>
+          </a:bodyPr>
+          <a:lstStyle/>
+          <a:p>
+            <a:pPr algn="ctr"/>
+            <a:r>
+              <a:rPr lang="en-GB" sz="7200" b="1" dirty="0">
+                <a:solidFill>
+                  <a:srgbClr val="008080"/>
+                </a:solidFill>
+                <a:latin typeface="Gill Sans MT" panose="020B0502020104020203" pitchFamily="34" charset="0"/>
+              </a:rPr>
               <a:t>R Studio</a:t>
             </a:r>
           </a:p>
@@ -8824,7 +9010,7 @@
 </p:sld>
 </file>
 
-<file path=ppt/slides/slide26.xml><?xml version="1.0" encoding="utf-8"?>
+<file path=ppt/slides/slide27.xml><?xml version="1.0" encoding="utf-8"?>
 <p:sld xmlns:a="http://schemas.openxmlformats.org/drawingml/2006/main" xmlns:r="http://schemas.openxmlformats.org/officeDocument/2006/relationships" xmlns:p="http://schemas.openxmlformats.org/presentationml/2006/main">
   <p:cSld>
     <p:spTree>
@@ -8936,7 +9122,7 @@
 </p:sld>
 </file>
 
-<file path=ppt/slides/slide27.xml><?xml version="1.0" encoding="utf-8"?>
+<file path=ppt/slides/slide28.xml><?xml version="1.0" encoding="utf-8"?>
 <p:sld xmlns:a="http://schemas.openxmlformats.org/drawingml/2006/main" xmlns:r="http://schemas.openxmlformats.org/officeDocument/2006/relationships" xmlns:p="http://schemas.openxmlformats.org/presentationml/2006/main">
   <p:cSld>
     <p:spTree>
@@ -9027,95 +9213,6 @@
 </p:sld>
 </file>
 
-<file path=ppt/slides/slide28.xml><?xml version="1.0" encoding="utf-8"?>
-<p:sld xmlns:a="http://schemas.openxmlformats.org/drawingml/2006/main" xmlns:r="http://schemas.openxmlformats.org/officeDocument/2006/relationships" xmlns:p="http://schemas.openxmlformats.org/presentationml/2006/main">
-  <p:cSld>
-    <p:spTree>
-      <p:nvGrpSpPr>
-        <p:cNvPr id="1" name=""/>
-        <p:cNvGrpSpPr/>
-        <p:nvPr/>
-      </p:nvGrpSpPr>
-      <p:grpSpPr>
-        <a:xfrm>
-          <a:off x="0" y="0"/>
-          <a:ext cx="0" cy="0"/>
-          <a:chOff x="0" y="0"/>
-          <a:chExt cx="0" cy="0"/>
-        </a:xfrm>
-      </p:grpSpPr>
-      <p:sp>
-        <p:nvSpPr>
-          <p:cNvPr id="4" name="Title 3"/>
-          <p:cNvSpPr>
-            <a:spLocks noGrp="1"/>
-          </p:cNvSpPr>
-          <p:nvPr>
-            <p:ph type="title" idx="4294967295"/>
-          </p:nvPr>
-        </p:nvSpPr>
-        <p:spPr>
-          <a:xfrm>
-            <a:off x="1302707" y="1786938"/>
-            <a:ext cx="9966325" cy="2925762"/>
-          </a:xfrm>
-        </p:spPr>
-        <p:txBody>
-          <a:bodyPr>
-            <a:noAutofit/>
-          </a:bodyPr>
-          <a:lstStyle/>
-          <a:p>
-            <a:pPr algn="ctr"/>
-            <a:r>
-              <a:rPr lang="en-GB" sz="7200" b="1" dirty="0">
-                <a:solidFill>
-                  <a:srgbClr val="008080"/>
-                </a:solidFill>
-                <a:latin typeface="Gill Sans MT" panose="020B0502020104020203" pitchFamily="34" charset="0"/>
-              </a:rPr>
-              <a:t>Anaconda</a:t>
-            </a:r>
-          </a:p>
-        </p:txBody>
-      </p:sp>
-      <p:pic>
-        <p:nvPicPr>
-          <p:cNvPr id="5" name="Picture 4"/>
-          <p:cNvPicPr>
-            <a:picLocks noChangeAspect="1"/>
-          </p:cNvPicPr>
-          <p:nvPr/>
-        </p:nvPicPr>
-        <p:blipFill>
-          <a:blip r:embed="rId3"/>
-          <a:stretch>
-            <a:fillRect/>
-          </a:stretch>
-        </p:blipFill>
-        <p:spPr>
-          <a:xfrm>
-            <a:off x="522785" y="736055"/>
-            <a:ext cx="11188475" cy="4457908"/>
-          </a:xfrm>
-          <a:prstGeom prst="rect">
-            <a:avLst/>
-          </a:prstGeom>
-        </p:spPr>
-      </p:pic>
-    </p:spTree>
-    <p:extLst>
-      <p:ext uri="{BB962C8B-B14F-4D97-AF65-F5344CB8AC3E}">
-        <p14:creationId xmlns:p14="http://schemas.microsoft.com/office/powerpoint/2010/main" val="3951628137"/>
-      </p:ext>
-    </p:extLst>
-  </p:cSld>
-  <p:clrMapOvr>
-    <a:masterClrMapping/>
-  </p:clrMapOvr>
-</p:sld>
-</file>
-
 <file path=ppt/slides/slide29.xml><?xml version="1.0" encoding="utf-8"?>
 <p:sld xmlns:a="http://schemas.openxmlformats.org/drawingml/2006/main" xmlns:r="http://schemas.openxmlformats.org/officeDocument/2006/relationships" xmlns:p="http://schemas.openxmlformats.org/presentationml/2006/main">
   <p:cSld>
@@ -9157,53 +9254,45 @@
           <a:p>
             <a:pPr algn="ctr"/>
             <a:r>
-              <a:rPr lang="en-GB" sz="7200" b="1" dirty="0" err="1">
+              <a:rPr lang="en-GB" sz="7200" b="1" dirty="0">
                 <a:solidFill>
                   <a:srgbClr val="008080"/>
                 </a:solidFill>
                 <a:latin typeface="Gill Sans MT" panose="020B0502020104020203" pitchFamily="34" charset="0"/>
               </a:rPr>
-              <a:t>Matplotlib</a:t>
-            </a:r>
-            <a:br>
-              <a:rPr lang="en-GB" sz="7200" b="1" dirty="0">
-                <a:solidFill>
-                  <a:srgbClr val="008080"/>
-                </a:solidFill>
-                <a:latin typeface="Gill Sans MT" panose="020B0502020104020203" pitchFamily="34" charset="0"/>
-              </a:rPr>
-            </a:br>
-            <a:r>
-              <a:rPr lang="en-GB" sz="7200" b="1" dirty="0">
-                <a:solidFill>
-                  <a:srgbClr val="008080"/>
-                </a:solidFill>
-                <a:latin typeface="Gill Sans MT" panose="020B0502020104020203" pitchFamily="34" charset="0"/>
-              </a:rPr>
-              <a:t>&amp; </a:t>
-            </a:r>
-            <a:r>
-              <a:rPr lang="en-GB" sz="7200" b="1" dirty="0" err="1">
-                <a:solidFill>
-                  <a:srgbClr val="008080"/>
-                </a:solidFill>
-                <a:latin typeface="Gill Sans MT" panose="020B0502020104020203" pitchFamily="34" charset="0"/>
-              </a:rPr>
-              <a:t>Seaborn</a:t>
-            </a:r>
-            <a:endParaRPr lang="en-GB" sz="7200" b="1" dirty="0">
-              <a:solidFill>
-                <a:srgbClr val="008080"/>
-              </a:solidFill>
-              <a:latin typeface="Gill Sans MT" panose="020B0502020104020203" pitchFamily="34" charset="0"/>
-            </a:endParaRPr>
-          </a:p>
-        </p:txBody>
-      </p:sp>
+              <a:t>Anaconda</a:t>
+            </a:r>
+          </a:p>
+        </p:txBody>
+      </p:sp>
+      <p:pic>
+        <p:nvPicPr>
+          <p:cNvPr id="5" name="Picture 4"/>
+          <p:cNvPicPr>
+            <a:picLocks noChangeAspect="1"/>
+          </p:cNvPicPr>
+          <p:nvPr/>
+        </p:nvPicPr>
+        <p:blipFill>
+          <a:blip r:embed="rId3"/>
+          <a:stretch>
+            <a:fillRect/>
+          </a:stretch>
+        </p:blipFill>
+        <p:spPr>
+          <a:xfrm>
+            <a:off x="522785" y="736055"/>
+            <a:ext cx="11188475" cy="4457908"/>
+          </a:xfrm>
+          <a:prstGeom prst="rect">
+            <a:avLst/>
+          </a:prstGeom>
+        </p:spPr>
+      </p:pic>
     </p:spTree>
     <p:extLst>
       <p:ext uri="{BB962C8B-B14F-4D97-AF65-F5344CB8AC3E}">
-        <p14:creationId xmlns:p14="http://schemas.microsoft.com/office/powerpoint/2010/main" val="2194456262"/>
+        <p14:creationId xmlns:p14="http://schemas.microsoft.com/office/powerpoint/2010/main" val="3951628137"/>
       </p:ext>
     </p:extLst>
   </p:cSld>
@@ -9703,106 +9792,10 @@
           </a:p>
         </p:txBody>
       </p:sp>
-      <p:pic>
-        <p:nvPicPr>
-          <p:cNvPr id="2" name="Picture 1"/>
-          <p:cNvPicPr>
-            <a:picLocks noChangeAspect="1"/>
-          </p:cNvPicPr>
-          <p:nvPr/>
-        </p:nvPicPr>
-        <p:blipFill rotWithShape="1">
-          <a:blip r:embed="rId2"/>
-          <a:srcRect l="8377" t="17000" r="32532"/>
-          <a:stretch/>
-        </p:blipFill>
-        <p:spPr>
-          <a:xfrm>
-            <a:off x="4018547" y="264695"/>
-            <a:ext cx="7868652" cy="6324600"/>
-          </a:xfrm>
-          <a:prstGeom prst="rect">
-            <a:avLst/>
-          </a:prstGeom>
-        </p:spPr>
-      </p:pic>
-      <p:sp>
-        <p:nvSpPr>
-          <p:cNvPr id="5" name="TextBox 4"/>
-          <p:cNvSpPr txBox="1"/>
-          <p:nvPr/>
-        </p:nvSpPr>
-        <p:spPr>
-          <a:xfrm>
-            <a:off x="419950" y="1140607"/>
-            <a:ext cx="3416386" cy="2862322"/>
-          </a:xfrm>
-          <a:prstGeom prst="rect">
-            <a:avLst/>
-          </a:prstGeom>
-          <a:noFill/>
-        </p:spPr>
-        <p:txBody>
-          <a:bodyPr wrap="square" rtlCol="0">
-            <a:spAutoFit/>
-          </a:bodyPr>
-          <a:lstStyle/>
-          <a:p>
-            <a:pPr algn="ctr"/>
-            <a:r>
-              <a:rPr lang="en-GB" sz="3600" dirty="0" err="1">
-                <a:solidFill>
-                  <a:schemeClr val="bg1">
-                    <a:lumMod val="50000"/>
-                  </a:schemeClr>
-                </a:solidFill>
-                <a:latin typeface="Gill Sans MT" panose="020B0502020104020203" pitchFamily="34" charset="0"/>
-              </a:rPr>
-              <a:t>Matplotlib</a:t>
-            </a:r>
-            <a:r>
-              <a:rPr lang="en-GB" sz="3600" dirty="0">
-                <a:solidFill>
-                  <a:schemeClr val="bg1">
-                    <a:lumMod val="50000"/>
-                  </a:schemeClr>
-                </a:solidFill>
-                <a:latin typeface="Gill Sans MT" panose="020B0502020104020203" pitchFamily="34" charset="0"/>
-              </a:rPr>
-              <a:t> gallery</a:t>
-            </a:r>
-          </a:p>
-          <a:p>
-            <a:pPr algn="ctr"/>
-            <a:endParaRPr lang="en-GB" sz="3600" dirty="0">
-              <a:solidFill>
-                <a:schemeClr val="bg1">
-                  <a:lumMod val="50000"/>
-                </a:schemeClr>
-              </a:solidFill>
-              <a:latin typeface="Gill Sans MT" panose="020B0502020104020203" pitchFamily="34" charset="0"/>
-            </a:endParaRPr>
-          </a:p>
-          <a:p>
-            <a:pPr algn="ctr"/>
-            <a:r>
-              <a:rPr lang="en-GB" sz="3600" dirty="0">
-                <a:solidFill>
-                  <a:schemeClr val="bg1">
-                    <a:lumMod val="50000"/>
-                  </a:schemeClr>
-                </a:solidFill>
-                <a:latin typeface="Gill Sans MT" panose="020B0502020104020203" pitchFamily="34" charset="0"/>
-              </a:rPr>
-              <a:t>Click each example to see source code</a:t>
-            </a:r>
-          </a:p>
-        </p:txBody>
-      </p:sp>
     </p:spTree>
     <p:extLst>
       <p:ext uri="{BB962C8B-B14F-4D97-AF65-F5344CB8AC3E}">
-        <p14:creationId xmlns:p14="http://schemas.microsoft.com/office/powerpoint/2010/main" val="3726495309"/>
+        <p14:creationId xmlns:p14="http://schemas.microsoft.com/office/powerpoint/2010/main" val="2194456262"/>
       </p:ext>
     </p:extLst>
   </p:cSld>
@@ -9898,22 +9891,21 @@
       </p:sp>
       <p:pic>
         <p:nvPicPr>
-          <p:cNvPr id="3" name="Picture 2"/>
+          <p:cNvPr id="2" name="Picture 1"/>
           <p:cNvPicPr>
             <a:picLocks noChangeAspect="1"/>
           </p:cNvPicPr>
           <p:nvPr/>
         </p:nvPicPr>
-        <p:blipFill>
+        <p:blipFill rotWithShape="1">
           <a:blip r:embed="rId2"/>
-          <a:stretch>
-            <a:fillRect/>
-          </a:stretch>
+          <a:srcRect l="8377" t="17000" r="32532"/>
+          <a:stretch/>
         </p:blipFill>
         <p:spPr>
           <a:xfrm>
-            <a:off x="813761" y="741792"/>
-            <a:ext cx="10564479" cy="4534792"/>
+            <a:off x="4018547" y="264695"/>
+            <a:ext cx="7868652" cy="6324600"/>
           </a:xfrm>
           <a:prstGeom prst="rect">
             <a:avLst/>
@@ -9928,8 +9920,8 @@
         </p:nvSpPr>
         <p:spPr>
           <a:xfrm>
-            <a:off x="2128433" y="5276584"/>
-            <a:ext cx="8868429" cy="646331"/>
+            <a:off x="419950" y="1140607"/>
+            <a:ext cx="3416386" cy="2862322"/>
           </a:xfrm>
           <a:prstGeom prst="rect">
             <a:avLst/>
@@ -9952,7 +9944,7 @@
                 </a:solidFill>
                 <a:latin typeface="Gill Sans MT" panose="020B0502020104020203" pitchFamily="34" charset="0"/>
               </a:rPr>
-              <a:t>Seaborn</a:t>
+              <a:t>Matplotlib</a:t>
             </a:r>
             <a:r>
               <a:rPr lang="en-GB" sz="3600" dirty="0">
@@ -9966,12 +9958,37 @@
               <a:t> gallery</a:t>
             </a:r>
           </a:p>
+          <a:p>
+            <a:pPr algn="ctr"/>
+            <a:endParaRPr lang="en-GB" sz="3600" dirty="0">
+              <a:solidFill>
+                <a:schemeClr val="bg1">
+                  <a:lumMod val="50000"/>
+                </a:schemeClr>
+              </a:solidFill>
+              <a:latin typeface="Gill Sans MT" panose="020B0502020104020203" pitchFamily="34" charset="0"/>
+            </a:endParaRPr>
+          </a:p>
+          <a:p>
+            <a:pPr algn="ctr"/>
+            <a:r>
+              <a:rPr lang="en-GB" sz="3600" dirty="0">
+                <a:solidFill>
+                  <a:schemeClr val="bg1">
+                    <a:lumMod val="50000"/>
+                  </a:schemeClr>
+                </a:solidFill>
+                <a:latin typeface="Gill Sans MT" panose="020B0502020104020203" pitchFamily="34" charset="0"/>
+              </a:rPr>
+              <a:t>Click each example to see source code</a:t>
+            </a:r>
+          </a:p>
         </p:txBody>
       </p:sp>
     </p:spTree>
     <p:extLst>
       <p:ext uri="{BB962C8B-B14F-4D97-AF65-F5344CB8AC3E}">
-        <p14:creationId xmlns:p14="http://schemas.microsoft.com/office/powerpoint/2010/main" val="1211233608"/>
+        <p14:creationId xmlns:p14="http://schemas.microsoft.com/office/powerpoint/2010/main" val="3726495309"/>
       </p:ext>
     </p:extLst>
   </p:cSld>
@@ -10010,7 +10027,7 @@
         </p:nvSpPr>
         <p:spPr>
           <a:xfrm>
-            <a:off x="1302705" y="752222"/>
+            <a:off x="1302707" y="1786938"/>
             <a:ext cx="9966325" cy="2925762"/>
           </a:xfrm>
         </p:spPr>
@@ -10028,17 +10045,40 @@
                 </a:solidFill>
                 <a:latin typeface="Gill Sans MT" panose="020B0502020104020203" pitchFamily="34" charset="0"/>
               </a:rPr>
-              <a:t>Jupyter</a:t>
-            </a:r>
-            <a:r>
+              <a:t>Matplotlib</a:t>
+            </a:r>
+            <a:br>
               <a:rPr lang="en-GB" sz="7200" b="1" dirty="0">
                 <a:solidFill>
                   <a:srgbClr val="008080"/>
                 </a:solidFill>
                 <a:latin typeface="Gill Sans MT" panose="020B0502020104020203" pitchFamily="34" charset="0"/>
               </a:rPr>
-              <a:t> Notebook</a:t>
-            </a:r>
+            </a:br>
+            <a:r>
+              <a:rPr lang="en-GB" sz="7200" b="1" dirty="0">
+                <a:solidFill>
+                  <a:srgbClr val="008080"/>
+                </a:solidFill>
+                <a:latin typeface="Gill Sans MT" panose="020B0502020104020203" pitchFamily="34" charset="0"/>
+              </a:rPr>
+              <a:t>&amp; </a:t>
+            </a:r>
+            <a:r>
+              <a:rPr lang="en-GB" sz="7200" b="1" dirty="0" err="1">
+                <a:solidFill>
+                  <a:srgbClr val="008080"/>
+                </a:solidFill>
+                <a:latin typeface="Gill Sans MT" panose="020B0502020104020203" pitchFamily="34" charset="0"/>
+              </a:rPr>
+              <a:t>Seaborn</a:t>
+            </a:r>
+            <a:endParaRPr lang="en-GB" sz="7200" b="1" dirty="0">
+              <a:solidFill>
+                <a:srgbClr val="008080"/>
+              </a:solidFill>
+              <a:latin typeface="Gill Sans MT" panose="020B0502020104020203" pitchFamily="34" charset="0"/>
+            </a:endParaRPr>
           </a:p>
         </p:txBody>
       </p:sp>
@@ -10058,6 +10098,152 @@
         </p:blipFill>
         <p:spPr>
           <a:xfrm>
+            <a:off x="813761" y="741792"/>
+            <a:ext cx="10564479" cy="4534792"/>
+          </a:xfrm>
+          <a:prstGeom prst="rect">
+            <a:avLst/>
+          </a:prstGeom>
+        </p:spPr>
+      </p:pic>
+      <p:sp>
+        <p:nvSpPr>
+          <p:cNvPr id="5" name="TextBox 4"/>
+          <p:cNvSpPr txBox="1"/>
+          <p:nvPr/>
+        </p:nvSpPr>
+        <p:spPr>
+          <a:xfrm>
+            <a:off x="2128433" y="5276584"/>
+            <a:ext cx="8868429" cy="646331"/>
+          </a:xfrm>
+          <a:prstGeom prst="rect">
+            <a:avLst/>
+          </a:prstGeom>
+          <a:noFill/>
+        </p:spPr>
+        <p:txBody>
+          <a:bodyPr wrap="square" rtlCol="0">
+            <a:spAutoFit/>
+          </a:bodyPr>
+          <a:lstStyle/>
+          <a:p>
+            <a:pPr algn="ctr"/>
+            <a:r>
+              <a:rPr lang="en-GB" sz="3600" dirty="0" err="1">
+                <a:solidFill>
+                  <a:schemeClr val="bg1">
+                    <a:lumMod val="50000"/>
+                  </a:schemeClr>
+                </a:solidFill>
+                <a:latin typeface="Gill Sans MT" panose="020B0502020104020203" pitchFamily="34" charset="0"/>
+              </a:rPr>
+              <a:t>Seaborn</a:t>
+            </a:r>
+            <a:r>
+              <a:rPr lang="en-GB" sz="3600" dirty="0">
+                <a:solidFill>
+                  <a:schemeClr val="bg1">
+                    <a:lumMod val="50000"/>
+                  </a:schemeClr>
+                </a:solidFill>
+                <a:latin typeface="Gill Sans MT" panose="020B0502020104020203" pitchFamily="34" charset="0"/>
+              </a:rPr>
+              <a:t> gallery</a:t>
+            </a:r>
+          </a:p>
+        </p:txBody>
+      </p:sp>
+    </p:spTree>
+    <p:extLst>
+      <p:ext uri="{BB962C8B-B14F-4D97-AF65-F5344CB8AC3E}">
+        <p14:creationId xmlns:p14="http://schemas.microsoft.com/office/powerpoint/2010/main" val="1211233608"/>
+      </p:ext>
+    </p:extLst>
+  </p:cSld>
+  <p:clrMapOvr>
+    <a:masterClrMapping/>
+  </p:clrMapOvr>
+</p:sld>
+</file>
+
+<file path=ppt/slides/slide33.xml><?xml version="1.0" encoding="utf-8"?>
+<p:sld xmlns:a="http://schemas.openxmlformats.org/drawingml/2006/main" xmlns:r="http://schemas.openxmlformats.org/officeDocument/2006/relationships" xmlns:p="http://schemas.openxmlformats.org/presentationml/2006/main">
+  <p:cSld>
+    <p:spTree>
+      <p:nvGrpSpPr>
+        <p:cNvPr id="1" name=""/>
+        <p:cNvGrpSpPr/>
+        <p:nvPr/>
+      </p:nvGrpSpPr>
+      <p:grpSpPr>
+        <a:xfrm>
+          <a:off x="0" y="0"/>
+          <a:ext cx="0" cy="0"/>
+          <a:chOff x="0" y="0"/>
+          <a:chExt cx="0" cy="0"/>
+        </a:xfrm>
+      </p:grpSpPr>
+      <p:sp>
+        <p:nvSpPr>
+          <p:cNvPr id="4" name="Title 3"/>
+          <p:cNvSpPr>
+            <a:spLocks noGrp="1"/>
+          </p:cNvSpPr>
+          <p:nvPr>
+            <p:ph type="title" idx="4294967295"/>
+          </p:nvPr>
+        </p:nvSpPr>
+        <p:spPr>
+          <a:xfrm>
+            <a:off x="1302705" y="752222"/>
+            <a:ext cx="9966325" cy="2925762"/>
+          </a:xfrm>
+        </p:spPr>
+        <p:txBody>
+          <a:bodyPr>
+            <a:noAutofit/>
+          </a:bodyPr>
+          <a:lstStyle/>
+          <a:p>
+            <a:pPr algn="ctr"/>
+            <a:r>
+              <a:rPr lang="en-GB" sz="7200" b="1" dirty="0" err="1">
+                <a:solidFill>
+                  <a:srgbClr val="008080"/>
+                </a:solidFill>
+                <a:latin typeface="Gill Sans MT" panose="020B0502020104020203" pitchFamily="34" charset="0"/>
+              </a:rPr>
+              <a:t>Jupyter</a:t>
+            </a:r>
+            <a:r>
+              <a:rPr lang="en-GB" sz="7200" b="1" dirty="0">
+                <a:solidFill>
+                  <a:srgbClr val="008080"/>
+                </a:solidFill>
+                <a:latin typeface="Gill Sans MT" panose="020B0502020104020203" pitchFamily="34" charset="0"/>
+              </a:rPr>
+              <a:t> Notebook</a:t>
+            </a:r>
+          </a:p>
+        </p:txBody>
+      </p:sp>
+      <p:pic>
+        <p:nvPicPr>
+          <p:cNvPr id="3" name="Picture 2"/>
+          <p:cNvPicPr>
+            <a:picLocks noChangeAspect="1"/>
+          </p:cNvPicPr>
+          <p:nvPr/>
+        </p:nvPicPr>
+        <p:blipFill>
+          <a:blip r:embed="rId2"/>
+          <a:stretch>
+            <a:fillRect/>
+          </a:stretch>
+        </p:blipFill>
+        <p:spPr>
+          <a:xfrm>
             <a:off x="3119201" y="2777797"/>
             <a:ext cx="6333332" cy="3160370"/>
           </a:xfrm>
@@ -10079,7 +10265,7 @@
 </p:sld>
 </file>
 
-<file path=ppt/slides/slide33.xml><?xml version="1.0" encoding="utf-8"?>
+<file path=ppt/slides/slide34.xml><?xml version="1.0" encoding="utf-8"?>
 <p:sld xmlns:a="http://schemas.openxmlformats.org/drawingml/2006/main" xmlns:r="http://schemas.openxmlformats.org/officeDocument/2006/relationships" xmlns:p="http://schemas.openxmlformats.org/presentationml/2006/main">
   <p:cSld>
     <p:spTree>
@@ -10143,89 +10329,59 @@
           </a:prstGeom>
         </p:spPr>
       </p:pic>
-    </p:spTree>
-    <p:extLst>
-      <p:ext uri="{BB962C8B-B14F-4D97-AF65-F5344CB8AC3E}">
-        <p14:creationId xmlns:p14="http://schemas.microsoft.com/office/powerpoint/2010/main" val="523422687"/>
-      </p:ext>
-    </p:extLst>
-  </p:cSld>
-  <p:clrMapOvr>
-    <a:masterClrMapping/>
-  </p:clrMapOvr>
-</p:sld>
-</file>
-
-<file path=ppt/slides/slide34.xml><?xml version="1.0" encoding="utf-8"?>
-<p:sld xmlns:a="http://schemas.openxmlformats.org/drawingml/2006/main" xmlns:r="http://schemas.openxmlformats.org/officeDocument/2006/relationships" xmlns:p="http://schemas.openxmlformats.org/presentationml/2006/main">
-  <p:cSld>
-    <p:spTree>
-      <p:nvGrpSpPr>
-        <p:cNvPr id="1" name=""/>
-        <p:cNvGrpSpPr/>
-        <p:nvPr/>
-      </p:nvGrpSpPr>
-      <p:grpSpPr>
-        <a:xfrm>
-          <a:off x="0" y="0"/>
-          <a:ext cx="0" cy="0"/>
-          <a:chOff x="0" y="0"/>
-          <a:chExt cx="0" cy="0"/>
-        </a:xfrm>
-      </p:grpSpPr>
-      <p:sp>
-        <p:nvSpPr>
-          <p:cNvPr id="4" name="Title 3"/>
-          <p:cNvSpPr>
-            <a:spLocks noGrp="1"/>
-          </p:cNvSpPr>
-          <p:nvPr>
-            <p:ph type="title" idx="4294967295"/>
-          </p:nvPr>
+      <p:sp>
+        <p:nvSpPr>
+          <p:cNvPr id="4" name="TextBox 3"/>
+          <p:cNvSpPr txBox="1"/>
+          <p:nvPr/>
         </p:nvSpPr>
         <p:spPr>
           <a:xfrm>
-            <a:off x="1302707" y="1786938"/>
-            <a:ext cx="9966325" cy="2925762"/>
-          </a:xfrm>
-        </p:spPr>
-        <p:txBody>
-          <a:bodyPr>
-            <a:noAutofit/>
+            <a:off x="459969" y="4361151"/>
+            <a:ext cx="6027917" cy="341477"/>
+          </a:xfrm>
+          <a:prstGeom prst="rect">
+            <a:avLst/>
+          </a:prstGeom>
+          <a:noFill/>
+        </p:spPr>
+        <p:txBody>
+          <a:bodyPr wrap="square" rtlCol="0">
+            <a:spAutoFit/>
           </a:bodyPr>
           <a:lstStyle/>
           <a:p>
-            <a:pPr algn="ctr"/>
-            <a:r>
-              <a:rPr lang="en-GB" sz="7200" b="1" dirty="0">
-                <a:solidFill>
-                  <a:srgbClr val="008080"/>
-                </a:solidFill>
-                <a:latin typeface="Gill Sans MT" panose="020B0502020104020203" pitchFamily="34" charset="0"/>
+            <a:r>
+              <a:rPr lang="en-GB" sz="1600" dirty="0">
+                <a:solidFill>
+                  <a:schemeClr val="bg1">
+                    <a:lumMod val="50000"/>
+                  </a:schemeClr>
+                </a:solidFill>
               </a:rPr>
-              <a:t>Community</a:t>
+              <a:t>https://losc.ligo.org/s/events/GW150914/GW150914_tutorial.html</a:t>
             </a:r>
           </a:p>
         </p:txBody>
       </p:sp>
       <p:pic>
         <p:nvPicPr>
-          <p:cNvPr id="6" name="Picture 5"/>
+          <p:cNvPr id="2" name="Picture 1"/>
           <p:cNvPicPr>
             <a:picLocks noChangeAspect="1"/>
           </p:cNvPicPr>
           <p:nvPr/>
         </p:nvPicPr>
         <p:blipFill>
-          <a:blip r:embed="rId2"/>
+          <a:blip r:embed="rId5"/>
           <a:stretch>
             <a:fillRect/>
           </a:stretch>
         </p:blipFill>
         <p:spPr>
           <a:xfrm>
-            <a:off x="241473" y="250216"/>
-            <a:ext cx="2476675" cy="2442085"/>
+            <a:off x="2438399" y="4899776"/>
+            <a:ext cx="3744687" cy="767462"/>
           </a:xfrm>
           <a:prstGeom prst="rect">
             <a:avLst/>
@@ -10235,7 +10391,7 @@
     </p:spTree>
     <p:extLst>
       <p:ext uri="{BB962C8B-B14F-4D97-AF65-F5344CB8AC3E}">
-        <p14:creationId xmlns:p14="http://schemas.microsoft.com/office/powerpoint/2010/main" val="1332079003"/>
+        <p14:creationId xmlns:p14="http://schemas.microsoft.com/office/powerpoint/2010/main" val="523422687"/>
       </p:ext>
     </p:extLst>
   </p:cSld>
@@ -10292,7 +10448,296 @@
                 </a:solidFill>
                 <a:latin typeface="Gill Sans MT" panose="020B0502020104020203" pitchFamily="34" charset="0"/>
               </a:rPr>
-              <a:t>Git vs GitHub</a:t>
+              <a:t>Community</a:t>
+            </a:r>
+          </a:p>
+        </p:txBody>
+      </p:sp>
+      <p:pic>
+        <p:nvPicPr>
+          <p:cNvPr id="6" name="Picture 5"/>
+          <p:cNvPicPr>
+            <a:picLocks noChangeAspect="1"/>
+          </p:cNvPicPr>
+          <p:nvPr/>
+        </p:nvPicPr>
+        <p:blipFill>
+          <a:blip r:embed="rId2"/>
+          <a:stretch>
+            <a:fillRect/>
+          </a:stretch>
+        </p:blipFill>
+        <p:spPr>
+          <a:xfrm>
+            <a:off x="323216" y="362857"/>
+            <a:ext cx="2318379" cy="2286000"/>
+          </a:xfrm>
+          <a:prstGeom prst="rect">
+            <a:avLst/>
+          </a:prstGeom>
+        </p:spPr>
+      </p:pic>
+      <p:sp>
+        <p:nvSpPr>
+          <p:cNvPr id="5" name="TextBox 4"/>
+          <p:cNvSpPr txBox="1"/>
+          <p:nvPr/>
+        </p:nvSpPr>
+        <p:spPr>
+          <a:xfrm>
+            <a:off x="2196369" y="3842105"/>
+            <a:ext cx="8178999" cy="461665"/>
+          </a:xfrm>
+          <a:prstGeom prst="rect">
+            <a:avLst/>
+          </a:prstGeom>
+          <a:noFill/>
+        </p:spPr>
+        <p:txBody>
+          <a:bodyPr wrap="square" rtlCol="0">
+            <a:spAutoFit/>
+          </a:bodyPr>
+          <a:lstStyle/>
+          <a:p>
+            <a:pPr algn="ctr"/>
+            <a:r>
+              <a:rPr lang="en-GB" sz="2400" dirty="0">
+                <a:solidFill>
+                  <a:schemeClr val="bg1">
+                    <a:lumMod val="50000"/>
+                  </a:schemeClr>
+                </a:solidFill>
+                <a:latin typeface="Gill Sans MT" panose="020B0502020104020203" pitchFamily="34" charset="0"/>
+              </a:rPr>
+              <a:t>https://www.mozillascience.org</a:t>
+            </a:r>
+          </a:p>
+        </p:txBody>
+      </p:sp>
+      <p:pic>
+        <p:nvPicPr>
+          <p:cNvPr id="1034" name="Picture 10" descr="http://www.software.ac.uk/sites/default/files/images/content/SoftwareCarpenty_logo.jpg"/>
+          <p:cNvPicPr>
+            <a:picLocks noChangeAspect="1" noChangeArrowheads="1"/>
+          </p:cNvPicPr>
+          <p:nvPr/>
+        </p:nvPicPr>
+        <p:blipFill rotWithShape="1">
+          <a:blip r:embed="rId3">
+            <a:extLst>
+              <a:ext uri="{28A0092B-C50C-407E-A947-70E740481C1C}">
+                <a14:useLocalDpi xmlns:a14="http://schemas.microsoft.com/office/drawing/2010/main" val="0"/>
+              </a:ext>
+            </a:extLst>
+          </a:blip>
+          <a:srcRect t="20562" b="20111"/>
+          <a:stretch/>
+        </p:blipFill>
+        <p:spPr bwMode="auto">
+          <a:xfrm>
+            <a:off x="6657975" y="362857"/>
+            <a:ext cx="5130883" cy="2286000"/>
+          </a:xfrm>
+          <a:prstGeom prst="rect">
+            <a:avLst/>
+          </a:prstGeom>
+          <a:noFill/>
+          <a:extLst>
+            <a:ext uri="{909E8E84-426E-40DD-AFC4-6F175D3DCCD1}">
+              <a14:hiddenFill xmlns:a14="http://schemas.microsoft.com/office/drawing/2010/main">
+                <a:solidFill>
+                  <a:srgbClr val="FFFFFF"/>
+                </a:solidFill>
+              </a14:hiddenFill>
+            </a:ext>
+          </a:extLst>
+        </p:spPr>
+      </p:pic>
+      <p:pic>
+        <p:nvPicPr>
+          <p:cNvPr id="1036" name="Picture 12" descr="http://www.software.ac.uk/sites/default/files/images/content/DC1_logo.jpg"/>
+          <p:cNvPicPr>
+            <a:picLocks noChangeAspect="1" noChangeArrowheads="1"/>
+          </p:cNvPicPr>
+          <p:nvPr/>
+        </p:nvPicPr>
+        <p:blipFill>
+          <a:blip r:embed="rId4">
+            <a:extLst>
+              <a:ext uri="{28A0092B-C50C-407E-A947-70E740481C1C}">
+                <a14:useLocalDpi xmlns:a14="http://schemas.microsoft.com/office/drawing/2010/main" val="0"/>
+              </a:ext>
+            </a:extLst>
+          </a:blip>
+          <a:srcRect/>
+          <a:stretch>
+            <a:fillRect/>
+          </a:stretch>
+        </p:blipFill>
+        <p:spPr bwMode="auto">
+          <a:xfrm>
+            <a:off x="3192076" y="609600"/>
+            <a:ext cx="2915418" cy="1828800"/>
+          </a:xfrm>
+          <a:prstGeom prst="rect">
+            <a:avLst/>
+          </a:prstGeom>
+          <a:noFill/>
+          <a:extLst>
+            <a:ext uri="{909E8E84-426E-40DD-AFC4-6F175D3DCCD1}">
+              <a14:hiddenFill xmlns:a14="http://schemas.microsoft.com/office/drawing/2010/main">
+                <a:solidFill>
+                  <a:srgbClr val="FFFFFF"/>
+                </a:solidFill>
+              </a14:hiddenFill>
+            </a:ext>
+          </a:extLst>
+        </p:spPr>
+      </p:pic>
+      <p:sp>
+        <p:nvSpPr>
+          <p:cNvPr id="12" name="TextBox 11"/>
+          <p:cNvSpPr txBox="1"/>
+          <p:nvPr/>
+        </p:nvSpPr>
+        <p:spPr>
+          <a:xfrm>
+            <a:off x="2196369" y="4797037"/>
+            <a:ext cx="8178999" cy="461665"/>
+          </a:xfrm>
+          <a:prstGeom prst="rect">
+            <a:avLst/>
+          </a:prstGeom>
+          <a:noFill/>
+        </p:spPr>
+        <p:txBody>
+          <a:bodyPr wrap="square" rtlCol="0">
+            <a:spAutoFit/>
+          </a:bodyPr>
+          <a:lstStyle/>
+          <a:p>
+            <a:pPr algn="ctr"/>
+            <a:r>
+              <a:rPr lang="en-GB" sz="2400" dirty="0">
+                <a:solidFill>
+                  <a:schemeClr val="bg1">
+                    <a:lumMod val="50000"/>
+                  </a:schemeClr>
+                </a:solidFill>
+                <a:latin typeface="Gill Sans MT" panose="020B0502020104020203" pitchFamily="34" charset="0"/>
+              </a:rPr>
+              <a:t>http://data-carpentry.org</a:t>
+            </a:r>
+          </a:p>
+        </p:txBody>
+      </p:sp>
+      <p:sp>
+        <p:nvSpPr>
+          <p:cNvPr id="13" name="TextBox 12"/>
+          <p:cNvSpPr txBox="1"/>
+          <p:nvPr/>
+        </p:nvSpPr>
+        <p:spPr>
+          <a:xfrm>
+            <a:off x="2196369" y="4319571"/>
+            <a:ext cx="8178999" cy="461665"/>
+          </a:xfrm>
+          <a:prstGeom prst="rect">
+            <a:avLst/>
+          </a:prstGeom>
+          <a:noFill/>
+        </p:spPr>
+        <p:txBody>
+          <a:bodyPr wrap="square" rtlCol="0">
+            <a:spAutoFit/>
+          </a:bodyPr>
+          <a:lstStyle/>
+          <a:p>
+            <a:pPr algn="ctr"/>
+            <a:r>
+              <a:rPr lang="en-GB" sz="2400" dirty="0">
+                <a:solidFill>
+                  <a:schemeClr val="bg1">
+                    <a:lumMod val="50000"/>
+                  </a:schemeClr>
+                </a:solidFill>
+                <a:latin typeface="Gill Sans MT" panose="020B0502020104020203" pitchFamily="34" charset="0"/>
+              </a:rPr>
+              <a:t>http://software-carpentry.org</a:t>
+            </a:r>
+          </a:p>
+        </p:txBody>
+      </p:sp>
+      <p:sp>
+        <p:nvSpPr>
+          <p:cNvPr id="14" name="TextBox 13"/>
+          <p:cNvSpPr txBox="1"/>
+          <p:nvPr/>
+        </p:nvSpPr>
+        <p:spPr>
+          <a:xfrm>
+            <a:off x="2196369" y="5274503"/>
+            <a:ext cx="8178999" cy="461665"/>
+          </a:xfrm>
+          <a:prstGeom prst="rect">
+            <a:avLst/>
+          </a:prstGeom>
+          <a:noFill/>
+        </p:spPr>
+        <p:txBody>
+          <a:bodyPr wrap="square" rtlCol="0">
+            <a:spAutoFit/>
+          </a:bodyPr>
+          <a:lstStyle/>
+          <a:p>
+            <a:pPr algn="ctr"/>
+            <a:r>
+              <a:rPr lang="en-GB" sz="2400" dirty="0">
+                <a:solidFill>
+                  <a:schemeClr val="bg1">
+                    <a:lumMod val="50000"/>
+                  </a:schemeClr>
+                </a:solidFill>
+                <a:latin typeface="Gill Sans MT" panose="020B0502020104020203" pitchFamily="34" charset="0"/>
+              </a:rPr>
+              <a:t>https://www.coursera.org/specializations/jhu-data-science</a:t>
+            </a:r>
+          </a:p>
+        </p:txBody>
+      </p:sp>
+      <p:sp>
+        <p:nvSpPr>
+          <p:cNvPr id="15" name="TextBox 14"/>
+          <p:cNvSpPr txBox="1"/>
+          <p:nvPr/>
+        </p:nvSpPr>
+        <p:spPr>
+          <a:xfrm>
+            <a:off x="2196369" y="5751967"/>
+            <a:ext cx="8178999" cy="461665"/>
+          </a:xfrm>
+          <a:prstGeom prst="rect">
+            <a:avLst/>
+          </a:prstGeom>
+          <a:noFill/>
+        </p:spPr>
+        <p:txBody>
+          <a:bodyPr wrap="square" rtlCol="0">
+            <a:spAutoFit/>
+          </a:bodyPr>
+          <a:lstStyle/>
+          <a:p>
+            <a:pPr algn="ctr"/>
+            <a:r>
+              <a:rPr lang="en-GB" sz="2400" dirty="0">
+                <a:solidFill>
+                  <a:schemeClr val="bg1">
+                    <a:lumMod val="50000"/>
+                  </a:schemeClr>
+                </a:solidFill>
+                <a:latin typeface="Gill Sans MT" panose="020B0502020104020203" pitchFamily="34" charset="0"/>
+              </a:rPr>
+              <a:t>https://www.coursera.org/learn/python/home/info</a:t>
             </a:r>
           </a:p>
         </p:txBody>
@@ -10300,7 +10745,7 @@
     </p:spTree>
     <p:extLst>
       <p:ext uri="{BB962C8B-B14F-4D97-AF65-F5344CB8AC3E}">
-        <p14:creationId xmlns:p14="http://schemas.microsoft.com/office/powerpoint/2010/main" val="4093486244"/>
+        <p14:creationId xmlns:p14="http://schemas.microsoft.com/office/powerpoint/2010/main" val="1332079003"/>
       </p:ext>
     </p:extLst>
   </p:cSld>
@@ -10329,119 +10774,43 @@
       </p:grpSpPr>
       <p:sp>
         <p:nvSpPr>
-          <p:cNvPr id="5" name="Title 3"/>
-          <p:cNvSpPr txBox="1">
-            <a:spLocks/>
-          </p:cNvSpPr>
-          <p:nvPr/>
+          <p:cNvPr id="4" name="Title 3"/>
+          <p:cNvSpPr>
+            <a:spLocks noGrp="1"/>
+          </p:cNvSpPr>
+          <p:nvPr>
+            <p:ph type="title" idx="4294967295"/>
+          </p:nvPr>
         </p:nvSpPr>
         <p:spPr>
           <a:xfrm>
-            <a:off x="1966585" y="5899758"/>
-            <a:ext cx="9966325" cy="806667"/>
-          </a:xfrm>
-          <a:prstGeom prst="rect">
-            <a:avLst/>
-          </a:prstGeom>
-        </p:spPr>
-        <p:txBody>
-          <a:bodyPr vert="horz" lIns="91440" tIns="45720" rIns="91440" bIns="45720" rtlCol="0" anchor="ctr">
+            <a:off x="1302707" y="1786938"/>
+            <a:ext cx="9966325" cy="2925762"/>
+          </a:xfrm>
+        </p:spPr>
+        <p:txBody>
+          <a:bodyPr>
             <a:noAutofit/>
           </a:bodyPr>
-          <a:lstStyle>
-            <a:lvl1pPr algn="l" defTabSz="914400" rtl="0" eaLnBrk="1" latinLnBrk="0" hangingPunct="1">
-              <a:lnSpc>
-                <a:spcPct val="90000"/>
-              </a:lnSpc>
-              <a:spcBef>
-                <a:spcPct val="0"/>
-              </a:spcBef>
-              <a:buNone/>
-              <a:defRPr sz="4400" kern="1200">
-                <a:solidFill>
-                  <a:schemeClr val="accent1"/>
-                </a:solidFill>
-                <a:latin typeface="+mj-lt"/>
-                <a:ea typeface="+mj-ea"/>
-                <a:cs typeface="+mj-cs"/>
-              </a:defRPr>
-            </a:lvl1pPr>
-          </a:lstStyle>
-          <a:p>
-            <a:pPr algn="r"/>
-            <a:r>
-              <a:rPr lang="en-GB" sz="1800" dirty="0">
-                <a:solidFill>
-                  <a:schemeClr val="bg2">
-                    <a:lumMod val="75000"/>
-                  </a:schemeClr>
+          <a:lstStyle/>
+          <a:p>
+            <a:pPr algn="ctr"/>
+            <a:r>
+              <a:rPr lang="en-GB" sz="7200" b="1" dirty="0">
+                <a:solidFill>
+                  <a:srgbClr val="008080"/>
                 </a:solidFill>
                 <a:latin typeface="Gill Sans MT" panose="020B0502020104020203" pitchFamily="34" charset="0"/>
               </a:rPr>
-              <a:t>www.stemmrolemodels.com</a:t>
-            </a:r>
-          </a:p>
-          <a:p>
-            <a:pPr algn="r"/>
-            <a:r>
-              <a:rPr lang="en-GB" sz="1800" dirty="0">
-                <a:solidFill>
-                  <a:schemeClr val="bg2">
-                    <a:lumMod val="75000"/>
-                  </a:schemeClr>
-                </a:solidFill>
-                <a:latin typeface="Gill Sans MT" panose="020B0502020104020203" pitchFamily="34" charset="0"/>
-              </a:rPr>
-              <a:t>www.github.com/KirstieJane/STEMMRoleModels </a:t>
-            </a:r>
-          </a:p>
-        </p:txBody>
-      </p:sp>
-      <p:pic>
-        <p:nvPicPr>
-          <p:cNvPr id="3074" name="Picture 2" descr="http://3.bp.blogspot.com/-SnWr9oa-G30/UY6tZKwGZPI/AAAAAAAABLc/dyQGoX_i3E8/s800/Github.png"/>
-          <p:cNvPicPr>
-            <a:picLocks noChangeAspect="1" noChangeArrowheads="1"/>
-          </p:cNvPicPr>
-          <p:nvPr/>
-        </p:nvPicPr>
-        <p:blipFill>
-          <a:blip r:embed="rId2">
-            <a:extLst>
-              <a:ext uri="{28A0092B-C50C-407E-A947-70E740481C1C}">
-                <a14:useLocalDpi xmlns:a14="http://schemas.microsoft.com/office/drawing/2010/main" val="0"/>
-              </a:ext>
-            </a:extLst>
-          </a:blip>
-          <a:srcRect/>
-          <a:stretch>
-            <a:fillRect/>
-          </a:stretch>
-        </p:blipFill>
-        <p:spPr bwMode="auto">
-          <a:xfrm>
-            <a:off x="2441574" y="667667"/>
-            <a:ext cx="7207751" cy="4889259"/>
-          </a:xfrm>
-          <a:prstGeom prst="rect">
-            <a:avLst/>
-          </a:prstGeom>
-          <a:noFill/>
-          <a:extLst>
-            <a:ext uri="{909E8E84-426E-40DD-AFC4-6F175D3DCCD1}">
-              <a14:hiddenFill xmlns:a14="http://schemas.microsoft.com/office/drawing/2010/main">
-                <a:solidFill>
-                  <a:srgbClr val="FFFFFF"/>
-                </a:solidFill>
-              </a14:hiddenFill>
-            </a:ext>
-          </a:extLst>
-        </p:spPr>
-      </p:pic>
+              <a:t>Git vs GitHub</a:t>
+            </a:r>
+          </a:p>
+        </p:txBody>
+      </p:sp>
     </p:spTree>
     <p:extLst>
       <p:ext uri="{BB962C8B-B14F-4D97-AF65-F5344CB8AC3E}">
-        <p14:creationId xmlns:p14="http://schemas.microsoft.com/office/powerpoint/2010/main" val="3584226318"/>
+        <p14:creationId xmlns:p14="http://schemas.microsoft.com/office/powerpoint/2010/main" val="4093486244"/>
       </p:ext>
     </p:extLst>
   </p:cSld>
@@ -10468,9 +10837,79 @@
           <a:chExt cx="0" cy="0"/>
         </a:xfrm>
       </p:grpSpPr>
+      <p:sp>
+        <p:nvSpPr>
+          <p:cNvPr id="5" name="Title 3"/>
+          <p:cNvSpPr txBox="1">
+            <a:spLocks/>
+          </p:cNvSpPr>
+          <p:nvPr/>
+        </p:nvSpPr>
+        <p:spPr>
+          <a:xfrm>
+            <a:off x="1966585" y="5899758"/>
+            <a:ext cx="9966325" cy="806667"/>
+          </a:xfrm>
+          <a:prstGeom prst="rect">
+            <a:avLst/>
+          </a:prstGeom>
+        </p:spPr>
+        <p:txBody>
+          <a:bodyPr vert="horz" lIns="91440" tIns="45720" rIns="91440" bIns="45720" rtlCol="0" anchor="ctr">
+            <a:noAutofit/>
+          </a:bodyPr>
+          <a:lstStyle>
+            <a:lvl1pPr algn="l" defTabSz="914400" rtl="0" eaLnBrk="1" latinLnBrk="0" hangingPunct="1">
+              <a:lnSpc>
+                <a:spcPct val="90000"/>
+              </a:lnSpc>
+              <a:spcBef>
+                <a:spcPct val="0"/>
+              </a:spcBef>
+              <a:buNone/>
+              <a:defRPr sz="4400" kern="1200">
+                <a:solidFill>
+                  <a:schemeClr val="accent1"/>
+                </a:solidFill>
+                <a:latin typeface="+mj-lt"/>
+                <a:ea typeface="+mj-ea"/>
+                <a:cs typeface="+mj-cs"/>
+              </a:defRPr>
+            </a:lvl1pPr>
+          </a:lstStyle>
+          <a:p>
+            <a:pPr algn="r"/>
+            <a:r>
+              <a:rPr lang="en-GB" sz="1800" dirty="0">
+                <a:solidFill>
+                  <a:schemeClr val="bg2">
+                    <a:lumMod val="75000"/>
+                  </a:schemeClr>
+                </a:solidFill>
+                <a:latin typeface="Gill Sans MT" panose="020B0502020104020203" pitchFamily="34" charset="0"/>
+              </a:rPr>
+              <a:t>www.stemmrolemodels.com</a:t>
+            </a:r>
+          </a:p>
+          <a:p>
+            <a:pPr algn="r"/>
+            <a:r>
+              <a:rPr lang="en-GB" sz="1800" dirty="0">
+                <a:solidFill>
+                  <a:schemeClr val="bg2">
+                    <a:lumMod val="75000"/>
+                  </a:schemeClr>
+                </a:solidFill>
+                <a:latin typeface="Gill Sans MT" panose="020B0502020104020203" pitchFamily="34" charset="0"/>
+              </a:rPr>
+              <a:t>www.github.com/KirstieJane/STEMMRoleModels </a:t>
+            </a:r>
+          </a:p>
+        </p:txBody>
+      </p:sp>
       <p:pic>
         <p:nvPicPr>
-          <p:cNvPr id="4098" name="Picture 2" descr="GitHub Flow - Create a Branch&#10; "/>
+          <p:cNvPr id="3074" name="Picture 2" descr="http://3.bp.blogspot.com/-SnWr9oa-G30/UY6tZKwGZPI/AAAAAAAABLc/dyQGoX_i3E8/s800/Github.png"/>
           <p:cNvPicPr>
             <a:picLocks noChangeAspect="1" noChangeArrowheads="1"/>
           </p:cNvPicPr>
@@ -10491,8 +10930,8 @@
         </p:blipFill>
         <p:spPr bwMode="auto">
           <a:xfrm>
-            <a:off x="1464655" y="822960"/>
-            <a:ext cx="9262691" cy="5212080"/>
+            <a:off x="2441574" y="667667"/>
+            <a:ext cx="7207751" cy="4889259"/>
           </a:xfrm>
           <a:prstGeom prst="rect">
             <a:avLst/>
@@ -10512,7 +10951,7 @@
     </p:spTree>
     <p:extLst>
       <p:ext uri="{BB962C8B-B14F-4D97-AF65-F5344CB8AC3E}">
-        <p14:creationId xmlns:p14="http://schemas.microsoft.com/office/powerpoint/2010/main" val="2577244515"/>
+        <p14:creationId xmlns:p14="http://schemas.microsoft.com/office/powerpoint/2010/main" val="3584226318"/>
       </p:ext>
     </p:extLst>
   </p:cSld>
@@ -10580,51 +11019,47 @@
           </a:extLst>
         </p:spPr>
       </p:pic>
-      <p:pic>
-        <p:nvPicPr>
-          <p:cNvPr id="4100" name="Picture 4" descr="GitHub Flow - Add Commits&#10; "/>
-          <p:cNvPicPr>
-            <a:picLocks noChangeAspect="1" noChangeArrowheads="1"/>
-          </p:cNvPicPr>
+      <p:sp>
+        <p:nvSpPr>
+          <p:cNvPr id="3" name="TextBox 2"/>
+          <p:cNvSpPr txBox="1"/>
           <p:nvPr/>
-        </p:nvPicPr>
-        <p:blipFill>
-          <a:blip r:embed="rId3">
-            <a:extLst>
-              <a:ext uri="{28A0092B-C50C-407E-A947-70E740481C1C}">
-                <a14:useLocalDpi xmlns:a14="http://schemas.microsoft.com/office/drawing/2010/main" val="0"/>
-              </a:ext>
-            </a:extLst>
-          </a:blip>
-          <a:srcRect/>
-          <a:stretch>
-            <a:fillRect/>
-          </a:stretch>
-        </p:blipFill>
-        <p:spPr bwMode="auto">
-          <a:xfrm>
-            <a:off x="1464655" y="822960"/>
-            <a:ext cx="9262691" cy="5212080"/>
+        </p:nvSpPr>
+        <p:spPr>
+          <a:xfrm>
+            <a:off x="2006500" y="5388709"/>
+            <a:ext cx="8178999" cy="400110"/>
           </a:xfrm>
           <a:prstGeom prst="rect">
             <a:avLst/>
           </a:prstGeom>
           <a:noFill/>
-          <a:extLst>
-            <a:ext uri="{909E8E84-426E-40DD-AFC4-6F175D3DCCD1}">
-              <a14:hiddenFill xmlns:a14="http://schemas.microsoft.com/office/drawing/2010/main">
-                <a:solidFill>
-                  <a:srgbClr val="FFFFFF"/>
-                </a:solidFill>
-              </a14:hiddenFill>
-            </a:ext>
-          </a:extLst>
-        </p:spPr>
-      </p:pic>
+        </p:spPr>
+        <p:txBody>
+          <a:bodyPr wrap="square" rtlCol="0">
+            <a:spAutoFit/>
+          </a:bodyPr>
+          <a:lstStyle/>
+          <a:p>
+            <a:pPr algn="ctr"/>
+            <a:r>
+              <a:rPr lang="en-GB" sz="2000" dirty="0">
+                <a:solidFill>
+                  <a:schemeClr val="bg1">
+                    <a:lumMod val="50000"/>
+                  </a:schemeClr>
+                </a:solidFill>
+                <a:latin typeface="Gill Sans MT" panose="020B0502020104020203" pitchFamily="34" charset="0"/>
+              </a:rPr>
+              <a:t>http://www.slideshare.net/nishanbose/introduction-to-github-55872492/7</a:t>
+            </a:r>
+          </a:p>
+        </p:txBody>
+      </p:sp>
     </p:spTree>
     <p:extLst>
       <p:ext uri="{BB962C8B-B14F-4D97-AF65-F5344CB8AC3E}">
-        <p14:creationId xmlns:p14="http://schemas.microsoft.com/office/powerpoint/2010/main" val="3924672546"/>
+        <p14:creationId xmlns:p14="http://schemas.microsoft.com/office/powerpoint/2010/main" val="2577244515"/>
       </p:ext>
     </p:extLst>
   </p:cSld>
@@ -10733,51 +11168,47 @@
           </a:extLst>
         </p:spPr>
       </p:pic>
-      <p:pic>
-        <p:nvPicPr>
-          <p:cNvPr id="4102" name="Picture 6" descr="GitHub Flow - Open a pull request&#10; "/>
-          <p:cNvPicPr>
-            <a:picLocks noChangeAspect="1" noChangeArrowheads="1"/>
-          </p:cNvPicPr>
+      <p:sp>
+        <p:nvSpPr>
+          <p:cNvPr id="4" name="TextBox 3"/>
+          <p:cNvSpPr txBox="1"/>
           <p:nvPr/>
-        </p:nvPicPr>
-        <p:blipFill>
-          <a:blip r:embed="rId4">
-            <a:extLst>
-              <a:ext uri="{28A0092B-C50C-407E-A947-70E740481C1C}">
-                <a14:useLocalDpi xmlns:a14="http://schemas.microsoft.com/office/drawing/2010/main" val="0"/>
-              </a:ext>
-            </a:extLst>
-          </a:blip>
-          <a:srcRect/>
-          <a:stretch>
-            <a:fillRect/>
-          </a:stretch>
-        </p:blipFill>
-        <p:spPr bwMode="auto">
-          <a:xfrm>
-            <a:off x="1464655" y="822960"/>
-            <a:ext cx="9262691" cy="5212080"/>
+        </p:nvSpPr>
+        <p:spPr>
+          <a:xfrm>
+            <a:off x="2006500" y="5374195"/>
+            <a:ext cx="8178999" cy="400110"/>
           </a:xfrm>
           <a:prstGeom prst="rect">
             <a:avLst/>
           </a:prstGeom>
           <a:noFill/>
-          <a:extLst>
-            <a:ext uri="{909E8E84-426E-40DD-AFC4-6F175D3DCCD1}">
-              <a14:hiddenFill xmlns:a14="http://schemas.microsoft.com/office/drawing/2010/main">
-                <a:solidFill>
-                  <a:srgbClr val="FFFFFF"/>
-                </a:solidFill>
-              </a14:hiddenFill>
-            </a:ext>
-          </a:extLst>
-        </p:spPr>
-      </p:pic>
+        </p:spPr>
+        <p:txBody>
+          <a:bodyPr wrap="square" rtlCol="0">
+            <a:spAutoFit/>
+          </a:bodyPr>
+          <a:lstStyle/>
+          <a:p>
+            <a:pPr algn="ctr"/>
+            <a:r>
+              <a:rPr lang="en-GB" sz="2000" dirty="0">
+                <a:solidFill>
+                  <a:schemeClr val="bg1">
+                    <a:lumMod val="50000"/>
+                  </a:schemeClr>
+                </a:solidFill>
+                <a:latin typeface="Gill Sans MT" panose="020B0502020104020203" pitchFamily="34" charset="0"/>
+              </a:rPr>
+              <a:t>http://www.slideshare.net/nishanbose/introduction-to-github-55872492/7</a:t>
+            </a:r>
+          </a:p>
+        </p:txBody>
+      </p:sp>
     </p:spTree>
     <p:extLst>
       <p:ext uri="{BB962C8B-B14F-4D97-AF65-F5344CB8AC3E}">
-        <p14:creationId xmlns:p14="http://schemas.microsoft.com/office/powerpoint/2010/main" val="2713267608"/>
+        <p14:creationId xmlns:p14="http://schemas.microsoft.com/office/powerpoint/2010/main" val="3924672546"/>
       </p:ext>
     </p:extLst>
   </p:cSld>
@@ -11339,51 +11770,47 @@
           </a:extLst>
         </p:spPr>
       </p:pic>
-      <p:pic>
-        <p:nvPicPr>
-          <p:cNvPr id="4104" name="Picture 8" descr="GitHub Flow - Discuss and Review your code&#10; "/>
-          <p:cNvPicPr>
-            <a:picLocks noChangeAspect="1" noChangeArrowheads="1"/>
-          </p:cNvPicPr>
+      <p:sp>
+        <p:nvSpPr>
+          <p:cNvPr id="5" name="TextBox 4"/>
+          <p:cNvSpPr txBox="1"/>
           <p:nvPr/>
-        </p:nvPicPr>
-        <p:blipFill>
-          <a:blip r:embed="rId5">
-            <a:extLst>
-              <a:ext uri="{28A0092B-C50C-407E-A947-70E740481C1C}">
-                <a14:useLocalDpi xmlns:a14="http://schemas.microsoft.com/office/drawing/2010/main" val="0"/>
-              </a:ext>
-            </a:extLst>
-          </a:blip>
-          <a:srcRect/>
-          <a:stretch>
-            <a:fillRect/>
-          </a:stretch>
-        </p:blipFill>
-        <p:spPr bwMode="auto">
-          <a:xfrm>
-            <a:off x="1464655" y="822960"/>
-            <a:ext cx="9262691" cy="5212080"/>
+        </p:nvSpPr>
+        <p:spPr>
+          <a:xfrm>
+            <a:off x="2006500" y="5388709"/>
+            <a:ext cx="8178999" cy="400110"/>
           </a:xfrm>
           <a:prstGeom prst="rect">
             <a:avLst/>
           </a:prstGeom>
           <a:noFill/>
-          <a:extLst>
-            <a:ext uri="{909E8E84-426E-40DD-AFC4-6F175D3DCCD1}">
-              <a14:hiddenFill xmlns:a14="http://schemas.microsoft.com/office/drawing/2010/main">
-                <a:solidFill>
-                  <a:srgbClr val="FFFFFF"/>
-                </a:solidFill>
-              </a14:hiddenFill>
-            </a:ext>
-          </a:extLst>
-        </p:spPr>
-      </p:pic>
+        </p:spPr>
+        <p:txBody>
+          <a:bodyPr wrap="square" rtlCol="0">
+            <a:spAutoFit/>
+          </a:bodyPr>
+          <a:lstStyle/>
+          <a:p>
+            <a:pPr algn="ctr"/>
+            <a:r>
+              <a:rPr lang="en-GB" sz="2000" dirty="0">
+                <a:solidFill>
+                  <a:schemeClr val="bg1">
+                    <a:lumMod val="50000"/>
+                  </a:schemeClr>
+                </a:solidFill>
+                <a:latin typeface="Gill Sans MT" panose="020B0502020104020203" pitchFamily="34" charset="0"/>
+              </a:rPr>
+              <a:t>http://www.slideshare.net/nishanbose/introduction-to-github-55872492/7</a:t>
+            </a:r>
+          </a:p>
+        </p:txBody>
+      </p:sp>
     </p:spTree>
     <p:extLst>
       <p:ext uri="{BB962C8B-B14F-4D97-AF65-F5344CB8AC3E}">
-        <p14:creationId xmlns:p14="http://schemas.microsoft.com/office/powerpoint/2010/main" val="1498999144"/>
+        <p14:creationId xmlns:p14="http://schemas.microsoft.com/office/powerpoint/2010/main" val="2713267608"/>
       </p:ext>
     </p:extLst>
   </p:cSld>
@@ -11574,6 +12001,237 @@
           </a:extLst>
         </p:spPr>
       </p:pic>
+      <p:sp>
+        <p:nvSpPr>
+          <p:cNvPr id="6" name="TextBox 5"/>
+          <p:cNvSpPr txBox="1"/>
+          <p:nvPr/>
+        </p:nvSpPr>
+        <p:spPr>
+          <a:xfrm>
+            <a:off x="2006500" y="5388709"/>
+            <a:ext cx="8178999" cy="400110"/>
+          </a:xfrm>
+          <a:prstGeom prst="rect">
+            <a:avLst/>
+          </a:prstGeom>
+          <a:noFill/>
+        </p:spPr>
+        <p:txBody>
+          <a:bodyPr wrap="square" rtlCol="0">
+            <a:spAutoFit/>
+          </a:bodyPr>
+          <a:lstStyle/>
+          <a:p>
+            <a:pPr algn="ctr"/>
+            <a:r>
+              <a:rPr lang="en-GB" sz="2000" dirty="0">
+                <a:solidFill>
+                  <a:schemeClr val="bg1">
+                    <a:lumMod val="50000"/>
+                  </a:schemeClr>
+                </a:solidFill>
+                <a:latin typeface="Gill Sans MT" panose="020B0502020104020203" pitchFamily="34" charset="0"/>
+              </a:rPr>
+              <a:t>http://www.slideshare.net/nishanbose/introduction-to-github-55872492/7</a:t>
+            </a:r>
+          </a:p>
+        </p:txBody>
+      </p:sp>
+    </p:spTree>
+    <p:extLst>
+      <p:ext uri="{BB962C8B-B14F-4D97-AF65-F5344CB8AC3E}">
+        <p14:creationId xmlns:p14="http://schemas.microsoft.com/office/powerpoint/2010/main" val="1498999144"/>
+      </p:ext>
+    </p:extLst>
+  </p:cSld>
+  <p:clrMapOvr>
+    <a:masterClrMapping/>
+  </p:clrMapOvr>
+</p:sld>
+</file>
+
+<file path=ppt/slides/slide42.xml><?xml version="1.0" encoding="utf-8"?>
+<p:sld xmlns:a="http://schemas.openxmlformats.org/drawingml/2006/main" xmlns:r="http://schemas.openxmlformats.org/officeDocument/2006/relationships" xmlns:p="http://schemas.openxmlformats.org/presentationml/2006/main">
+  <p:cSld>
+    <p:spTree>
+      <p:nvGrpSpPr>
+        <p:cNvPr id="1" name=""/>
+        <p:cNvGrpSpPr/>
+        <p:nvPr/>
+      </p:nvGrpSpPr>
+      <p:grpSpPr>
+        <a:xfrm>
+          <a:off x="0" y="0"/>
+          <a:ext cx="0" cy="0"/>
+          <a:chOff x="0" y="0"/>
+          <a:chExt cx="0" cy="0"/>
+        </a:xfrm>
+      </p:grpSpPr>
+      <p:pic>
+        <p:nvPicPr>
+          <p:cNvPr id="4098" name="Picture 2" descr="GitHub Flow - Create a Branch&#10; "/>
+          <p:cNvPicPr>
+            <a:picLocks noChangeAspect="1" noChangeArrowheads="1"/>
+          </p:cNvPicPr>
+          <p:nvPr/>
+        </p:nvPicPr>
+        <p:blipFill>
+          <a:blip r:embed="rId2">
+            <a:extLst>
+              <a:ext uri="{28A0092B-C50C-407E-A947-70E740481C1C}">
+                <a14:useLocalDpi xmlns:a14="http://schemas.microsoft.com/office/drawing/2010/main" val="0"/>
+              </a:ext>
+            </a:extLst>
+          </a:blip>
+          <a:srcRect/>
+          <a:stretch>
+            <a:fillRect/>
+          </a:stretch>
+        </p:blipFill>
+        <p:spPr bwMode="auto">
+          <a:xfrm>
+            <a:off x="1464655" y="822960"/>
+            <a:ext cx="9262691" cy="5212080"/>
+          </a:xfrm>
+          <a:prstGeom prst="rect">
+            <a:avLst/>
+          </a:prstGeom>
+          <a:noFill/>
+          <a:extLst>
+            <a:ext uri="{909E8E84-426E-40DD-AFC4-6F175D3DCCD1}">
+              <a14:hiddenFill xmlns:a14="http://schemas.microsoft.com/office/drawing/2010/main">
+                <a:solidFill>
+                  <a:srgbClr val="FFFFFF"/>
+                </a:solidFill>
+              </a14:hiddenFill>
+            </a:ext>
+          </a:extLst>
+        </p:spPr>
+      </p:pic>
+      <p:pic>
+        <p:nvPicPr>
+          <p:cNvPr id="4100" name="Picture 4" descr="GitHub Flow - Add Commits&#10; "/>
+          <p:cNvPicPr>
+            <a:picLocks noChangeAspect="1" noChangeArrowheads="1"/>
+          </p:cNvPicPr>
+          <p:nvPr/>
+        </p:nvPicPr>
+        <p:blipFill>
+          <a:blip r:embed="rId3">
+            <a:extLst>
+              <a:ext uri="{28A0092B-C50C-407E-A947-70E740481C1C}">
+                <a14:useLocalDpi xmlns:a14="http://schemas.microsoft.com/office/drawing/2010/main" val="0"/>
+              </a:ext>
+            </a:extLst>
+          </a:blip>
+          <a:srcRect/>
+          <a:stretch>
+            <a:fillRect/>
+          </a:stretch>
+        </p:blipFill>
+        <p:spPr bwMode="auto">
+          <a:xfrm>
+            <a:off x="1464655" y="822960"/>
+            <a:ext cx="9262691" cy="5212080"/>
+          </a:xfrm>
+          <a:prstGeom prst="rect">
+            <a:avLst/>
+          </a:prstGeom>
+          <a:noFill/>
+          <a:extLst>
+            <a:ext uri="{909E8E84-426E-40DD-AFC4-6F175D3DCCD1}">
+              <a14:hiddenFill xmlns:a14="http://schemas.microsoft.com/office/drawing/2010/main">
+                <a:solidFill>
+                  <a:srgbClr val="FFFFFF"/>
+                </a:solidFill>
+              </a14:hiddenFill>
+            </a:ext>
+          </a:extLst>
+        </p:spPr>
+      </p:pic>
+      <p:pic>
+        <p:nvPicPr>
+          <p:cNvPr id="4102" name="Picture 6" descr="GitHub Flow - Open a pull request&#10; "/>
+          <p:cNvPicPr>
+            <a:picLocks noChangeAspect="1" noChangeArrowheads="1"/>
+          </p:cNvPicPr>
+          <p:nvPr/>
+        </p:nvPicPr>
+        <p:blipFill>
+          <a:blip r:embed="rId4">
+            <a:extLst>
+              <a:ext uri="{28A0092B-C50C-407E-A947-70E740481C1C}">
+                <a14:useLocalDpi xmlns:a14="http://schemas.microsoft.com/office/drawing/2010/main" val="0"/>
+              </a:ext>
+            </a:extLst>
+          </a:blip>
+          <a:srcRect/>
+          <a:stretch>
+            <a:fillRect/>
+          </a:stretch>
+        </p:blipFill>
+        <p:spPr bwMode="auto">
+          <a:xfrm>
+            <a:off x="1464655" y="822960"/>
+            <a:ext cx="9262691" cy="5212080"/>
+          </a:xfrm>
+          <a:prstGeom prst="rect">
+            <a:avLst/>
+          </a:prstGeom>
+          <a:noFill/>
+          <a:extLst>
+            <a:ext uri="{909E8E84-426E-40DD-AFC4-6F175D3DCCD1}">
+              <a14:hiddenFill xmlns:a14="http://schemas.microsoft.com/office/drawing/2010/main">
+                <a:solidFill>
+                  <a:srgbClr val="FFFFFF"/>
+                </a:solidFill>
+              </a14:hiddenFill>
+            </a:ext>
+          </a:extLst>
+        </p:spPr>
+      </p:pic>
+      <p:pic>
+        <p:nvPicPr>
+          <p:cNvPr id="4104" name="Picture 8" descr="GitHub Flow - Discuss and Review your code&#10; "/>
+          <p:cNvPicPr>
+            <a:picLocks noChangeAspect="1" noChangeArrowheads="1"/>
+          </p:cNvPicPr>
+          <p:nvPr/>
+        </p:nvPicPr>
+        <p:blipFill>
+          <a:blip r:embed="rId5">
+            <a:extLst>
+              <a:ext uri="{28A0092B-C50C-407E-A947-70E740481C1C}">
+                <a14:useLocalDpi xmlns:a14="http://schemas.microsoft.com/office/drawing/2010/main" val="0"/>
+              </a:ext>
+            </a:extLst>
+          </a:blip>
+          <a:srcRect/>
+          <a:stretch>
+            <a:fillRect/>
+          </a:stretch>
+        </p:blipFill>
+        <p:spPr bwMode="auto">
+          <a:xfrm>
+            <a:off x="1464655" y="822960"/>
+            <a:ext cx="9262691" cy="5212080"/>
+          </a:xfrm>
+          <a:prstGeom prst="rect">
+            <a:avLst/>
+          </a:prstGeom>
+          <a:noFill/>
+          <a:extLst>
+            <a:ext uri="{909E8E84-426E-40DD-AFC4-6F175D3DCCD1}">
+              <a14:hiddenFill xmlns:a14="http://schemas.microsoft.com/office/drawing/2010/main">
+                <a:solidFill>
+                  <a:srgbClr val="FFFFFF"/>
+                </a:solidFill>
+              </a14:hiddenFill>
+            </a:ext>
+          </a:extLst>
+        </p:spPr>
+      </p:pic>
       <p:pic>
         <p:nvPicPr>
           <p:cNvPr id="4108" name="Picture 12" descr="GitHub Flow - Deploy / Test&#10; "/>
@@ -11615,6 +12273,43 @@
           </a:extLst>
         </p:spPr>
       </p:pic>
+      <p:sp>
+        <p:nvSpPr>
+          <p:cNvPr id="7" name="TextBox 6"/>
+          <p:cNvSpPr txBox="1"/>
+          <p:nvPr/>
+        </p:nvSpPr>
+        <p:spPr>
+          <a:xfrm>
+            <a:off x="2006500" y="5374195"/>
+            <a:ext cx="8178999" cy="400110"/>
+          </a:xfrm>
+          <a:prstGeom prst="rect">
+            <a:avLst/>
+          </a:prstGeom>
+          <a:noFill/>
+        </p:spPr>
+        <p:txBody>
+          <a:bodyPr wrap="square" rtlCol="0">
+            <a:spAutoFit/>
+          </a:bodyPr>
+          <a:lstStyle/>
+          <a:p>
+            <a:pPr algn="ctr"/>
+            <a:r>
+              <a:rPr lang="en-GB" sz="2000" dirty="0">
+                <a:solidFill>
+                  <a:schemeClr val="bg1">
+                    <a:lumMod val="50000"/>
+                  </a:schemeClr>
+                </a:solidFill>
+                <a:latin typeface="Gill Sans MT" panose="020B0502020104020203" pitchFamily="34" charset="0"/>
+              </a:rPr>
+              <a:t>http://www.slideshare.net/nishanbose/introduction-to-github-55872492/7</a:t>
+            </a:r>
+          </a:p>
+        </p:txBody>
+      </p:sp>
     </p:spTree>
     <p:extLst>
       <p:ext uri="{BB962C8B-B14F-4D97-AF65-F5344CB8AC3E}">
@@ -11628,7 +12323,7 @@
 </p:sld>
 </file>
 
-<file path=ppt/slides/slide42.xml><?xml version="1.0" encoding="utf-8"?>
+<file path=ppt/slides/slide43.xml><?xml version="1.0" encoding="utf-8"?>
 <p:sld xmlns:a="http://schemas.openxmlformats.org/drawingml/2006/main" xmlns:r="http://schemas.openxmlformats.org/officeDocument/2006/relationships" xmlns:p="http://schemas.openxmlformats.org/presentationml/2006/main">
   <p:cSld>
     <p:spTree>
@@ -11891,124 +12586,47 @@
           </a:extLst>
         </p:spPr>
       </p:pic>
+      <p:sp>
+        <p:nvSpPr>
+          <p:cNvPr id="8" name="TextBox 7"/>
+          <p:cNvSpPr txBox="1"/>
+          <p:nvPr/>
+        </p:nvSpPr>
+        <p:spPr>
+          <a:xfrm>
+            <a:off x="2006500" y="5388709"/>
+            <a:ext cx="8178999" cy="400110"/>
+          </a:xfrm>
+          <a:prstGeom prst="rect">
+            <a:avLst/>
+          </a:prstGeom>
+          <a:noFill/>
+        </p:spPr>
+        <p:txBody>
+          <a:bodyPr wrap="square" rtlCol="0">
+            <a:spAutoFit/>
+          </a:bodyPr>
+          <a:lstStyle/>
+          <a:p>
+            <a:pPr algn="ctr"/>
+            <a:r>
+              <a:rPr lang="en-GB" sz="2000" dirty="0">
+                <a:solidFill>
+                  <a:schemeClr val="bg1">
+                    <a:lumMod val="50000"/>
+                  </a:schemeClr>
+                </a:solidFill>
+                <a:latin typeface="Gill Sans MT" panose="020B0502020104020203" pitchFamily="34" charset="0"/>
+              </a:rPr>
+              <a:t>http://www.slideshare.net/nishanbose/introduction-to-github-55872492/7</a:t>
+            </a:r>
+          </a:p>
+        </p:txBody>
+      </p:sp>
     </p:spTree>
     <p:extLst>
       <p:ext uri="{BB962C8B-B14F-4D97-AF65-F5344CB8AC3E}">
         <p14:creationId xmlns:p14="http://schemas.microsoft.com/office/powerpoint/2010/main" val="374449858"/>
-      </p:ext>
-    </p:extLst>
-  </p:cSld>
-  <p:clrMapOvr>
-    <a:masterClrMapping/>
-  </p:clrMapOvr>
-</p:sld>
-</file>
-
-<file path=ppt/slides/slide43.xml><?xml version="1.0" encoding="utf-8"?>
-<p:sld xmlns:a="http://schemas.openxmlformats.org/drawingml/2006/main" xmlns:r="http://schemas.openxmlformats.org/officeDocument/2006/relationships" xmlns:p="http://schemas.openxmlformats.org/presentationml/2006/main">
-  <p:cSld>
-    <p:spTree>
-      <p:nvGrpSpPr>
-        <p:cNvPr id="1" name=""/>
-        <p:cNvGrpSpPr/>
-        <p:nvPr/>
-      </p:nvGrpSpPr>
-      <p:grpSpPr>
-        <a:xfrm>
-          <a:off x="0" y="0"/>
-          <a:ext cx="0" cy="0"/>
-          <a:chOff x="0" y="0"/>
-          <a:chExt cx="0" cy="0"/>
-        </a:xfrm>
-      </p:grpSpPr>
-      <p:sp>
-        <p:nvSpPr>
-          <p:cNvPr id="4" name="Title 3"/>
-          <p:cNvSpPr>
-            <a:spLocks noGrp="1"/>
-          </p:cNvSpPr>
-          <p:nvPr>
-            <p:ph type="title" idx="4294967295"/>
-          </p:nvPr>
-        </p:nvSpPr>
-        <p:spPr>
-          <a:xfrm>
-            <a:off x="1302707" y="1786938"/>
-            <a:ext cx="9966325" cy="2925762"/>
-          </a:xfrm>
-        </p:spPr>
-        <p:txBody>
-          <a:bodyPr>
-            <a:noAutofit/>
-          </a:bodyPr>
-          <a:lstStyle/>
-          <a:p>
-            <a:pPr algn="ctr"/>
-            <a:r>
-              <a:rPr lang="en-GB" sz="7200" b="1" dirty="0">
-                <a:solidFill>
-                  <a:srgbClr val="008080"/>
-                </a:solidFill>
-                <a:latin typeface="Gill Sans MT" panose="020B0502020104020203" pitchFamily="34" charset="0"/>
-              </a:rPr>
-              <a:t>www.GitHub.com/</a:t>
-            </a:r>
-            <a:br>
-              <a:rPr lang="en-GB" sz="7200" b="1" dirty="0">
-                <a:solidFill>
-                  <a:srgbClr val="008080"/>
-                </a:solidFill>
-                <a:latin typeface="Gill Sans MT" panose="020B0502020104020203" pitchFamily="34" charset="0"/>
-              </a:rPr>
-            </a:br>
-            <a:r>
-              <a:rPr lang="en-GB" sz="7200" b="1" dirty="0" err="1">
-                <a:solidFill>
-                  <a:srgbClr val="008080"/>
-                </a:solidFill>
-                <a:latin typeface="Gill Sans MT" panose="020B0502020104020203" pitchFamily="34" charset="0"/>
-              </a:rPr>
-              <a:t>KirstieJane</a:t>
-            </a:r>
-            <a:r>
-              <a:rPr lang="en-GB" sz="7200" b="1" dirty="0">
-                <a:solidFill>
-                  <a:srgbClr val="008080"/>
-                </a:solidFill>
-                <a:latin typeface="Gill Sans MT" panose="020B0502020104020203" pitchFamily="34" charset="0"/>
-              </a:rPr>
-              <a:t>/</a:t>
-            </a:r>
-            <a:br>
-              <a:rPr lang="en-GB" sz="7200" b="1" dirty="0">
-                <a:solidFill>
-                  <a:srgbClr val="008080"/>
-                </a:solidFill>
-                <a:latin typeface="Gill Sans MT" panose="020B0502020104020203" pitchFamily="34" charset="0"/>
-              </a:rPr>
-            </a:br>
-            <a:r>
-              <a:rPr lang="en-GB" sz="7200" b="1" dirty="0" err="1">
-                <a:solidFill>
-                  <a:srgbClr val="008080"/>
-                </a:solidFill>
-                <a:latin typeface="Gill Sans MT" panose="020B0502020104020203" pitchFamily="34" charset="0"/>
-              </a:rPr>
-              <a:t>ReproducibleResearch</a:t>
-            </a:r>
-            <a:endParaRPr lang="en-GB" sz="7200" b="1" dirty="0">
-              <a:solidFill>
-                <a:srgbClr val="008080"/>
-              </a:solidFill>
-              <a:latin typeface="Gill Sans MT" panose="020B0502020104020203" pitchFamily="34" charset="0"/>
-            </a:endParaRPr>
-          </a:p>
-        </p:txBody>
-      </p:sp>
-    </p:spTree>
-    <p:extLst>
-      <p:ext uri="{BB962C8B-B14F-4D97-AF65-F5344CB8AC3E}">
-        <p14:creationId xmlns:p14="http://schemas.microsoft.com/office/powerpoint/2010/main" val="2229641716"/>
       </p:ext>
     </p:extLst>
   </p:cSld>
@@ -12065,15 +12683,64 @@
                 </a:solidFill>
                 <a:latin typeface="Gill Sans MT" panose="020B0502020104020203" pitchFamily="34" charset="0"/>
               </a:rPr>
-              <a:t>Create a glossary</a:t>
-            </a:r>
+              <a:t>www.GitHub.com/</a:t>
+            </a:r>
+            <a:br>
+              <a:rPr lang="en-GB" sz="7200" b="1" dirty="0">
+                <a:solidFill>
+                  <a:srgbClr val="008080"/>
+                </a:solidFill>
+                <a:latin typeface="Gill Sans MT" panose="020B0502020104020203" pitchFamily="34" charset="0"/>
+              </a:rPr>
+            </a:br>
+            <a:r>
+              <a:rPr lang="en-GB" sz="7200" b="1" dirty="0" err="1">
+                <a:solidFill>
+                  <a:srgbClr val="008080"/>
+                </a:solidFill>
+                <a:latin typeface="Gill Sans MT" panose="020B0502020104020203" pitchFamily="34" charset="0"/>
+              </a:rPr>
+              <a:t>KirstieJane</a:t>
+            </a:r>
+            <a:r>
+              <a:rPr lang="en-GB" sz="7200" b="1" dirty="0">
+                <a:solidFill>
+                  <a:srgbClr val="008080"/>
+                </a:solidFill>
+                <a:latin typeface="Gill Sans MT" panose="020B0502020104020203" pitchFamily="34" charset="0"/>
+              </a:rPr>
+              <a:t>/</a:t>
+            </a:r>
+            <a:br>
+              <a:rPr lang="en-GB" sz="7200" b="1" dirty="0">
+                <a:solidFill>
+                  <a:srgbClr val="008080"/>
+                </a:solidFill>
+                <a:latin typeface="Gill Sans MT" panose="020B0502020104020203" pitchFamily="34" charset="0"/>
+              </a:rPr>
+            </a:br>
+            <a:r>
+              <a:rPr lang="en-GB" sz="7200" b="1" dirty="0" err="1">
+                <a:solidFill>
+                  <a:srgbClr val="008080"/>
+                </a:solidFill>
+                <a:latin typeface="Gill Sans MT" panose="020B0502020104020203" pitchFamily="34" charset="0"/>
+              </a:rPr>
+              <a:t>ReproducibleResearch</a:t>
+            </a:r>
+            <a:endParaRPr lang="en-GB" sz="7200" b="1" dirty="0">
+              <a:solidFill>
+                <a:srgbClr val="008080"/>
+              </a:solidFill>
+              <a:latin typeface="Gill Sans MT" panose="020B0502020104020203" pitchFamily="34" charset="0"/>
+            </a:endParaRPr>
           </a:p>
         </p:txBody>
       </p:sp>
     </p:spTree>
     <p:extLst>
       <p:ext uri="{BB962C8B-B14F-4D97-AF65-F5344CB8AC3E}">
-        <p14:creationId xmlns:p14="http://schemas.microsoft.com/office/powerpoint/2010/main" val="1507702280"/>
+        <p14:creationId xmlns:p14="http://schemas.microsoft.com/office/powerpoint/2010/main" val="2229641716"/>
       </p:ext>
     </p:extLst>
   </p:cSld>
@@ -12709,7 +13376,7 @@
                 </a:solidFill>
                 <a:latin typeface="Gill Sans MT" panose="020B0502020104020203" pitchFamily="34" charset="0"/>
               </a:rPr>
-              <a:t>Inspired by: https://yourfirstpr.github.io/</a:t>
+              <a:t>Inspired by: https://yourfirstpr.github.io</a:t>
             </a:r>
           </a:p>
         </p:txBody>
@@ -12746,52 +13413,6 @@
       </p:grpSpPr>
       <p:sp>
         <p:nvSpPr>
-          <p:cNvPr id="3" name="Rectangle 2"/>
-          <p:cNvSpPr/>
-          <p:nvPr/>
-        </p:nvSpPr>
-        <p:spPr>
-          <a:xfrm>
-            <a:off x="5812078" y="2893513"/>
-            <a:ext cx="3657600" cy="1841326"/>
-          </a:xfrm>
-          <a:prstGeom prst="rect">
-            <a:avLst/>
-          </a:prstGeom>
-          <a:solidFill>
-            <a:schemeClr val="bg1"/>
-          </a:solidFill>
-          <a:ln>
-            <a:noFill/>
-          </a:ln>
-        </p:spPr>
-        <p:style>
-          <a:lnRef idx="2">
-            <a:schemeClr val="accent1">
-              <a:shade val="50000"/>
-            </a:schemeClr>
-          </a:lnRef>
-          <a:fillRef idx="1">
-            <a:schemeClr val="accent1"/>
-          </a:fillRef>
-          <a:effectRef idx="0">
-            <a:schemeClr val="accent1"/>
-          </a:effectRef>
-          <a:fontRef idx="minor">
-            <a:schemeClr val="lt1"/>
-          </a:fontRef>
-        </p:style>
-        <p:txBody>
-          <a:bodyPr rtlCol="0" anchor="ctr"/>
-          <a:lstStyle/>
-          <a:p>
-            <a:pPr algn="ctr"/>
-            <a:endParaRPr lang="en-GB"/>
-          </a:p>
-        </p:txBody>
-      </p:sp>
-      <p:sp>
-        <p:nvSpPr>
           <p:cNvPr id="4" name="Title 3"/>
           <p:cNvSpPr>
             <a:spLocks noGrp="1"/>
@@ -12820,317 +13441,230 @@
                 </a:solidFill>
                 <a:latin typeface="Gill Sans MT" panose="020B0502020104020203" pitchFamily="34" charset="0"/>
               </a:rPr>
-              <a:t>Thank you!</a:t>
-            </a:r>
-          </a:p>
-        </p:txBody>
-      </p:sp>
-      <p:sp>
-        <p:nvSpPr>
-          <p:cNvPr id="6" name="Title 3"/>
-          <p:cNvSpPr txBox="1">
-            <a:spLocks/>
-          </p:cNvSpPr>
+              <a:t>Submit your first pull request!</a:t>
+            </a:r>
+          </a:p>
+        </p:txBody>
+      </p:sp>
+      <p:sp>
+        <p:nvSpPr>
+          <p:cNvPr id="3" name="TextBox 2"/>
+          <p:cNvSpPr txBox="1"/>
           <p:nvPr/>
         </p:nvSpPr>
         <p:spPr>
           <a:xfrm>
-            <a:off x="4709788" y="3395201"/>
-            <a:ext cx="6563638" cy="2925762"/>
-          </a:xfrm>
-          <a:prstGeom prst="rect">
-            <a:avLst/>
-          </a:prstGeom>
-        </p:spPr>
-        <p:txBody>
-          <a:bodyPr vert="horz" lIns="91440" tIns="45720" rIns="91440" bIns="45720" rtlCol="0" anchor="ctr">
-            <a:noAutofit/>
-          </a:bodyPr>
-          <a:lstStyle>
-            <a:lvl1pPr algn="l" defTabSz="914400" rtl="0" eaLnBrk="1" latinLnBrk="0" hangingPunct="1">
-              <a:lnSpc>
-                <a:spcPct val="90000"/>
-              </a:lnSpc>
-              <a:spcBef>
-                <a:spcPct val="0"/>
-              </a:spcBef>
-              <a:buNone/>
-              <a:defRPr sz="4400" kern="1200">
-                <a:solidFill>
-                  <a:schemeClr val="accent1"/>
-                </a:solidFill>
-                <a:latin typeface="+mj-lt"/>
-                <a:ea typeface="+mj-ea"/>
-                <a:cs typeface="+mj-cs"/>
-              </a:defRPr>
-            </a:lvl1pPr>
-          </a:lstStyle>
-          <a:p>
-            <a:pPr>
-              <a:spcAft>
-                <a:spcPts val="2400"/>
-              </a:spcAft>
-            </a:pPr>
-            <a:r>
-              <a:rPr lang="en-GB" sz="3600" dirty="0">
-                <a:solidFill>
-                  <a:schemeClr val="bg1">
-                    <a:lumMod val="50000"/>
-                  </a:schemeClr>
-                </a:solidFill>
-                <a:latin typeface="Gill Sans MT" panose="020B0502020104020203" pitchFamily="34" charset="0"/>
-              </a:rPr>
-              <a:t>	</a:t>
-            </a:r>
-          </a:p>
-          <a:p>
-            <a:pPr>
-              <a:spcAft>
-                <a:spcPts val="1800"/>
-              </a:spcAft>
-            </a:pPr>
-            <a:r>
-              <a:rPr lang="en-GB" sz="2800" dirty="0">
-                <a:solidFill>
-                  <a:schemeClr val="bg1">
-                    <a:lumMod val="50000"/>
-                  </a:schemeClr>
-                </a:solidFill>
-                <a:latin typeface="Gill Sans MT" panose="020B0502020104020203" pitchFamily="34" charset="0"/>
-              </a:rPr>
-              <a:t>	</a:t>
-            </a:r>
-            <a:r>
-              <a:rPr lang="en-GB" sz="2800" dirty="0" err="1">
-                <a:solidFill>
-                  <a:schemeClr val="bg1">
-                    <a:lumMod val="50000"/>
-                  </a:schemeClr>
-                </a:solidFill>
-                <a:latin typeface="Gill Sans MT" panose="020B0502020104020203" pitchFamily="34" charset="0"/>
-              </a:rPr>
-              <a:t>KirstieJane</a:t>
-            </a:r>
-            <a:r>
-              <a:rPr lang="en-GB" sz="2800" dirty="0">
-                <a:solidFill>
-                  <a:schemeClr val="bg1">
-                    <a:lumMod val="50000"/>
-                  </a:schemeClr>
-                </a:solidFill>
-                <a:latin typeface="Gill Sans MT" panose="020B0502020104020203" pitchFamily="34" charset="0"/>
-              </a:rPr>
-              <a:t>/</a:t>
-            </a:r>
-            <a:r>
-              <a:rPr lang="en-GB" sz="2800" dirty="0" err="1">
-                <a:solidFill>
-                  <a:schemeClr val="bg1">
-                    <a:lumMod val="50000"/>
-                  </a:schemeClr>
-                </a:solidFill>
-                <a:latin typeface="Gill Sans MT" panose="020B0502020104020203" pitchFamily="34" charset="0"/>
-              </a:rPr>
-              <a:t>ReproducibleResearch</a:t>
-            </a:r>
-            <a:endParaRPr lang="en-GB" sz="2800" dirty="0">
-              <a:solidFill>
-                <a:schemeClr val="bg1">
-                  <a:lumMod val="50000"/>
-                </a:schemeClr>
-              </a:solidFill>
-              <a:latin typeface="Gill Sans MT" panose="020B0502020104020203" pitchFamily="34" charset="0"/>
-            </a:endParaRPr>
-          </a:p>
-          <a:p>
-            <a:pPr>
-              <a:spcAft>
-                <a:spcPts val="1800"/>
-              </a:spcAft>
-            </a:pPr>
-            <a:r>
-              <a:rPr lang="en-GB" sz="2800" dirty="0">
-                <a:solidFill>
-                  <a:schemeClr val="bg1">
-                    <a:lumMod val="50000"/>
-                  </a:schemeClr>
-                </a:solidFill>
-                <a:latin typeface="Gill Sans MT" panose="020B0502020104020203" pitchFamily="34" charset="0"/>
-              </a:rPr>
-              <a:t>	@</a:t>
-            </a:r>
-            <a:r>
-              <a:rPr lang="en-GB" sz="2800" dirty="0" err="1">
-                <a:solidFill>
-                  <a:schemeClr val="bg1">
-                    <a:lumMod val="50000"/>
-                  </a:schemeClr>
-                </a:solidFill>
-                <a:latin typeface="Gill Sans MT" panose="020B0502020104020203" pitchFamily="34" charset="0"/>
-              </a:rPr>
-              <a:t>kirstie_j</a:t>
-            </a:r>
-            <a:endParaRPr lang="en-GB" sz="2800" dirty="0">
-              <a:solidFill>
-                <a:schemeClr val="bg1">
-                  <a:lumMod val="50000"/>
-                </a:schemeClr>
-              </a:solidFill>
-              <a:latin typeface="Gill Sans MT" panose="020B0502020104020203" pitchFamily="34" charset="0"/>
-            </a:endParaRPr>
-          </a:p>
-          <a:p>
-            <a:pPr>
-              <a:spcAft>
-                <a:spcPts val="1800"/>
-              </a:spcAft>
-            </a:pPr>
-            <a:r>
-              <a:rPr lang="en-GB" sz="2800" dirty="0">
-                <a:solidFill>
-                  <a:schemeClr val="bg1">
-                    <a:lumMod val="50000"/>
-                  </a:schemeClr>
-                </a:solidFill>
-                <a:latin typeface="Gill Sans MT" panose="020B0502020104020203" pitchFamily="34" charset="0"/>
-              </a:rPr>
-              <a:t>	</a:t>
-            </a:r>
-            <a:r>
-              <a:rPr lang="en-GB" sz="2800" dirty="0" err="1">
-                <a:solidFill>
-                  <a:schemeClr val="bg1">
-                    <a:lumMod val="50000"/>
-                  </a:schemeClr>
-                </a:solidFill>
-                <a:latin typeface="Gill Sans MT" panose="020B0502020104020203" pitchFamily="34" charset="0"/>
-              </a:rPr>
-              <a:t>doi</a:t>
-            </a:r>
-            <a:r>
-              <a:rPr lang="en-GB" sz="2800" dirty="0">
-                <a:solidFill>
-                  <a:schemeClr val="bg1">
-                    <a:lumMod val="50000"/>
-                  </a:schemeClr>
-                </a:solidFill>
-                <a:latin typeface="Gill Sans MT" panose="020B0502020104020203" pitchFamily="34" charset="0"/>
-              </a:rPr>
-              <a:t>: 10.6084/m9.figshare.3188422</a:t>
-            </a:r>
-          </a:p>
-        </p:txBody>
-      </p:sp>
-      <p:pic>
-        <p:nvPicPr>
-          <p:cNvPr id="2050" name="Picture 2" descr="https://pmcdeadline2.files.wordpress.com/2014/06/twitter-logo.png?w=970"/>
-          <p:cNvPicPr>
-            <a:picLocks noChangeAspect="1" noChangeArrowheads="1"/>
-          </p:cNvPicPr>
-          <p:nvPr/>
-        </p:nvPicPr>
-        <p:blipFill>
-          <a:blip r:embed="rId2">
-            <a:extLst>
-              <a:ext uri="{28A0092B-C50C-407E-A947-70E740481C1C}">
-                <a14:useLocalDpi xmlns:a14="http://schemas.microsoft.com/office/drawing/2010/main" val="0"/>
-              </a:ext>
-            </a:extLst>
-          </a:blip>
-          <a:srcRect/>
-          <a:stretch>
-            <a:fillRect/>
-          </a:stretch>
-        </p:blipFill>
-        <p:spPr bwMode="auto">
-          <a:xfrm>
-            <a:off x="5045302" y="5053368"/>
-            <a:ext cx="457200" cy="457200"/>
+            <a:off x="3090033" y="4712700"/>
+            <a:ext cx="8178999" cy="646331"/>
           </a:xfrm>
           <a:prstGeom prst="rect">
             <a:avLst/>
           </a:prstGeom>
           <a:noFill/>
-          <a:extLst>
-            <a:ext uri="{909E8E84-426E-40DD-AFC4-6F175D3DCCD1}">
-              <a14:hiddenFill xmlns:a14="http://schemas.microsoft.com/office/drawing/2010/main">
-                <a:solidFill>
-                  <a:srgbClr val="FFFFFF"/>
-                </a:solidFill>
-              </a14:hiddenFill>
-            </a:ext>
-          </a:extLst>
-        </p:spPr>
-      </p:pic>
+        </p:spPr>
+        <p:txBody>
+          <a:bodyPr wrap="square" rtlCol="0">
+            <a:spAutoFit/>
+          </a:bodyPr>
+          <a:lstStyle/>
+          <a:p>
+            <a:pPr algn="ctr"/>
+            <a:r>
+              <a:rPr lang="en-GB" sz="3600" dirty="0">
+                <a:solidFill>
+                  <a:schemeClr val="bg1">
+                    <a:lumMod val="50000"/>
+                  </a:schemeClr>
+                </a:solidFill>
+                <a:latin typeface="Gill Sans MT" panose="020B0502020104020203" pitchFamily="34" charset="0"/>
+              </a:rPr>
+              <a:t>Inspired by: https://yourfirstpr.github.io</a:t>
+            </a:r>
+          </a:p>
+        </p:txBody>
+      </p:sp>
       <p:pic>
         <p:nvPicPr>
-          <p:cNvPr id="8" name="Picture 7"/>
+          <p:cNvPr id="2" name="Picture 1"/>
           <p:cNvPicPr>
             <a:picLocks noChangeAspect="1"/>
           </p:cNvPicPr>
           <p:nvPr/>
         </p:nvPicPr>
         <p:blipFill>
-          <a:blip r:embed="rId3"/>
+          <a:blip r:embed="rId2"/>
           <a:stretch>
             <a:fillRect/>
           </a:stretch>
         </p:blipFill>
         <p:spPr>
           <a:xfrm>
-            <a:off x="5044282" y="5690183"/>
-            <a:ext cx="459241" cy="457200"/>
+            <a:off x="1185862" y="619125"/>
+            <a:ext cx="9820275" cy="5619750"/>
           </a:xfrm>
           <a:prstGeom prst="rect">
             <a:avLst/>
           </a:prstGeom>
         </p:spPr>
       </p:pic>
+    </p:spTree>
+    <p:extLst>
+      <p:ext uri="{BB962C8B-B14F-4D97-AF65-F5344CB8AC3E}">
+        <p14:creationId xmlns:p14="http://schemas.microsoft.com/office/powerpoint/2010/main" val="2975187249"/>
+      </p:ext>
+    </p:extLst>
+  </p:cSld>
+  <p:clrMapOvr>
+    <a:masterClrMapping/>
+  </p:clrMapOvr>
+</p:sld>
+</file>
+
+<file path=ppt/slides/slide48.xml><?xml version="1.0" encoding="utf-8"?>
+<p:sld xmlns:a="http://schemas.openxmlformats.org/drawingml/2006/main" xmlns:r="http://schemas.openxmlformats.org/officeDocument/2006/relationships" xmlns:p="http://schemas.openxmlformats.org/presentationml/2006/main">
+  <p:cSld>
+    <p:spTree>
+      <p:nvGrpSpPr>
+        <p:cNvPr id="1" name=""/>
+        <p:cNvGrpSpPr/>
+        <p:nvPr/>
+      </p:nvGrpSpPr>
+      <p:grpSpPr>
+        <a:xfrm>
+          <a:off x="0" y="0"/>
+          <a:ext cx="0" cy="0"/>
+          <a:chOff x="0" y="0"/>
+          <a:chExt cx="0" cy="0"/>
+        </a:xfrm>
+      </p:grpSpPr>
+      <p:sp>
+        <p:nvSpPr>
+          <p:cNvPr id="4" name="Title 3"/>
+          <p:cNvSpPr>
+            <a:spLocks noGrp="1"/>
+          </p:cNvSpPr>
+          <p:nvPr>
+            <p:ph type="title" idx="4294967295"/>
+          </p:nvPr>
+        </p:nvSpPr>
+        <p:spPr>
+          <a:xfrm>
+            <a:off x="1302707" y="1786938"/>
+            <a:ext cx="9966325" cy="2925762"/>
+          </a:xfrm>
+        </p:spPr>
+        <p:txBody>
+          <a:bodyPr>
+            <a:noAutofit/>
+          </a:bodyPr>
+          <a:lstStyle/>
+          <a:p>
+            <a:pPr algn="ctr"/>
+            <a:r>
+              <a:rPr lang="en-GB" sz="7200" b="1" dirty="0">
+                <a:solidFill>
+                  <a:srgbClr val="008080"/>
+                </a:solidFill>
+                <a:latin typeface="Gill Sans MT" panose="020B0502020104020203" pitchFamily="34" charset="0"/>
+              </a:rPr>
+              <a:t>Create a glossary</a:t>
+            </a:r>
+          </a:p>
+        </p:txBody>
+      </p:sp>
+    </p:spTree>
+    <p:extLst>
+      <p:ext uri="{BB962C8B-B14F-4D97-AF65-F5344CB8AC3E}">
+        <p14:creationId xmlns:p14="http://schemas.microsoft.com/office/powerpoint/2010/main" val="1507702280"/>
+      </p:ext>
+    </p:extLst>
+  </p:cSld>
+  <p:clrMapOvr>
+    <a:masterClrMapping/>
+  </p:clrMapOvr>
+</p:sld>
+</file>
+
+<file path=ppt/slides/slide49.xml><?xml version="1.0" encoding="utf-8"?>
+<p:sld xmlns:a="http://schemas.openxmlformats.org/drawingml/2006/main" xmlns:r="http://schemas.openxmlformats.org/officeDocument/2006/relationships" xmlns:p="http://schemas.openxmlformats.org/presentationml/2006/main">
+  <p:cSld>
+    <p:spTree>
+      <p:nvGrpSpPr>
+        <p:cNvPr id="1" name=""/>
+        <p:cNvGrpSpPr/>
+        <p:nvPr/>
+      </p:nvGrpSpPr>
+      <p:grpSpPr>
+        <a:xfrm>
+          <a:off x="0" y="0"/>
+          <a:ext cx="0" cy="0"/>
+          <a:chOff x="0" y="0"/>
+          <a:chExt cx="0" cy="0"/>
+        </a:xfrm>
+      </p:grpSpPr>
+      <p:sp>
+        <p:nvSpPr>
+          <p:cNvPr id="4" name="Title 3"/>
+          <p:cNvSpPr>
+            <a:spLocks noGrp="1"/>
+          </p:cNvSpPr>
+          <p:nvPr>
+            <p:ph type="title" idx="4294967295"/>
+          </p:nvPr>
+        </p:nvSpPr>
+        <p:spPr>
+          <a:xfrm>
+            <a:off x="1302707" y="1786938"/>
+            <a:ext cx="9966325" cy="2925762"/>
+          </a:xfrm>
+        </p:spPr>
+        <p:txBody>
+          <a:bodyPr>
+            <a:noAutofit/>
+          </a:bodyPr>
+          <a:lstStyle/>
+          <a:p>
+            <a:pPr algn="ctr"/>
+            <a:r>
+              <a:rPr lang="en-GB" sz="7200" b="1" dirty="0">
+                <a:solidFill>
+                  <a:srgbClr val="008080"/>
+                </a:solidFill>
+                <a:latin typeface="Gill Sans MT" panose="020B0502020104020203" pitchFamily="34" charset="0"/>
+              </a:rPr>
+              <a:t>Create a glossary</a:t>
+            </a:r>
+          </a:p>
+        </p:txBody>
+      </p:sp>
       <p:pic>
         <p:nvPicPr>
-          <p:cNvPr id="2052" name="Picture 4" descr="https://encrypted-tbn0.gstatic.com/images?q=tbn:ANd9GcTr1WT7d5fbNTZQ1D5DHIbJJT3BNXcw7iIi7tZfZKE_FtzBPcQs05G-VSw"/>
+          <p:cNvPr id="5" name="Picture 4"/>
           <p:cNvPicPr>
-            <a:picLocks noChangeAspect="1" noChangeArrowheads="1"/>
+            <a:picLocks noChangeAspect="1"/>
           </p:cNvPicPr>
           <p:nvPr/>
         </p:nvPicPr>
         <p:blipFill>
-          <a:blip r:embed="rId4">
-            <a:extLst>
-              <a:ext uri="{28A0092B-C50C-407E-A947-70E740481C1C}">
-                <a14:useLocalDpi xmlns:a14="http://schemas.microsoft.com/office/drawing/2010/main" val="0"/>
-              </a:ext>
-            </a:extLst>
-          </a:blip>
-          <a:srcRect/>
+          <a:blip r:embed="rId2"/>
           <a:stretch>
             <a:fillRect/>
           </a:stretch>
         </p:blipFill>
-        <p:spPr bwMode="auto">
-          <a:xfrm>
-            <a:off x="5045302" y="4416554"/>
-            <a:ext cx="457200" cy="457200"/>
+        <p:spPr>
+          <a:xfrm>
+            <a:off x="884464" y="300264"/>
+            <a:ext cx="10858500" cy="5676900"/>
           </a:xfrm>
           <a:prstGeom prst="rect">
             <a:avLst/>
           </a:prstGeom>
-          <a:noFill/>
-          <a:extLst>
-            <a:ext uri="{909E8E84-426E-40DD-AFC4-6F175D3DCCD1}">
-              <a14:hiddenFill xmlns:a14="http://schemas.microsoft.com/office/drawing/2010/main">
-                <a:solidFill>
-                  <a:srgbClr val="FFFFFF"/>
-                </a:solidFill>
-              </a14:hiddenFill>
-            </a:ext>
-          </a:extLst>
         </p:spPr>
       </p:pic>
     </p:spTree>
     <p:extLst>
       <p:ext uri="{BB962C8B-B14F-4D97-AF65-F5344CB8AC3E}">
-        <p14:creationId xmlns:p14="http://schemas.microsoft.com/office/powerpoint/2010/main" val="3118929363"/>
+        <p14:creationId xmlns:p14="http://schemas.microsoft.com/office/powerpoint/2010/main" val="1909383440"/>
       </p:ext>
     </p:extLst>
   </p:cSld>
@@ -13549,6 +14083,449 @@
     <p:extLst>
       <p:ext uri="{BB962C8B-B14F-4D97-AF65-F5344CB8AC3E}">
         <p14:creationId xmlns:p14="http://schemas.microsoft.com/office/powerpoint/2010/main" val="2725082329"/>
+      </p:ext>
+    </p:extLst>
+  </p:cSld>
+  <p:clrMapOvr>
+    <a:masterClrMapping/>
+  </p:clrMapOvr>
+</p:sld>
+</file>
+
+<file path=ppt/slides/slide50.xml><?xml version="1.0" encoding="utf-8"?>
+<p:sld xmlns:a="http://schemas.openxmlformats.org/drawingml/2006/main" xmlns:r="http://schemas.openxmlformats.org/officeDocument/2006/relationships" xmlns:p="http://schemas.openxmlformats.org/presentationml/2006/main">
+  <p:cSld>
+    <p:spTree>
+      <p:nvGrpSpPr>
+        <p:cNvPr id="1" name=""/>
+        <p:cNvGrpSpPr/>
+        <p:nvPr/>
+      </p:nvGrpSpPr>
+      <p:grpSpPr>
+        <a:xfrm>
+          <a:off x="0" y="0"/>
+          <a:ext cx="0" cy="0"/>
+          <a:chOff x="0" y="0"/>
+          <a:chExt cx="0" cy="0"/>
+        </a:xfrm>
+      </p:grpSpPr>
+      <p:sp>
+        <p:nvSpPr>
+          <p:cNvPr id="3" name="Rectangle 2"/>
+          <p:cNvSpPr/>
+          <p:nvPr/>
+        </p:nvSpPr>
+        <p:spPr>
+          <a:xfrm>
+            <a:off x="5812078" y="2893513"/>
+            <a:ext cx="3657600" cy="1841326"/>
+          </a:xfrm>
+          <a:prstGeom prst="rect">
+            <a:avLst/>
+          </a:prstGeom>
+          <a:solidFill>
+            <a:schemeClr val="bg1"/>
+          </a:solidFill>
+          <a:ln>
+            <a:noFill/>
+          </a:ln>
+        </p:spPr>
+        <p:style>
+          <a:lnRef idx="2">
+            <a:schemeClr val="accent1">
+              <a:shade val="50000"/>
+            </a:schemeClr>
+          </a:lnRef>
+          <a:fillRef idx="1">
+            <a:schemeClr val="accent1"/>
+          </a:fillRef>
+          <a:effectRef idx="0">
+            <a:schemeClr val="accent1"/>
+          </a:effectRef>
+          <a:fontRef idx="minor">
+            <a:schemeClr val="lt1"/>
+          </a:fontRef>
+        </p:style>
+        <p:txBody>
+          <a:bodyPr rtlCol="0" anchor="ctr"/>
+          <a:lstStyle/>
+          <a:p>
+            <a:pPr algn="ctr"/>
+            <a:endParaRPr lang="en-GB"/>
+          </a:p>
+        </p:txBody>
+      </p:sp>
+      <p:sp>
+        <p:nvSpPr>
+          <p:cNvPr id="4" name="Title 3"/>
+          <p:cNvSpPr>
+            <a:spLocks noGrp="1"/>
+          </p:cNvSpPr>
+          <p:nvPr>
+            <p:ph type="title" idx="4294967295"/>
+          </p:nvPr>
+        </p:nvSpPr>
+        <p:spPr>
+          <a:xfrm>
+            <a:off x="1302707" y="1786938"/>
+            <a:ext cx="9966325" cy="2925762"/>
+          </a:xfrm>
+        </p:spPr>
+        <p:txBody>
+          <a:bodyPr>
+            <a:noAutofit/>
+          </a:bodyPr>
+          <a:lstStyle/>
+          <a:p>
+            <a:pPr algn="ctr"/>
+            <a:r>
+              <a:rPr lang="en-GB" sz="7200" b="1" dirty="0">
+                <a:solidFill>
+                  <a:srgbClr val="008080"/>
+                </a:solidFill>
+                <a:latin typeface="Gill Sans MT" panose="020B0502020104020203" pitchFamily="34" charset="0"/>
+              </a:rPr>
+              <a:t>Thank you!</a:t>
+            </a:r>
+          </a:p>
+        </p:txBody>
+      </p:sp>
+      <p:sp>
+        <p:nvSpPr>
+          <p:cNvPr id="6" name="Title 3"/>
+          <p:cNvSpPr txBox="1">
+            <a:spLocks/>
+          </p:cNvSpPr>
+          <p:nvPr/>
+        </p:nvSpPr>
+        <p:spPr>
+          <a:xfrm>
+            <a:off x="4709788" y="3395201"/>
+            <a:ext cx="6563638" cy="2925762"/>
+          </a:xfrm>
+          <a:prstGeom prst="rect">
+            <a:avLst/>
+          </a:prstGeom>
+        </p:spPr>
+        <p:txBody>
+          <a:bodyPr vert="horz" lIns="91440" tIns="45720" rIns="91440" bIns="45720" rtlCol="0" anchor="ctr">
+            <a:noAutofit/>
+          </a:bodyPr>
+          <a:lstStyle>
+            <a:lvl1pPr algn="l" defTabSz="914400" rtl="0" eaLnBrk="1" latinLnBrk="0" hangingPunct="1">
+              <a:lnSpc>
+                <a:spcPct val="90000"/>
+              </a:lnSpc>
+              <a:spcBef>
+                <a:spcPct val="0"/>
+              </a:spcBef>
+              <a:buNone/>
+              <a:defRPr sz="4400" kern="1200">
+                <a:solidFill>
+                  <a:schemeClr val="accent1"/>
+                </a:solidFill>
+                <a:latin typeface="+mj-lt"/>
+                <a:ea typeface="+mj-ea"/>
+                <a:cs typeface="+mj-cs"/>
+              </a:defRPr>
+            </a:lvl1pPr>
+          </a:lstStyle>
+          <a:p>
+            <a:pPr>
+              <a:spcAft>
+                <a:spcPts val="2400"/>
+              </a:spcAft>
+            </a:pPr>
+            <a:r>
+              <a:rPr lang="en-GB" sz="3600" dirty="0">
+                <a:solidFill>
+                  <a:schemeClr val="bg1">
+                    <a:lumMod val="50000"/>
+                  </a:schemeClr>
+                </a:solidFill>
+                <a:latin typeface="Gill Sans MT" panose="020B0502020104020203" pitchFamily="34" charset="0"/>
+              </a:rPr>
+              <a:t>	</a:t>
+            </a:r>
+          </a:p>
+          <a:p>
+            <a:pPr>
+              <a:spcAft>
+                <a:spcPts val="1800"/>
+              </a:spcAft>
+            </a:pPr>
+            <a:r>
+              <a:rPr lang="en-GB" sz="2800" dirty="0">
+                <a:solidFill>
+                  <a:schemeClr val="bg1">
+                    <a:lumMod val="50000"/>
+                  </a:schemeClr>
+                </a:solidFill>
+                <a:latin typeface="Gill Sans MT" panose="020B0502020104020203" pitchFamily="34" charset="0"/>
+              </a:rPr>
+              <a:t>	</a:t>
+            </a:r>
+            <a:r>
+              <a:rPr lang="en-GB" sz="2800" dirty="0" err="1">
+                <a:solidFill>
+                  <a:schemeClr val="bg1">
+                    <a:lumMod val="50000"/>
+                  </a:schemeClr>
+                </a:solidFill>
+                <a:latin typeface="Gill Sans MT" panose="020B0502020104020203" pitchFamily="34" charset="0"/>
+              </a:rPr>
+              <a:t>KirstieJane</a:t>
+            </a:r>
+            <a:r>
+              <a:rPr lang="en-GB" sz="2800" dirty="0">
+                <a:solidFill>
+                  <a:schemeClr val="bg1">
+                    <a:lumMod val="50000"/>
+                  </a:schemeClr>
+                </a:solidFill>
+                <a:latin typeface="Gill Sans MT" panose="020B0502020104020203" pitchFamily="34" charset="0"/>
+              </a:rPr>
+              <a:t>/</a:t>
+            </a:r>
+            <a:r>
+              <a:rPr lang="en-GB" sz="2800" dirty="0" err="1">
+                <a:solidFill>
+                  <a:schemeClr val="bg1">
+                    <a:lumMod val="50000"/>
+                  </a:schemeClr>
+                </a:solidFill>
+                <a:latin typeface="Gill Sans MT" panose="020B0502020104020203" pitchFamily="34" charset="0"/>
+              </a:rPr>
+              <a:t>ReproducibleResearch</a:t>
+            </a:r>
+            <a:endParaRPr lang="en-GB" sz="2800" dirty="0">
+              <a:solidFill>
+                <a:schemeClr val="bg1">
+                  <a:lumMod val="50000"/>
+                </a:schemeClr>
+              </a:solidFill>
+              <a:latin typeface="Gill Sans MT" panose="020B0502020104020203" pitchFamily="34" charset="0"/>
+            </a:endParaRPr>
+          </a:p>
+          <a:p>
+            <a:pPr>
+              <a:spcAft>
+                <a:spcPts val="1800"/>
+              </a:spcAft>
+            </a:pPr>
+            <a:r>
+              <a:rPr lang="en-GB" sz="2800" dirty="0">
+                <a:solidFill>
+                  <a:schemeClr val="bg1">
+                    <a:lumMod val="50000"/>
+                  </a:schemeClr>
+                </a:solidFill>
+                <a:latin typeface="Gill Sans MT" panose="020B0502020104020203" pitchFamily="34" charset="0"/>
+              </a:rPr>
+              <a:t>	@</a:t>
+            </a:r>
+            <a:r>
+              <a:rPr lang="en-GB" sz="2800" dirty="0" err="1">
+                <a:solidFill>
+                  <a:schemeClr val="bg1">
+                    <a:lumMod val="50000"/>
+                  </a:schemeClr>
+                </a:solidFill>
+                <a:latin typeface="Gill Sans MT" panose="020B0502020104020203" pitchFamily="34" charset="0"/>
+              </a:rPr>
+              <a:t>kirstie_j</a:t>
+            </a:r>
+            <a:endParaRPr lang="en-GB" sz="2800" dirty="0">
+              <a:solidFill>
+                <a:schemeClr val="bg1">
+                  <a:lumMod val="50000"/>
+                </a:schemeClr>
+              </a:solidFill>
+              <a:latin typeface="Gill Sans MT" panose="020B0502020104020203" pitchFamily="34" charset="0"/>
+            </a:endParaRPr>
+          </a:p>
+          <a:p>
+            <a:pPr>
+              <a:spcAft>
+                <a:spcPts val="1800"/>
+              </a:spcAft>
+            </a:pPr>
+            <a:r>
+              <a:rPr lang="en-GB" sz="2800" dirty="0">
+                <a:solidFill>
+                  <a:schemeClr val="bg1">
+                    <a:lumMod val="50000"/>
+                  </a:schemeClr>
+                </a:solidFill>
+                <a:latin typeface="Gill Sans MT" panose="020B0502020104020203" pitchFamily="34" charset="0"/>
+              </a:rPr>
+              <a:t>	</a:t>
+            </a:r>
+            <a:r>
+              <a:rPr lang="en-GB" sz="2800" dirty="0" err="1">
+                <a:solidFill>
+                  <a:schemeClr val="bg1">
+                    <a:lumMod val="50000"/>
+                  </a:schemeClr>
+                </a:solidFill>
+                <a:latin typeface="Gill Sans MT" panose="020B0502020104020203" pitchFamily="34" charset="0"/>
+              </a:rPr>
+              <a:t>doi</a:t>
+            </a:r>
+            <a:r>
+              <a:rPr lang="en-GB" sz="2800" dirty="0">
+                <a:solidFill>
+                  <a:schemeClr val="bg1">
+                    <a:lumMod val="50000"/>
+                  </a:schemeClr>
+                </a:solidFill>
+                <a:latin typeface="Gill Sans MT" panose="020B0502020104020203" pitchFamily="34" charset="0"/>
+              </a:rPr>
+              <a:t>: 10.6084/m9.figshare.3188422</a:t>
+            </a:r>
+          </a:p>
+        </p:txBody>
+      </p:sp>
+      <p:pic>
+        <p:nvPicPr>
+          <p:cNvPr id="2050" name="Picture 2" descr="https://pmcdeadline2.files.wordpress.com/2014/06/twitter-logo.png?w=970"/>
+          <p:cNvPicPr>
+            <a:picLocks noChangeAspect="1" noChangeArrowheads="1"/>
+          </p:cNvPicPr>
+          <p:nvPr/>
+        </p:nvPicPr>
+        <p:blipFill>
+          <a:blip r:embed="rId2">
+            <a:extLst>
+              <a:ext uri="{28A0092B-C50C-407E-A947-70E740481C1C}">
+                <a14:useLocalDpi xmlns:a14="http://schemas.microsoft.com/office/drawing/2010/main" val="0"/>
+              </a:ext>
+            </a:extLst>
+          </a:blip>
+          <a:srcRect/>
+          <a:stretch>
+            <a:fillRect/>
+          </a:stretch>
+        </p:blipFill>
+        <p:spPr bwMode="auto">
+          <a:xfrm>
+            <a:off x="5045302" y="5053368"/>
+            <a:ext cx="457200" cy="457200"/>
+          </a:xfrm>
+          <a:prstGeom prst="rect">
+            <a:avLst/>
+          </a:prstGeom>
+          <a:noFill/>
+          <a:extLst>
+            <a:ext uri="{909E8E84-426E-40DD-AFC4-6F175D3DCCD1}">
+              <a14:hiddenFill xmlns:a14="http://schemas.microsoft.com/office/drawing/2010/main">
+                <a:solidFill>
+                  <a:srgbClr val="FFFFFF"/>
+                </a:solidFill>
+              </a14:hiddenFill>
+            </a:ext>
+          </a:extLst>
+        </p:spPr>
+      </p:pic>
+      <p:pic>
+        <p:nvPicPr>
+          <p:cNvPr id="8" name="Picture 7"/>
+          <p:cNvPicPr>
+            <a:picLocks noChangeAspect="1"/>
+          </p:cNvPicPr>
+          <p:nvPr/>
+        </p:nvPicPr>
+        <p:blipFill>
+          <a:blip r:embed="rId3"/>
+          <a:stretch>
+            <a:fillRect/>
+          </a:stretch>
+        </p:blipFill>
+        <p:spPr>
+          <a:xfrm>
+            <a:off x="5044282" y="5690183"/>
+            <a:ext cx="459241" cy="457200"/>
+          </a:xfrm>
+          <a:prstGeom prst="rect">
+            <a:avLst/>
+          </a:prstGeom>
+        </p:spPr>
+      </p:pic>
+      <p:pic>
+        <p:nvPicPr>
+          <p:cNvPr id="2052" name="Picture 4" descr="https://encrypted-tbn0.gstatic.com/images?q=tbn:ANd9GcTr1WT7d5fbNTZQ1D5DHIbJJT3BNXcw7iIi7tZfZKE_FtzBPcQs05G-VSw"/>
+          <p:cNvPicPr>
+            <a:picLocks noChangeAspect="1" noChangeArrowheads="1"/>
+          </p:cNvPicPr>
+          <p:nvPr/>
+        </p:nvPicPr>
+        <p:blipFill>
+          <a:blip r:embed="rId4">
+            <a:extLst>
+              <a:ext uri="{28A0092B-C50C-407E-A947-70E740481C1C}">
+                <a14:useLocalDpi xmlns:a14="http://schemas.microsoft.com/office/drawing/2010/main" val="0"/>
+              </a:ext>
+            </a:extLst>
+          </a:blip>
+          <a:srcRect/>
+          <a:stretch>
+            <a:fillRect/>
+          </a:stretch>
+        </p:blipFill>
+        <p:spPr bwMode="auto">
+          <a:xfrm>
+            <a:off x="5045302" y="4416554"/>
+            <a:ext cx="457200" cy="457200"/>
+          </a:xfrm>
+          <a:prstGeom prst="rect">
+            <a:avLst/>
+          </a:prstGeom>
+          <a:noFill/>
+          <a:extLst>
+            <a:ext uri="{909E8E84-426E-40DD-AFC4-6F175D3DCCD1}">
+              <a14:hiddenFill xmlns:a14="http://schemas.microsoft.com/office/drawing/2010/main">
+                <a:solidFill>
+                  <a:srgbClr val="FFFFFF"/>
+                </a:solidFill>
+              </a14:hiddenFill>
+            </a:ext>
+          </a:extLst>
+        </p:spPr>
+      </p:pic>
+      <p:pic>
+        <p:nvPicPr>
+          <p:cNvPr id="2" name="Picture 1"/>
+          <p:cNvPicPr>
+            <a:picLocks noChangeAspect="1"/>
+          </p:cNvPicPr>
+          <p:nvPr/>
+        </p:nvPicPr>
+        <p:blipFill>
+          <a:blip r:embed="rId5">
+            <a:extLst>
+              <a:ext uri="{28A0092B-C50C-407E-A947-70E740481C1C}">
+                <a14:useLocalDpi xmlns:a14="http://schemas.microsoft.com/office/drawing/2010/main" val="0"/>
+              </a:ext>
+            </a:extLst>
+          </a:blip>
+          <a:stretch>
+            <a:fillRect/>
+          </a:stretch>
+        </p:blipFill>
+        <p:spPr>
+          <a:xfrm>
+            <a:off x="409367" y="438942"/>
+            <a:ext cx="3305744" cy="3305744"/>
+          </a:xfrm>
+          <a:prstGeom prst="rect">
+            <a:avLst/>
+          </a:prstGeom>
+        </p:spPr>
+      </p:pic>
+    </p:spTree>
+    <p:extLst>
+      <p:ext uri="{BB962C8B-B14F-4D97-AF65-F5344CB8AC3E}">
+        <p14:creationId xmlns:p14="http://schemas.microsoft.com/office/powerpoint/2010/main" val="3118929363"/>
       </p:ext>
     </p:extLst>
   </p:cSld>

--- a/Whitaker_PdocMasterClass_April2016.pptx
+++ b/Whitaker_PdocMasterClass_April2016.pptx
@@ -5,7 +5,7 @@
     <p:sldMasterId id="2147483929" r:id="rId1"/>
   </p:sldMasterIdLst>
   <p:notesMasterIdLst>
-    <p:notesMasterId r:id="rId52"/>
+    <p:notesMasterId r:id="rId49"/>
   </p:notesMasterIdLst>
   <p:sldIdLst>
     <p:sldId id="257" r:id="rId2"/>
@@ -30,34 +30,31 @@
     <p:sldId id="286" r:id="rId21"/>
     <p:sldId id="295" r:id="rId22"/>
     <p:sldId id="296" r:id="rId23"/>
-    <p:sldId id="317" r:id="rId24"/>
-    <p:sldId id="293" r:id="rId25"/>
-    <p:sldId id="261" r:id="rId26"/>
-    <p:sldId id="259" r:id="rId27"/>
-    <p:sldId id="301" r:id="rId28"/>
-    <p:sldId id="302" r:id="rId29"/>
-    <p:sldId id="292" r:id="rId30"/>
-    <p:sldId id="300" r:id="rId31"/>
-    <p:sldId id="298" r:id="rId32"/>
-    <p:sldId id="299" r:id="rId33"/>
-    <p:sldId id="260" r:id="rId34"/>
-    <p:sldId id="303" r:id="rId35"/>
-    <p:sldId id="266" r:id="rId36"/>
-    <p:sldId id="271" r:id="rId37"/>
-    <p:sldId id="267" r:id="rId38"/>
-    <p:sldId id="304" r:id="rId39"/>
-    <p:sldId id="305" r:id="rId40"/>
-    <p:sldId id="306" r:id="rId41"/>
-    <p:sldId id="307" r:id="rId42"/>
-    <p:sldId id="308" r:id="rId43"/>
-    <p:sldId id="309" r:id="rId44"/>
-    <p:sldId id="263" r:id="rId45"/>
+    <p:sldId id="293" r:id="rId24"/>
+    <p:sldId id="261" r:id="rId25"/>
+    <p:sldId id="259" r:id="rId26"/>
+    <p:sldId id="301" r:id="rId27"/>
+    <p:sldId id="302" r:id="rId28"/>
+    <p:sldId id="292" r:id="rId29"/>
+    <p:sldId id="300" r:id="rId30"/>
+    <p:sldId id="298" r:id="rId31"/>
+    <p:sldId id="299" r:id="rId32"/>
+    <p:sldId id="260" r:id="rId33"/>
+    <p:sldId id="303" r:id="rId34"/>
+    <p:sldId id="266" r:id="rId35"/>
+    <p:sldId id="271" r:id="rId36"/>
+    <p:sldId id="267" r:id="rId37"/>
+    <p:sldId id="304" r:id="rId38"/>
+    <p:sldId id="305" r:id="rId39"/>
+    <p:sldId id="306" r:id="rId40"/>
+    <p:sldId id="307" r:id="rId41"/>
+    <p:sldId id="308" r:id="rId42"/>
+    <p:sldId id="309" r:id="rId43"/>
+    <p:sldId id="263" r:id="rId44"/>
+    <p:sldId id="310" r:id="rId45"/>
     <p:sldId id="277" r:id="rId46"/>
     <p:sldId id="311" r:id="rId47"/>
-    <p:sldId id="318" r:id="rId48"/>
-    <p:sldId id="310" r:id="rId49"/>
-    <p:sldId id="319" r:id="rId50"/>
-    <p:sldId id="272" r:id="rId51"/>
+    <p:sldId id="272" r:id="rId48"/>
   </p:sldIdLst>
   <p:sldSz cx="12192000" cy="6858000"/>
   <p:notesSz cx="6858000" cy="9144000"/>
@@ -1942,7 +1939,7 @@
           <a:p>
             <a:fld id="{0164207E-AF3A-43A0-B220-F1A4ED21AC70}" type="slidenum">
               <a:rPr lang="en-GB" smtClean="0"/>
-              <a:t>23</a:t>
+              <a:t>28</a:t>
             </a:fld>
             <a:endParaRPr lang="en-GB"/>
           </a:p>
@@ -1951,7 +1948,7 @@
     </p:spTree>
     <p:extLst>
       <p:ext uri="{BB962C8B-B14F-4D97-AF65-F5344CB8AC3E}">
-        <p14:creationId xmlns:p14="http://schemas.microsoft.com/office/powerpoint/2010/main" val="935038299"/>
+        <p14:creationId xmlns:p14="http://schemas.microsoft.com/office/powerpoint/2010/main" val="2651200416"/>
       </p:ext>
     </p:extLst>
   </p:cSld>
@@ -2007,22 +2004,8 @@
           <a:p>
             <a:r>
               <a:rPr lang="en-GB" dirty="0"/>
-              <a:t>Girls</a:t>
-            </a:r>
-            <a:r>
-              <a:rPr lang="en-GB" baseline="0" dirty="0"/>
-              <a:t> can’t do maths</a:t>
-            </a:r>
-          </a:p>
-          <a:p>
-            <a:endParaRPr lang="en-GB" baseline="0" dirty="0"/>
-          </a:p>
-          <a:p>
-            <a:r>
-              <a:rPr lang="en-GB" baseline="0" dirty="0"/>
-              <a:t>Give them a test of spatial rotation – boys do better.</a:t>
-            </a:r>
-            <a:endParaRPr lang="en-GB" dirty="0"/>
+              <a:t>https://losc.ligo.org/s/events/GW150914/GW150914_tutorial.html</a:t>
+            </a:r>
           </a:p>
         </p:txBody>
       </p:sp>
@@ -2043,7 +2026,7 @@
           <a:p>
             <a:fld id="{0164207E-AF3A-43A0-B220-F1A4ED21AC70}" type="slidenum">
               <a:rPr lang="en-GB" smtClean="0"/>
-              <a:t>29</a:t>
+              <a:t>33</a:t>
             </a:fld>
             <a:endParaRPr lang="en-GB"/>
           </a:p>
@@ -2052,7 +2035,7 @@
     </p:spTree>
     <p:extLst>
       <p:ext uri="{BB962C8B-B14F-4D97-AF65-F5344CB8AC3E}">
-        <p14:creationId xmlns:p14="http://schemas.microsoft.com/office/powerpoint/2010/main" val="2651200416"/>
+        <p14:creationId xmlns:p14="http://schemas.microsoft.com/office/powerpoint/2010/main" val="3386880872"/>
       </p:ext>
     </p:extLst>
   </p:cSld>
@@ -2106,10 +2089,7 @@
           <a:bodyPr/>
           <a:lstStyle/>
           <a:p>
-            <a:r>
-              <a:rPr lang="en-GB" dirty="0"/>
-              <a:t>https://losc.ligo.org/s/events/GW150914/GW150914_tutorial.html</a:t>
-            </a:r>
+            <a:endParaRPr lang="en-GB" dirty="0"/>
           </a:p>
         </p:txBody>
       </p:sp>
@@ -2130,7 +2110,7 @@
           <a:p>
             <a:fld id="{0164207E-AF3A-43A0-B220-F1A4ED21AC70}" type="slidenum">
               <a:rPr lang="en-GB" smtClean="0"/>
-              <a:t>34</a:t>
+              <a:t>35</a:t>
             </a:fld>
             <a:endParaRPr lang="en-GB"/>
           </a:p>
@@ -2139,7 +2119,7 @@
     </p:spTree>
     <p:extLst>
       <p:ext uri="{BB962C8B-B14F-4D97-AF65-F5344CB8AC3E}">
-        <p14:creationId xmlns:p14="http://schemas.microsoft.com/office/powerpoint/2010/main" val="3386880872"/>
+        <p14:creationId xmlns:p14="http://schemas.microsoft.com/office/powerpoint/2010/main" val="1732118548"/>
       </p:ext>
     </p:extLst>
   </p:cSld>
@@ -2193,7 +2173,10 @@
           <a:bodyPr/>
           <a:lstStyle/>
           <a:p>
-            <a:endParaRPr lang="en-GB" dirty="0"/>
+            <a:r>
+              <a:rPr lang="en-GB" dirty="0"/>
+              <a:t>http://www.slideshare.net/nishanbose/introduction-to-github-55872492/7</a:t>
+            </a:r>
           </a:p>
         </p:txBody>
       </p:sp>
@@ -2214,94 +2197,7 @@
           <a:p>
             <a:fld id="{0164207E-AF3A-43A0-B220-F1A4ED21AC70}" type="slidenum">
               <a:rPr lang="en-GB" smtClean="0"/>
-              <a:t>36</a:t>
-            </a:fld>
-            <a:endParaRPr lang="en-GB"/>
-          </a:p>
-        </p:txBody>
-      </p:sp>
-    </p:spTree>
-    <p:extLst>
-      <p:ext uri="{BB962C8B-B14F-4D97-AF65-F5344CB8AC3E}">
-        <p14:creationId xmlns:p14="http://schemas.microsoft.com/office/powerpoint/2010/main" val="1732118548"/>
-      </p:ext>
-    </p:extLst>
-  </p:cSld>
-  <p:clrMapOvr>
-    <a:masterClrMapping/>
-  </p:clrMapOvr>
-</p:notes>
-</file>
-
-<file path=ppt/notesSlides/notesSlide26.xml><?xml version="1.0" encoding="utf-8"?>
-<p:notes xmlns:a="http://schemas.openxmlformats.org/drawingml/2006/main" xmlns:r="http://schemas.openxmlformats.org/officeDocument/2006/relationships" xmlns:p="http://schemas.openxmlformats.org/presentationml/2006/main">
-  <p:cSld>
-    <p:spTree>
-      <p:nvGrpSpPr>
-        <p:cNvPr id="1" name=""/>
-        <p:cNvGrpSpPr/>
-        <p:nvPr/>
-      </p:nvGrpSpPr>
-      <p:grpSpPr>
-        <a:xfrm>
-          <a:off x="0" y="0"/>
-          <a:ext cx="0" cy="0"/>
-          <a:chOff x="0" y="0"/>
-          <a:chExt cx="0" cy="0"/>
-        </a:xfrm>
-      </p:grpSpPr>
-      <p:sp>
-        <p:nvSpPr>
-          <p:cNvPr id="2" name="Slide Image Placeholder 1"/>
-          <p:cNvSpPr>
-            <a:spLocks noGrp="1" noRot="1" noChangeAspect="1"/>
-          </p:cNvSpPr>
-          <p:nvPr>
-            <p:ph type="sldImg"/>
-          </p:nvPr>
-        </p:nvSpPr>
-        <p:spPr/>
-      </p:sp>
-      <p:sp>
-        <p:nvSpPr>
-          <p:cNvPr id="3" name="Notes Placeholder 2"/>
-          <p:cNvSpPr>
-            <a:spLocks noGrp="1"/>
-          </p:cNvSpPr>
-          <p:nvPr>
-            <p:ph type="body" idx="1"/>
-          </p:nvPr>
-        </p:nvSpPr>
-        <p:spPr/>
-        <p:txBody>
-          <a:bodyPr/>
-          <a:lstStyle/>
-          <a:p>
-            <a:r>
-              <a:rPr lang="en-GB" dirty="0"/>
-              <a:t>http://www.slideshare.net/nishanbose/introduction-to-github-55872492/7</a:t>
-            </a:r>
-          </a:p>
-        </p:txBody>
-      </p:sp>
-      <p:sp>
-        <p:nvSpPr>
-          <p:cNvPr id="4" name="Slide Number Placeholder 3"/>
-          <p:cNvSpPr>
-            <a:spLocks noGrp="1"/>
-          </p:cNvSpPr>
-          <p:nvPr>
-            <p:ph type="sldNum" sz="quarter" idx="10"/>
-          </p:nvPr>
-        </p:nvSpPr>
-        <p:spPr/>
-        <p:txBody>
-          <a:bodyPr/>
-          <a:lstStyle/>
-          <a:p>
-            <a:fld id="{0164207E-AF3A-43A0-B220-F1A4ED21AC70}" type="slidenum">
-              <a:rPr lang="en-GB" smtClean="0"/>
-              <a:t>43</a:t>
+              <a:t>42</a:t>
             </a:fld>
             <a:endParaRPr lang="en-GB"/>
           </a:p>
@@ -8644,13 +8540,13 @@
           <a:p>
             <a:pPr algn="ctr"/>
             <a:r>
-              <a:rPr lang="en-GB" sz="7200" b="1" dirty="0" err="1">
+              <a:rPr lang="en-GB" sz="7200" b="1" dirty="0">
                 <a:solidFill>
                   <a:srgbClr val="008080"/>
                 </a:solidFill>
                 <a:latin typeface="Gill Sans MT" panose="020B0502020104020203" pitchFamily="34" charset="0"/>
               </a:rPr>
-              <a:t>StackOverflow</a:t>
+              <a:t>Python vs R</a:t>
             </a:r>
             <a:br>
               <a:rPr lang="en-GB" sz="7200" b="1" dirty="0">
@@ -8661,21 +8557,63 @@
               </a:rPr>
             </a:br>
             <a:r>
-              <a:rPr lang="en-GB" sz="7200" b="1" dirty="0">
-                <a:solidFill>
-                  <a:srgbClr val="008080"/>
+              <a:rPr lang="en-GB" sz="4800" b="1" dirty="0">
+                <a:solidFill>
+                  <a:schemeClr val="bg1"/>
                 </a:solidFill>
                 <a:latin typeface="Gill Sans MT" panose="020B0502020104020203" pitchFamily="34" charset="0"/>
               </a:rPr>
-              <a:t>&amp; MWEs</a:t>
-            </a:r>
+              <a:t>(vs </a:t>
+            </a:r>
+            <a:r>
+              <a:rPr lang="en-GB" sz="4800" b="1" dirty="0" err="1">
+                <a:solidFill>
+                  <a:schemeClr val="bg1"/>
+                </a:solidFill>
+                <a:latin typeface="Gill Sans MT" panose="020B0502020104020203" pitchFamily="34" charset="0"/>
+              </a:rPr>
+              <a:t>Matlab</a:t>
+            </a:r>
+            <a:r>
+              <a:rPr lang="en-GB" sz="4800" b="1" dirty="0">
+                <a:solidFill>
+                  <a:schemeClr val="bg1"/>
+                </a:solidFill>
+                <a:latin typeface="Gill Sans MT" panose="020B0502020104020203" pitchFamily="34" charset="0"/>
+              </a:rPr>
+              <a:t> vs STATA </a:t>
+            </a:r>
+            <a:r>
+              <a:rPr lang="en-GB" sz="4800" b="1" dirty="0" err="1">
+                <a:solidFill>
+                  <a:schemeClr val="bg1"/>
+                </a:solidFill>
+                <a:latin typeface="Gill Sans MT" panose="020B0502020104020203" pitchFamily="34" charset="0"/>
+              </a:rPr>
+              <a:t>etc</a:t>
+            </a:r>
+            <a:r>
+              <a:rPr lang="en-GB" sz="4800" b="1" dirty="0">
+                <a:solidFill>
+                  <a:schemeClr val="bg1"/>
+                </a:solidFill>
+                <a:latin typeface="Gill Sans MT" panose="020B0502020104020203" pitchFamily="34" charset="0"/>
+              </a:rPr>
+              <a:t>…)</a:t>
+            </a:r>
+            <a:endParaRPr lang="en-GB" sz="7200" b="1" dirty="0">
+              <a:solidFill>
+                <a:schemeClr val="bg1"/>
+              </a:solidFill>
+              <a:latin typeface="Gill Sans MT" panose="020B0502020104020203" pitchFamily="34" charset="0"/>
+            </a:endParaRPr>
           </a:p>
         </p:txBody>
       </p:sp>
     </p:spTree>
     <p:extLst>
       <p:ext uri="{BB962C8B-B14F-4D97-AF65-F5344CB8AC3E}">
-        <p14:creationId xmlns:p14="http://schemas.microsoft.com/office/powerpoint/2010/main" val="2286252819"/>
+        <p14:creationId xmlns:p14="http://schemas.microsoft.com/office/powerpoint/2010/main" val="2052425940"/>
       </p:ext>
     </p:extLst>
   </p:cSld>
@@ -8745,7 +8683,9 @@
             <a:r>
               <a:rPr lang="en-GB" sz="4800" b="1" dirty="0">
                 <a:solidFill>
-                  <a:schemeClr val="bg1"/>
+                  <a:schemeClr val="bg1">
+                    <a:lumMod val="50000"/>
+                  </a:schemeClr>
                 </a:solidFill>
                 <a:latin typeface="Gill Sans MT" panose="020B0502020104020203" pitchFamily="34" charset="0"/>
               </a:rPr>
@@ -8754,7 +8694,9 @@
             <a:r>
               <a:rPr lang="en-GB" sz="4800" b="1" dirty="0" err="1">
                 <a:solidFill>
-                  <a:schemeClr val="bg1"/>
+                  <a:schemeClr val="bg1">
+                    <a:lumMod val="50000"/>
+                  </a:schemeClr>
                 </a:solidFill>
                 <a:latin typeface="Gill Sans MT" panose="020B0502020104020203" pitchFamily="34" charset="0"/>
               </a:rPr>
@@ -8763,7 +8705,9 @@
             <a:r>
               <a:rPr lang="en-GB" sz="4800" b="1" dirty="0">
                 <a:solidFill>
-                  <a:schemeClr val="bg1"/>
+                  <a:schemeClr val="bg1">
+                    <a:lumMod val="50000"/>
+                  </a:schemeClr>
                 </a:solidFill>
                 <a:latin typeface="Gill Sans MT" panose="020B0502020104020203" pitchFamily="34" charset="0"/>
               </a:rPr>
@@ -8772,7 +8716,9 @@
             <a:r>
               <a:rPr lang="en-GB" sz="4800" b="1" dirty="0" err="1">
                 <a:solidFill>
-                  <a:schemeClr val="bg1"/>
+                  <a:schemeClr val="bg1">
+                    <a:lumMod val="50000"/>
+                  </a:schemeClr>
                 </a:solidFill>
                 <a:latin typeface="Gill Sans MT" panose="020B0502020104020203" pitchFamily="34" charset="0"/>
               </a:rPr>
@@ -8781,7 +8727,9 @@
             <a:r>
               <a:rPr lang="en-GB" sz="4800" b="1" dirty="0">
                 <a:solidFill>
-                  <a:schemeClr val="bg1"/>
+                  <a:schemeClr val="bg1">
+                    <a:lumMod val="50000"/>
+                  </a:schemeClr>
                 </a:solidFill>
                 <a:latin typeface="Gill Sans MT" panose="020B0502020104020203" pitchFamily="34" charset="0"/>
               </a:rPr>
@@ -8789,7 +8737,9 @@
             </a:r>
             <a:endParaRPr lang="en-GB" sz="7200" b="1" dirty="0">
               <a:solidFill>
-                <a:schemeClr val="bg1"/>
+                <a:schemeClr val="bg1">
+                  <a:lumMod val="50000"/>
+                </a:schemeClr>
               </a:solidFill>
               <a:latin typeface="Gill Sans MT" panose="020B0502020104020203" pitchFamily="34" charset="0"/>
             </a:endParaRPr>
@@ -8799,7 +8749,7 @@
     </p:spTree>
     <p:extLst>
       <p:ext uri="{BB962C8B-B14F-4D97-AF65-F5344CB8AC3E}">
-        <p14:creationId xmlns:p14="http://schemas.microsoft.com/office/powerpoint/2010/main" val="2052425940"/>
+        <p14:creationId xmlns:p14="http://schemas.microsoft.com/office/powerpoint/2010/main" val="1935589750"/>
       </p:ext>
     </p:extLst>
   </p:cSld>
@@ -8856,142 +8806,6 @@
                 </a:solidFill>
                 <a:latin typeface="Gill Sans MT" panose="020B0502020104020203" pitchFamily="34" charset="0"/>
               </a:rPr>
-              <a:t>Python vs R</a:t>
-            </a:r>
-            <a:br>
-              <a:rPr lang="en-GB" sz="7200" b="1" dirty="0">
-                <a:solidFill>
-                  <a:srgbClr val="008080"/>
-                </a:solidFill>
-                <a:latin typeface="Gill Sans MT" panose="020B0502020104020203" pitchFamily="34" charset="0"/>
-              </a:rPr>
-            </a:br>
-            <a:r>
-              <a:rPr lang="en-GB" sz="4800" b="1" dirty="0">
-                <a:solidFill>
-                  <a:schemeClr val="bg1">
-                    <a:lumMod val="50000"/>
-                  </a:schemeClr>
-                </a:solidFill>
-                <a:latin typeface="Gill Sans MT" panose="020B0502020104020203" pitchFamily="34" charset="0"/>
-              </a:rPr>
-              <a:t>(vs </a:t>
-            </a:r>
-            <a:r>
-              <a:rPr lang="en-GB" sz="4800" b="1" dirty="0" err="1">
-                <a:solidFill>
-                  <a:schemeClr val="bg1">
-                    <a:lumMod val="50000"/>
-                  </a:schemeClr>
-                </a:solidFill>
-                <a:latin typeface="Gill Sans MT" panose="020B0502020104020203" pitchFamily="34" charset="0"/>
-              </a:rPr>
-              <a:t>Matlab</a:t>
-            </a:r>
-            <a:r>
-              <a:rPr lang="en-GB" sz="4800" b="1" dirty="0">
-                <a:solidFill>
-                  <a:schemeClr val="bg1">
-                    <a:lumMod val="50000"/>
-                  </a:schemeClr>
-                </a:solidFill>
-                <a:latin typeface="Gill Sans MT" panose="020B0502020104020203" pitchFamily="34" charset="0"/>
-              </a:rPr>
-              <a:t> vs STATA </a:t>
-            </a:r>
-            <a:r>
-              <a:rPr lang="en-GB" sz="4800" b="1" dirty="0" err="1">
-                <a:solidFill>
-                  <a:schemeClr val="bg1">
-                    <a:lumMod val="50000"/>
-                  </a:schemeClr>
-                </a:solidFill>
-                <a:latin typeface="Gill Sans MT" panose="020B0502020104020203" pitchFamily="34" charset="0"/>
-              </a:rPr>
-              <a:t>etc</a:t>
-            </a:r>
-            <a:r>
-              <a:rPr lang="en-GB" sz="4800" b="1" dirty="0">
-                <a:solidFill>
-                  <a:schemeClr val="bg1">
-                    <a:lumMod val="50000"/>
-                  </a:schemeClr>
-                </a:solidFill>
-                <a:latin typeface="Gill Sans MT" panose="020B0502020104020203" pitchFamily="34" charset="0"/>
-              </a:rPr>
-              <a:t>…)</a:t>
-            </a:r>
-            <a:endParaRPr lang="en-GB" sz="7200" b="1" dirty="0">
-              <a:solidFill>
-                <a:schemeClr val="bg1">
-                  <a:lumMod val="50000"/>
-                </a:schemeClr>
-              </a:solidFill>
-              <a:latin typeface="Gill Sans MT" panose="020B0502020104020203" pitchFamily="34" charset="0"/>
-            </a:endParaRPr>
-          </a:p>
-        </p:txBody>
-      </p:sp>
-    </p:spTree>
-    <p:extLst>
-      <p:ext uri="{BB962C8B-B14F-4D97-AF65-F5344CB8AC3E}">
-        <p14:creationId xmlns:p14="http://schemas.microsoft.com/office/powerpoint/2010/main" val="1935589750"/>
-      </p:ext>
-    </p:extLst>
-  </p:cSld>
-  <p:clrMapOvr>
-    <a:masterClrMapping/>
-  </p:clrMapOvr>
-</p:sld>
-</file>
-
-<file path=ppt/slides/slide26.xml><?xml version="1.0" encoding="utf-8"?>
-<p:sld xmlns:a="http://schemas.openxmlformats.org/drawingml/2006/main" xmlns:r="http://schemas.openxmlformats.org/officeDocument/2006/relationships" xmlns:p="http://schemas.openxmlformats.org/presentationml/2006/main">
-  <p:cSld>
-    <p:spTree>
-      <p:nvGrpSpPr>
-        <p:cNvPr id="1" name=""/>
-        <p:cNvGrpSpPr/>
-        <p:nvPr/>
-      </p:nvGrpSpPr>
-      <p:grpSpPr>
-        <a:xfrm>
-          <a:off x="0" y="0"/>
-          <a:ext cx="0" cy="0"/>
-          <a:chOff x="0" y="0"/>
-          <a:chExt cx="0" cy="0"/>
-        </a:xfrm>
-      </p:grpSpPr>
-      <p:sp>
-        <p:nvSpPr>
-          <p:cNvPr id="4" name="Title 3"/>
-          <p:cNvSpPr>
-            <a:spLocks noGrp="1"/>
-          </p:cNvSpPr>
-          <p:nvPr>
-            <p:ph type="title" idx="4294967295"/>
-          </p:nvPr>
-        </p:nvSpPr>
-        <p:spPr>
-          <a:xfrm>
-            <a:off x="1302707" y="1786938"/>
-            <a:ext cx="9966325" cy="2925762"/>
-          </a:xfrm>
-        </p:spPr>
-        <p:txBody>
-          <a:bodyPr>
-            <a:noAutofit/>
-          </a:bodyPr>
-          <a:lstStyle/>
-          <a:p>
-            <a:pPr algn="ctr"/>
-            <a:r>
-              <a:rPr lang="en-GB" sz="7200" b="1" dirty="0">
-                <a:solidFill>
-                  <a:srgbClr val="008080"/>
-                </a:solidFill>
-                <a:latin typeface="Gill Sans MT" panose="020B0502020104020203" pitchFamily="34" charset="0"/>
-              </a:rPr>
               <a:t>R Studio</a:t>
             </a:r>
           </a:p>
@@ -9010,7 +8824,7 @@
 </p:sld>
 </file>
 
-<file path=ppt/slides/slide27.xml><?xml version="1.0" encoding="utf-8"?>
+<file path=ppt/slides/slide26.xml><?xml version="1.0" encoding="utf-8"?>
 <p:sld xmlns:a="http://schemas.openxmlformats.org/drawingml/2006/main" xmlns:r="http://schemas.openxmlformats.org/officeDocument/2006/relationships" xmlns:p="http://schemas.openxmlformats.org/presentationml/2006/main">
   <p:cSld>
     <p:spTree>
@@ -9122,7 +8936,7 @@
 </p:sld>
 </file>
 
-<file path=ppt/slides/slide28.xml><?xml version="1.0" encoding="utf-8"?>
+<file path=ppt/slides/slide27.xml><?xml version="1.0" encoding="utf-8"?>
 <p:sld xmlns:a="http://schemas.openxmlformats.org/drawingml/2006/main" xmlns:r="http://schemas.openxmlformats.org/officeDocument/2006/relationships" xmlns:p="http://schemas.openxmlformats.org/presentationml/2006/main">
   <p:cSld>
     <p:spTree>
@@ -9213,6 +9027,95 @@
 </p:sld>
 </file>
 
+<file path=ppt/slides/slide28.xml><?xml version="1.0" encoding="utf-8"?>
+<p:sld xmlns:a="http://schemas.openxmlformats.org/drawingml/2006/main" xmlns:r="http://schemas.openxmlformats.org/officeDocument/2006/relationships" xmlns:p="http://schemas.openxmlformats.org/presentationml/2006/main">
+  <p:cSld>
+    <p:spTree>
+      <p:nvGrpSpPr>
+        <p:cNvPr id="1" name=""/>
+        <p:cNvGrpSpPr/>
+        <p:nvPr/>
+      </p:nvGrpSpPr>
+      <p:grpSpPr>
+        <a:xfrm>
+          <a:off x="0" y="0"/>
+          <a:ext cx="0" cy="0"/>
+          <a:chOff x="0" y="0"/>
+          <a:chExt cx="0" cy="0"/>
+        </a:xfrm>
+      </p:grpSpPr>
+      <p:sp>
+        <p:nvSpPr>
+          <p:cNvPr id="4" name="Title 3"/>
+          <p:cNvSpPr>
+            <a:spLocks noGrp="1"/>
+          </p:cNvSpPr>
+          <p:nvPr>
+            <p:ph type="title" idx="4294967295"/>
+          </p:nvPr>
+        </p:nvSpPr>
+        <p:spPr>
+          <a:xfrm>
+            <a:off x="1302707" y="1786938"/>
+            <a:ext cx="9966325" cy="2925762"/>
+          </a:xfrm>
+        </p:spPr>
+        <p:txBody>
+          <a:bodyPr>
+            <a:noAutofit/>
+          </a:bodyPr>
+          <a:lstStyle/>
+          <a:p>
+            <a:pPr algn="ctr"/>
+            <a:r>
+              <a:rPr lang="en-GB" sz="7200" b="1" dirty="0">
+                <a:solidFill>
+                  <a:srgbClr val="008080"/>
+                </a:solidFill>
+                <a:latin typeface="Gill Sans MT" panose="020B0502020104020203" pitchFamily="34" charset="0"/>
+              </a:rPr>
+              <a:t>Anaconda</a:t>
+            </a:r>
+          </a:p>
+        </p:txBody>
+      </p:sp>
+      <p:pic>
+        <p:nvPicPr>
+          <p:cNvPr id="5" name="Picture 4"/>
+          <p:cNvPicPr>
+            <a:picLocks noChangeAspect="1"/>
+          </p:cNvPicPr>
+          <p:nvPr/>
+        </p:nvPicPr>
+        <p:blipFill>
+          <a:blip r:embed="rId3"/>
+          <a:stretch>
+            <a:fillRect/>
+          </a:stretch>
+        </p:blipFill>
+        <p:spPr>
+          <a:xfrm>
+            <a:off x="522785" y="736055"/>
+            <a:ext cx="11188475" cy="4457908"/>
+          </a:xfrm>
+          <a:prstGeom prst="rect">
+            <a:avLst/>
+          </a:prstGeom>
+        </p:spPr>
+      </p:pic>
+    </p:spTree>
+    <p:extLst>
+      <p:ext uri="{BB962C8B-B14F-4D97-AF65-F5344CB8AC3E}">
+        <p14:creationId xmlns:p14="http://schemas.microsoft.com/office/powerpoint/2010/main" val="3951628137"/>
+      </p:ext>
+    </p:extLst>
+  </p:cSld>
+  <p:clrMapOvr>
+    <a:masterClrMapping/>
+  </p:clrMapOvr>
+</p:sld>
+</file>
+
 <file path=ppt/slides/slide29.xml><?xml version="1.0" encoding="utf-8"?>
 <p:sld xmlns:a="http://schemas.openxmlformats.org/drawingml/2006/main" xmlns:r="http://schemas.openxmlformats.org/officeDocument/2006/relationships" xmlns:p="http://schemas.openxmlformats.org/presentationml/2006/main">
   <p:cSld>
@@ -9254,45 +9157,53 @@
           <a:p>
             <a:pPr algn="ctr"/>
             <a:r>
-              <a:rPr lang="en-GB" sz="7200" b="1" dirty="0">
+              <a:rPr lang="en-GB" sz="7200" b="1" dirty="0" err="1">
                 <a:solidFill>
                   <a:srgbClr val="008080"/>
                 </a:solidFill>
                 <a:latin typeface="Gill Sans MT" panose="020B0502020104020203" pitchFamily="34" charset="0"/>
               </a:rPr>
-              <a:t>Anaconda</a:t>
-            </a:r>
-          </a:p>
-        </p:txBody>
-      </p:sp>
-      <p:pic>
-        <p:nvPicPr>
-          <p:cNvPr id="5" name="Picture 4"/>
-          <p:cNvPicPr>
-            <a:picLocks noChangeAspect="1"/>
-          </p:cNvPicPr>
-          <p:nvPr/>
-        </p:nvPicPr>
-        <p:blipFill>
-          <a:blip r:embed="rId3"/>
-          <a:stretch>
-            <a:fillRect/>
-          </a:stretch>
-        </p:blipFill>
-        <p:spPr>
-          <a:xfrm>
-            <a:off x="522785" y="736055"/>
-            <a:ext cx="11188475" cy="4457908"/>
-          </a:xfrm>
-          <a:prstGeom prst="rect">
-            <a:avLst/>
-          </a:prstGeom>
-        </p:spPr>
-      </p:pic>
+              <a:t>Matplotlib</a:t>
+            </a:r>
+            <a:br>
+              <a:rPr lang="en-GB" sz="7200" b="1" dirty="0">
+                <a:solidFill>
+                  <a:srgbClr val="008080"/>
+                </a:solidFill>
+                <a:latin typeface="Gill Sans MT" panose="020B0502020104020203" pitchFamily="34" charset="0"/>
+              </a:rPr>
+            </a:br>
+            <a:r>
+              <a:rPr lang="en-GB" sz="7200" b="1" dirty="0">
+                <a:solidFill>
+                  <a:srgbClr val="008080"/>
+                </a:solidFill>
+                <a:latin typeface="Gill Sans MT" panose="020B0502020104020203" pitchFamily="34" charset="0"/>
+              </a:rPr>
+              <a:t>&amp; </a:t>
+            </a:r>
+            <a:r>
+              <a:rPr lang="en-GB" sz="7200" b="1" dirty="0" err="1">
+                <a:solidFill>
+                  <a:srgbClr val="008080"/>
+                </a:solidFill>
+                <a:latin typeface="Gill Sans MT" panose="020B0502020104020203" pitchFamily="34" charset="0"/>
+              </a:rPr>
+              <a:t>Seaborn</a:t>
+            </a:r>
+            <a:endParaRPr lang="en-GB" sz="7200" b="1" dirty="0">
+              <a:solidFill>
+                <a:srgbClr val="008080"/>
+              </a:solidFill>
+              <a:latin typeface="Gill Sans MT" panose="020B0502020104020203" pitchFamily="34" charset="0"/>
+            </a:endParaRPr>
+          </a:p>
+        </p:txBody>
+      </p:sp>
     </p:spTree>
     <p:extLst>
       <p:ext uri="{BB962C8B-B14F-4D97-AF65-F5344CB8AC3E}">
-        <p14:creationId xmlns:p14="http://schemas.microsoft.com/office/powerpoint/2010/main" val="3951628137"/>
+        <p14:creationId xmlns:p14="http://schemas.microsoft.com/office/powerpoint/2010/main" val="2194456262"/>
       </p:ext>
     </p:extLst>
   </p:cSld>
@@ -9792,10 +9703,106 @@
           </a:p>
         </p:txBody>
       </p:sp>
+      <p:pic>
+        <p:nvPicPr>
+          <p:cNvPr id="2" name="Picture 1"/>
+          <p:cNvPicPr>
+            <a:picLocks noChangeAspect="1"/>
+          </p:cNvPicPr>
+          <p:nvPr/>
+        </p:nvPicPr>
+        <p:blipFill rotWithShape="1">
+          <a:blip r:embed="rId2"/>
+          <a:srcRect l="8377" t="17000" r="32532"/>
+          <a:stretch/>
+        </p:blipFill>
+        <p:spPr>
+          <a:xfrm>
+            <a:off x="4018547" y="264695"/>
+            <a:ext cx="7868652" cy="6324600"/>
+          </a:xfrm>
+          <a:prstGeom prst="rect">
+            <a:avLst/>
+          </a:prstGeom>
+        </p:spPr>
+      </p:pic>
+      <p:sp>
+        <p:nvSpPr>
+          <p:cNvPr id="5" name="TextBox 4"/>
+          <p:cNvSpPr txBox="1"/>
+          <p:nvPr/>
+        </p:nvSpPr>
+        <p:spPr>
+          <a:xfrm>
+            <a:off x="419950" y="1140607"/>
+            <a:ext cx="3416386" cy="2862322"/>
+          </a:xfrm>
+          <a:prstGeom prst="rect">
+            <a:avLst/>
+          </a:prstGeom>
+          <a:noFill/>
+        </p:spPr>
+        <p:txBody>
+          <a:bodyPr wrap="square" rtlCol="0">
+            <a:spAutoFit/>
+          </a:bodyPr>
+          <a:lstStyle/>
+          <a:p>
+            <a:pPr algn="ctr"/>
+            <a:r>
+              <a:rPr lang="en-GB" sz="3600" dirty="0" err="1">
+                <a:solidFill>
+                  <a:schemeClr val="bg1">
+                    <a:lumMod val="50000"/>
+                  </a:schemeClr>
+                </a:solidFill>
+                <a:latin typeface="Gill Sans MT" panose="020B0502020104020203" pitchFamily="34" charset="0"/>
+              </a:rPr>
+              <a:t>Matplotlib</a:t>
+            </a:r>
+            <a:r>
+              <a:rPr lang="en-GB" sz="3600" dirty="0">
+                <a:solidFill>
+                  <a:schemeClr val="bg1">
+                    <a:lumMod val="50000"/>
+                  </a:schemeClr>
+                </a:solidFill>
+                <a:latin typeface="Gill Sans MT" panose="020B0502020104020203" pitchFamily="34" charset="0"/>
+              </a:rPr>
+              <a:t> gallery</a:t>
+            </a:r>
+          </a:p>
+          <a:p>
+            <a:pPr algn="ctr"/>
+            <a:endParaRPr lang="en-GB" sz="3600" dirty="0">
+              <a:solidFill>
+                <a:schemeClr val="bg1">
+                  <a:lumMod val="50000"/>
+                </a:schemeClr>
+              </a:solidFill>
+              <a:latin typeface="Gill Sans MT" panose="020B0502020104020203" pitchFamily="34" charset="0"/>
+            </a:endParaRPr>
+          </a:p>
+          <a:p>
+            <a:pPr algn="ctr"/>
+            <a:r>
+              <a:rPr lang="en-GB" sz="3600" dirty="0">
+                <a:solidFill>
+                  <a:schemeClr val="bg1">
+                    <a:lumMod val="50000"/>
+                  </a:schemeClr>
+                </a:solidFill>
+                <a:latin typeface="Gill Sans MT" panose="020B0502020104020203" pitchFamily="34" charset="0"/>
+              </a:rPr>
+              <a:t>Click each example to see source code</a:t>
+            </a:r>
+          </a:p>
+        </p:txBody>
+      </p:sp>
     </p:spTree>
     <p:extLst>
       <p:ext uri="{BB962C8B-B14F-4D97-AF65-F5344CB8AC3E}">
-        <p14:creationId xmlns:p14="http://schemas.microsoft.com/office/powerpoint/2010/main" val="2194456262"/>
+        <p14:creationId xmlns:p14="http://schemas.microsoft.com/office/powerpoint/2010/main" val="3726495309"/>
       </p:ext>
     </p:extLst>
   </p:cSld>
@@ -9891,21 +9898,22 @@
       </p:sp>
       <p:pic>
         <p:nvPicPr>
-          <p:cNvPr id="2" name="Picture 1"/>
+          <p:cNvPr id="3" name="Picture 2"/>
           <p:cNvPicPr>
             <a:picLocks noChangeAspect="1"/>
           </p:cNvPicPr>
           <p:nvPr/>
         </p:nvPicPr>
-        <p:blipFill rotWithShape="1">
+        <p:blipFill>
           <a:blip r:embed="rId2"/>
-          <a:srcRect l="8377" t="17000" r="32532"/>
-          <a:stretch/>
+          <a:stretch>
+            <a:fillRect/>
+          </a:stretch>
         </p:blipFill>
         <p:spPr>
           <a:xfrm>
-            <a:off x="4018547" y="264695"/>
-            <a:ext cx="7868652" cy="6324600"/>
+            <a:off x="813761" y="741792"/>
+            <a:ext cx="10564479" cy="4534792"/>
           </a:xfrm>
           <a:prstGeom prst="rect">
             <a:avLst/>
@@ -9920,8 +9928,8 @@
         </p:nvSpPr>
         <p:spPr>
           <a:xfrm>
-            <a:off x="419950" y="1140607"/>
-            <a:ext cx="3416386" cy="2862322"/>
+            <a:off x="2128433" y="5276584"/>
+            <a:ext cx="8868429" cy="646331"/>
           </a:xfrm>
           <a:prstGeom prst="rect">
             <a:avLst/>
@@ -9944,7 +9952,7 @@
                 </a:solidFill>
                 <a:latin typeface="Gill Sans MT" panose="020B0502020104020203" pitchFamily="34" charset="0"/>
               </a:rPr>
-              <a:t>Matplotlib</a:t>
+              <a:t>Seaborn</a:t>
             </a:r>
             <a:r>
               <a:rPr lang="en-GB" sz="3600" dirty="0">
@@ -9958,37 +9966,12 @@
               <a:t> gallery</a:t>
             </a:r>
           </a:p>
-          <a:p>
-            <a:pPr algn="ctr"/>
-            <a:endParaRPr lang="en-GB" sz="3600" dirty="0">
-              <a:solidFill>
-                <a:schemeClr val="bg1">
-                  <a:lumMod val="50000"/>
-                </a:schemeClr>
-              </a:solidFill>
-              <a:latin typeface="Gill Sans MT" panose="020B0502020104020203" pitchFamily="34" charset="0"/>
-            </a:endParaRPr>
-          </a:p>
-          <a:p>
-            <a:pPr algn="ctr"/>
-            <a:r>
-              <a:rPr lang="en-GB" sz="3600" dirty="0">
-                <a:solidFill>
-                  <a:schemeClr val="bg1">
-                    <a:lumMod val="50000"/>
-                  </a:schemeClr>
-                </a:solidFill>
-                <a:latin typeface="Gill Sans MT" panose="020B0502020104020203" pitchFamily="34" charset="0"/>
-              </a:rPr>
-              <a:t>Click each example to see source code</a:t>
-            </a:r>
-          </a:p>
         </p:txBody>
       </p:sp>
     </p:spTree>
     <p:extLst>
       <p:ext uri="{BB962C8B-B14F-4D97-AF65-F5344CB8AC3E}">
-        <p14:creationId xmlns:p14="http://schemas.microsoft.com/office/powerpoint/2010/main" val="3726495309"/>
+        <p14:creationId xmlns:p14="http://schemas.microsoft.com/office/powerpoint/2010/main" val="1211233608"/>
       </p:ext>
     </p:extLst>
   </p:cSld>
@@ -10027,7 +10010,7 @@
         </p:nvSpPr>
         <p:spPr>
           <a:xfrm>
-            <a:off x="1302707" y="1786938"/>
+            <a:off x="1302705" y="752222"/>
             <a:ext cx="9966325" cy="2925762"/>
           </a:xfrm>
         </p:spPr>
@@ -10045,40 +10028,17 @@
                 </a:solidFill>
                 <a:latin typeface="Gill Sans MT" panose="020B0502020104020203" pitchFamily="34" charset="0"/>
               </a:rPr>
-              <a:t>Matplotlib</a:t>
-            </a:r>
-            <a:br>
+              <a:t>Jupyter</a:t>
+            </a:r>
+            <a:r>
               <a:rPr lang="en-GB" sz="7200" b="1" dirty="0">
                 <a:solidFill>
                   <a:srgbClr val="008080"/>
                 </a:solidFill>
                 <a:latin typeface="Gill Sans MT" panose="020B0502020104020203" pitchFamily="34" charset="0"/>
               </a:rPr>
-            </a:br>
-            <a:r>
-              <a:rPr lang="en-GB" sz="7200" b="1" dirty="0">
-                <a:solidFill>
-                  <a:srgbClr val="008080"/>
-                </a:solidFill>
-                <a:latin typeface="Gill Sans MT" panose="020B0502020104020203" pitchFamily="34" charset="0"/>
-              </a:rPr>
-              <a:t>&amp; </a:t>
-            </a:r>
-            <a:r>
-              <a:rPr lang="en-GB" sz="7200" b="1" dirty="0" err="1">
-                <a:solidFill>
-                  <a:srgbClr val="008080"/>
-                </a:solidFill>
-                <a:latin typeface="Gill Sans MT" panose="020B0502020104020203" pitchFamily="34" charset="0"/>
-              </a:rPr>
-              <a:t>Seaborn</a:t>
-            </a:r>
-            <a:endParaRPr lang="en-GB" sz="7200" b="1" dirty="0">
-              <a:solidFill>
-                <a:srgbClr val="008080"/>
-              </a:solidFill>
-              <a:latin typeface="Gill Sans MT" panose="020B0502020104020203" pitchFamily="34" charset="0"/>
-            </a:endParaRPr>
+              <a:t> Notebook</a:t>
+            </a:r>
           </a:p>
         </p:txBody>
       </p:sp>
@@ -10098,152 +10058,6 @@
         </p:blipFill>
         <p:spPr>
           <a:xfrm>
-            <a:off x="813761" y="741792"/>
-            <a:ext cx="10564479" cy="4534792"/>
-          </a:xfrm>
-          <a:prstGeom prst="rect">
-            <a:avLst/>
-          </a:prstGeom>
-        </p:spPr>
-      </p:pic>
-      <p:sp>
-        <p:nvSpPr>
-          <p:cNvPr id="5" name="TextBox 4"/>
-          <p:cNvSpPr txBox="1"/>
-          <p:nvPr/>
-        </p:nvSpPr>
-        <p:spPr>
-          <a:xfrm>
-            <a:off x="2128433" y="5276584"/>
-            <a:ext cx="8868429" cy="646331"/>
-          </a:xfrm>
-          <a:prstGeom prst="rect">
-            <a:avLst/>
-          </a:prstGeom>
-          <a:noFill/>
-        </p:spPr>
-        <p:txBody>
-          <a:bodyPr wrap="square" rtlCol="0">
-            <a:spAutoFit/>
-          </a:bodyPr>
-          <a:lstStyle/>
-          <a:p>
-            <a:pPr algn="ctr"/>
-            <a:r>
-              <a:rPr lang="en-GB" sz="3600" dirty="0" err="1">
-                <a:solidFill>
-                  <a:schemeClr val="bg1">
-                    <a:lumMod val="50000"/>
-                  </a:schemeClr>
-                </a:solidFill>
-                <a:latin typeface="Gill Sans MT" panose="020B0502020104020203" pitchFamily="34" charset="0"/>
-              </a:rPr>
-              <a:t>Seaborn</a:t>
-            </a:r>
-            <a:r>
-              <a:rPr lang="en-GB" sz="3600" dirty="0">
-                <a:solidFill>
-                  <a:schemeClr val="bg1">
-                    <a:lumMod val="50000"/>
-                  </a:schemeClr>
-                </a:solidFill>
-                <a:latin typeface="Gill Sans MT" panose="020B0502020104020203" pitchFamily="34" charset="0"/>
-              </a:rPr>
-              <a:t> gallery</a:t>
-            </a:r>
-          </a:p>
-        </p:txBody>
-      </p:sp>
-    </p:spTree>
-    <p:extLst>
-      <p:ext uri="{BB962C8B-B14F-4D97-AF65-F5344CB8AC3E}">
-        <p14:creationId xmlns:p14="http://schemas.microsoft.com/office/powerpoint/2010/main" val="1211233608"/>
-      </p:ext>
-    </p:extLst>
-  </p:cSld>
-  <p:clrMapOvr>
-    <a:masterClrMapping/>
-  </p:clrMapOvr>
-</p:sld>
-</file>
-
-<file path=ppt/slides/slide33.xml><?xml version="1.0" encoding="utf-8"?>
-<p:sld xmlns:a="http://schemas.openxmlformats.org/drawingml/2006/main" xmlns:r="http://schemas.openxmlformats.org/officeDocument/2006/relationships" xmlns:p="http://schemas.openxmlformats.org/presentationml/2006/main">
-  <p:cSld>
-    <p:spTree>
-      <p:nvGrpSpPr>
-        <p:cNvPr id="1" name=""/>
-        <p:cNvGrpSpPr/>
-        <p:nvPr/>
-      </p:nvGrpSpPr>
-      <p:grpSpPr>
-        <a:xfrm>
-          <a:off x="0" y="0"/>
-          <a:ext cx="0" cy="0"/>
-          <a:chOff x="0" y="0"/>
-          <a:chExt cx="0" cy="0"/>
-        </a:xfrm>
-      </p:grpSpPr>
-      <p:sp>
-        <p:nvSpPr>
-          <p:cNvPr id="4" name="Title 3"/>
-          <p:cNvSpPr>
-            <a:spLocks noGrp="1"/>
-          </p:cNvSpPr>
-          <p:nvPr>
-            <p:ph type="title" idx="4294967295"/>
-          </p:nvPr>
-        </p:nvSpPr>
-        <p:spPr>
-          <a:xfrm>
-            <a:off x="1302705" y="752222"/>
-            <a:ext cx="9966325" cy="2925762"/>
-          </a:xfrm>
-        </p:spPr>
-        <p:txBody>
-          <a:bodyPr>
-            <a:noAutofit/>
-          </a:bodyPr>
-          <a:lstStyle/>
-          <a:p>
-            <a:pPr algn="ctr"/>
-            <a:r>
-              <a:rPr lang="en-GB" sz="7200" b="1" dirty="0" err="1">
-                <a:solidFill>
-                  <a:srgbClr val="008080"/>
-                </a:solidFill>
-                <a:latin typeface="Gill Sans MT" panose="020B0502020104020203" pitchFamily="34" charset="0"/>
-              </a:rPr>
-              <a:t>Jupyter</a:t>
-            </a:r>
-            <a:r>
-              <a:rPr lang="en-GB" sz="7200" b="1" dirty="0">
-                <a:solidFill>
-                  <a:srgbClr val="008080"/>
-                </a:solidFill>
-                <a:latin typeface="Gill Sans MT" panose="020B0502020104020203" pitchFamily="34" charset="0"/>
-              </a:rPr>
-              <a:t> Notebook</a:t>
-            </a:r>
-          </a:p>
-        </p:txBody>
-      </p:sp>
-      <p:pic>
-        <p:nvPicPr>
-          <p:cNvPr id="3" name="Picture 2"/>
-          <p:cNvPicPr>
-            <a:picLocks noChangeAspect="1"/>
-          </p:cNvPicPr>
-          <p:nvPr/>
-        </p:nvPicPr>
-        <p:blipFill>
-          <a:blip r:embed="rId2"/>
-          <a:stretch>
-            <a:fillRect/>
-          </a:stretch>
-        </p:blipFill>
-        <p:spPr>
-          <a:xfrm>
             <a:off x="3119201" y="2777797"/>
             <a:ext cx="6333332" cy="3160370"/>
           </a:xfrm>
@@ -10265,7 +10079,7 @@
 </p:sld>
 </file>
 
-<file path=ppt/slides/slide34.xml><?xml version="1.0" encoding="utf-8"?>
+<file path=ppt/slides/slide33.xml><?xml version="1.0" encoding="utf-8"?>
 <p:sld xmlns:a="http://schemas.openxmlformats.org/drawingml/2006/main" xmlns:r="http://schemas.openxmlformats.org/officeDocument/2006/relationships" xmlns:p="http://schemas.openxmlformats.org/presentationml/2006/main">
   <p:cSld>
     <p:spTree>
@@ -10329,59 +10143,89 @@
           </a:prstGeom>
         </p:spPr>
       </p:pic>
-      <p:sp>
-        <p:nvSpPr>
-          <p:cNvPr id="4" name="TextBox 3"/>
-          <p:cNvSpPr txBox="1"/>
-          <p:nvPr/>
+    </p:spTree>
+    <p:extLst>
+      <p:ext uri="{BB962C8B-B14F-4D97-AF65-F5344CB8AC3E}">
+        <p14:creationId xmlns:p14="http://schemas.microsoft.com/office/powerpoint/2010/main" val="523422687"/>
+      </p:ext>
+    </p:extLst>
+  </p:cSld>
+  <p:clrMapOvr>
+    <a:masterClrMapping/>
+  </p:clrMapOvr>
+</p:sld>
+</file>
+
+<file path=ppt/slides/slide34.xml><?xml version="1.0" encoding="utf-8"?>
+<p:sld xmlns:a="http://schemas.openxmlformats.org/drawingml/2006/main" xmlns:r="http://schemas.openxmlformats.org/officeDocument/2006/relationships" xmlns:p="http://schemas.openxmlformats.org/presentationml/2006/main">
+  <p:cSld>
+    <p:spTree>
+      <p:nvGrpSpPr>
+        <p:cNvPr id="1" name=""/>
+        <p:cNvGrpSpPr/>
+        <p:nvPr/>
+      </p:nvGrpSpPr>
+      <p:grpSpPr>
+        <a:xfrm>
+          <a:off x="0" y="0"/>
+          <a:ext cx="0" cy="0"/>
+          <a:chOff x="0" y="0"/>
+          <a:chExt cx="0" cy="0"/>
+        </a:xfrm>
+      </p:grpSpPr>
+      <p:sp>
+        <p:nvSpPr>
+          <p:cNvPr id="4" name="Title 3"/>
+          <p:cNvSpPr>
+            <a:spLocks noGrp="1"/>
+          </p:cNvSpPr>
+          <p:nvPr>
+            <p:ph type="title" idx="4294967295"/>
+          </p:nvPr>
         </p:nvSpPr>
         <p:spPr>
           <a:xfrm>
-            <a:off x="459969" y="4361151"/>
-            <a:ext cx="6027917" cy="341477"/>
-          </a:xfrm>
-          <a:prstGeom prst="rect">
-            <a:avLst/>
-          </a:prstGeom>
-          <a:noFill/>
-        </p:spPr>
-        <p:txBody>
-          <a:bodyPr wrap="square" rtlCol="0">
-            <a:spAutoFit/>
+            <a:off x="1302707" y="1786938"/>
+            <a:ext cx="9966325" cy="2925762"/>
+          </a:xfrm>
+        </p:spPr>
+        <p:txBody>
+          <a:bodyPr>
+            <a:noAutofit/>
           </a:bodyPr>
           <a:lstStyle/>
           <a:p>
-            <a:r>
-              <a:rPr lang="en-GB" sz="1600" dirty="0">
-                <a:solidFill>
-                  <a:schemeClr val="bg1">
-                    <a:lumMod val="50000"/>
-                  </a:schemeClr>
-                </a:solidFill>
+            <a:pPr algn="ctr"/>
+            <a:r>
+              <a:rPr lang="en-GB" sz="7200" b="1" dirty="0">
+                <a:solidFill>
+                  <a:srgbClr val="008080"/>
+                </a:solidFill>
+                <a:latin typeface="Gill Sans MT" panose="020B0502020104020203" pitchFamily="34" charset="0"/>
               </a:rPr>
-              <a:t>https://losc.ligo.org/s/events/GW150914/GW150914_tutorial.html</a:t>
+              <a:t>Community</a:t>
             </a:r>
           </a:p>
         </p:txBody>
       </p:sp>
       <p:pic>
         <p:nvPicPr>
-          <p:cNvPr id="2" name="Picture 1"/>
+          <p:cNvPr id="6" name="Picture 5"/>
           <p:cNvPicPr>
             <a:picLocks noChangeAspect="1"/>
           </p:cNvPicPr>
           <p:nvPr/>
         </p:nvPicPr>
         <p:blipFill>
-          <a:blip r:embed="rId5"/>
+          <a:blip r:embed="rId2"/>
           <a:stretch>
             <a:fillRect/>
           </a:stretch>
         </p:blipFill>
         <p:spPr>
           <a:xfrm>
-            <a:off x="2438399" y="4899776"/>
-            <a:ext cx="3744687" cy="767462"/>
+            <a:off x="241473" y="250216"/>
+            <a:ext cx="2476675" cy="2442085"/>
           </a:xfrm>
           <a:prstGeom prst="rect">
             <a:avLst/>
@@ -10391,7 +10235,7 @@
     </p:spTree>
     <p:extLst>
       <p:ext uri="{BB962C8B-B14F-4D97-AF65-F5344CB8AC3E}">
-        <p14:creationId xmlns:p14="http://schemas.microsoft.com/office/powerpoint/2010/main" val="523422687"/>
+        <p14:creationId xmlns:p14="http://schemas.microsoft.com/office/powerpoint/2010/main" val="1332079003"/>
       </p:ext>
     </p:extLst>
   </p:cSld>
@@ -10448,296 +10292,7 @@
                 </a:solidFill>
                 <a:latin typeface="Gill Sans MT" panose="020B0502020104020203" pitchFamily="34" charset="0"/>
               </a:rPr>
-              <a:t>Community</a:t>
-            </a:r>
-          </a:p>
-        </p:txBody>
-      </p:sp>
-      <p:pic>
-        <p:nvPicPr>
-          <p:cNvPr id="6" name="Picture 5"/>
-          <p:cNvPicPr>
-            <a:picLocks noChangeAspect="1"/>
-          </p:cNvPicPr>
-          <p:nvPr/>
-        </p:nvPicPr>
-        <p:blipFill>
-          <a:blip r:embed="rId2"/>
-          <a:stretch>
-            <a:fillRect/>
-          </a:stretch>
-        </p:blipFill>
-        <p:spPr>
-          <a:xfrm>
-            <a:off x="323216" y="362857"/>
-            <a:ext cx="2318379" cy="2286000"/>
-          </a:xfrm>
-          <a:prstGeom prst="rect">
-            <a:avLst/>
-          </a:prstGeom>
-        </p:spPr>
-      </p:pic>
-      <p:sp>
-        <p:nvSpPr>
-          <p:cNvPr id="5" name="TextBox 4"/>
-          <p:cNvSpPr txBox="1"/>
-          <p:nvPr/>
-        </p:nvSpPr>
-        <p:spPr>
-          <a:xfrm>
-            <a:off x="2196369" y="3842105"/>
-            <a:ext cx="8178999" cy="461665"/>
-          </a:xfrm>
-          <a:prstGeom prst="rect">
-            <a:avLst/>
-          </a:prstGeom>
-          <a:noFill/>
-        </p:spPr>
-        <p:txBody>
-          <a:bodyPr wrap="square" rtlCol="0">
-            <a:spAutoFit/>
-          </a:bodyPr>
-          <a:lstStyle/>
-          <a:p>
-            <a:pPr algn="ctr"/>
-            <a:r>
-              <a:rPr lang="en-GB" sz="2400" dirty="0">
-                <a:solidFill>
-                  <a:schemeClr val="bg1">
-                    <a:lumMod val="50000"/>
-                  </a:schemeClr>
-                </a:solidFill>
-                <a:latin typeface="Gill Sans MT" panose="020B0502020104020203" pitchFamily="34" charset="0"/>
-              </a:rPr>
-              <a:t>https://www.mozillascience.org</a:t>
-            </a:r>
-          </a:p>
-        </p:txBody>
-      </p:sp>
-      <p:pic>
-        <p:nvPicPr>
-          <p:cNvPr id="1034" name="Picture 10" descr="http://www.software.ac.uk/sites/default/files/images/content/SoftwareCarpenty_logo.jpg"/>
-          <p:cNvPicPr>
-            <a:picLocks noChangeAspect="1" noChangeArrowheads="1"/>
-          </p:cNvPicPr>
-          <p:nvPr/>
-        </p:nvPicPr>
-        <p:blipFill rotWithShape="1">
-          <a:blip r:embed="rId3">
-            <a:extLst>
-              <a:ext uri="{28A0092B-C50C-407E-A947-70E740481C1C}">
-                <a14:useLocalDpi xmlns:a14="http://schemas.microsoft.com/office/drawing/2010/main" val="0"/>
-              </a:ext>
-            </a:extLst>
-          </a:blip>
-          <a:srcRect t="20562" b="20111"/>
-          <a:stretch/>
-        </p:blipFill>
-        <p:spPr bwMode="auto">
-          <a:xfrm>
-            <a:off x="6657975" y="362857"/>
-            <a:ext cx="5130883" cy="2286000"/>
-          </a:xfrm>
-          <a:prstGeom prst="rect">
-            <a:avLst/>
-          </a:prstGeom>
-          <a:noFill/>
-          <a:extLst>
-            <a:ext uri="{909E8E84-426E-40DD-AFC4-6F175D3DCCD1}">
-              <a14:hiddenFill xmlns:a14="http://schemas.microsoft.com/office/drawing/2010/main">
-                <a:solidFill>
-                  <a:srgbClr val="FFFFFF"/>
-                </a:solidFill>
-              </a14:hiddenFill>
-            </a:ext>
-          </a:extLst>
-        </p:spPr>
-      </p:pic>
-      <p:pic>
-        <p:nvPicPr>
-          <p:cNvPr id="1036" name="Picture 12" descr="http://www.software.ac.uk/sites/default/files/images/content/DC1_logo.jpg"/>
-          <p:cNvPicPr>
-            <a:picLocks noChangeAspect="1" noChangeArrowheads="1"/>
-          </p:cNvPicPr>
-          <p:nvPr/>
-        </p:nvPicPr>
-        <p:blipFill>
-          <a:blip r:embed="rId4">
-            <a:extLst>
-              <a:ext uri="{28A0092B-C50C-407E-A947-70E740481C1C}">
-                <a14:useLocalDpi xmlns:a14="http://schemas.microsoft.com/office/drawing/2010/main" val="0"/>
-              </a:ext>
-            </a:extLst>
-          </a:blip>
-          <a:srcRect/>
-          <a:stretch>
-            <a:fillRect/>
-          </a:stretch>
-        </p:blipFill>
-        <p:spPr bwMode="auto">
-          <a:xfrm>
-            <a:off x="3192076" y="609600"/>
-            <a:ext cx="2915418" cy="1828800"/>
-          </a:xfrm>
-          <a:prstGeom prst="rect">
-            <a:avLst/>
-          </a:prstGeom>
-          <a:noFill/>
-          <a:extLst>
-            <a:ext uri="{909E8E84-426E-40DD-AFC4-6F175D3DCCD1}">
-              <a14:hiddenFill xmlns:a14="http://schemas.microsoft.com/office/drawing/2010/main">
-                <a:solidFill>
-                  <a:srgbClr val="FFFFFF"/>
-                </a:solidFill>
-              </a14:hiddenFill>
-            </a:ext>
-          </a:extLst>
-        </p:spPr>
-      </p:pic>
-      <p:sp>
-        <p:nvSpPr>
-          <p:cNvPr id="12" name="TextBox 11"/>
-          <p:cNvSpPr txBox="1"/>
-          <p:nvPr/>
-        </p:nvSpPr>
-        <p:spPr>
-          <a:xfrm>
-            <a:off x="2196369" y="4797037"/>
-            <a:ext cx="8178999" cy="461665"/>
-          </a:xfrm>
-          <a:prstGeom prst="rect">
-            <a:avLst/>
-          </a:prstGeom>
-          <a:noFill/>
-        </p:spPr>
-        <p:txBody>
-          <a:bodyPr wrap="square" rtlCol="0">
-            <a:spAutoFit/>
-          </a:bodyPr>
-          <a:lstStyle/>
-          <a:p>
-            <a:pPr algn="ctr"/>
-            <a:r>
-              <a:rPr lang="en-GB" sz="2400" dirty="0">
-                <a:solidFill>
-                  <a:schemeClr val="bg1">
-                    <a:lumMod val="50000"/>
-                  </a:schemeClr>
-                </a:solidFill>
-                <a:latin typeface="Gill Sans MT" panose="020B0502020104020203" pitchFamily="34" charset="0"/>
-              </a:rPr>
-              <a:t>http://data-carpentry.org</a:t>
-            </a:r>
-          </a:p>
-        </p:txBody>
-      </p:sp>
-      <p:sp>
-        <p:nvSpPr>
-          <p:cNvPr id="13" name="TextBox 12"/>
-          <p:cNvSpPr txBox="1"/>
-          <p:nvPr/>
-        </p:nvSpPr>
-        <p:spPr>
-          <a:xfrm>
-            <a:off x="2196369" y="4319571"/>
-            <a:ext cx="8178999" cy="461665"/>
-          </a:xfrm>
-          <a:prstGeom prst="rect">
-            <a:avLst/>
-          </a:prstGeom>
-          <a:noFill/>
-        </p:spPr>
-        <p:txBody>
-          <a:bodyPr wrap="square" rtlCol="0">
-            <a:spAutoFit/>
-          </a:bodyPr>
-          <a:lstStyle/>
-          <a:p>
-            <a:pPr algn="ctr"/>
-            <a:r>
-              <a:rPr lang="en-GB" sz="2400" dirty="0">
-                <a:solidFill>
-                  <a:schemeClr val="bg1">
-                    <a:lumMod val="50000"/>
-                  </a:schemeClr>
-                </a:solidFill>
-                <a:latin typeface="Gill Sans MT" panose="020B0502020104020203" pitchFamily="34" charset="0"/>
-              </a:rPr>
-              <a:t>http://software-carpentry.org</a:t>
-            </a:r>
-          </a:p>
-        </p:txBody>
-      </p:sp>
-      <p:sp>
-        <p:nvSpPr>
-          <p:cNvPr id="14" name="TextBox 13"/>
-          <p:cNvSpPr txBox="1"/>
-          <p:nvPr/>
-        </p:nvSpPr>
-        <p:spPr>
-          <a:xfrm>
-            <a:off x="2196369" y="5274503"/>
-            <a:ext cx="8178999" cy="461665"/>
-          </a:xfrm>
-          <a:prstGeom prst="rect">
-            <a:avLst/>
-          </a:prstGeom>
-          <a:noFill/>
-        </p:spPr>
-        <p:txBody>
-          <a:bodyPr wrap="square" rtlCol="0">
-            <a:spAutoFit/>
-          </a:bodyPr>
-          <a:lstStyle/>
-          <a:p>
-            <a:pPr algn="ctr"/>
-            <a:r>
-              <a:rPr lang="en-GB" sz="2400" dirty="0">
-                <a:solidFill>
-                  <a:schemeClr val="bg1">
-                    <a:lumMod val="50000"/>
-                  </a:schemeClr>
-                </a:solidFill>
-                <a:latin typeface="Gill Sans MT" panose="020B0502020104020203" pitchFamily="34" charset="0"/>
-              </a:rPr>
-              <a:t>https://www.coursera.org/specializations/jhu-data-science</a:t>
-            </a:r>
-          </a:p>
-        </p:txBody>
-      </p:sp>
-      <p:sp>
-        <p:nvSpPr>
-          <p:cNvPr id="15" name="TextBox 14"/>
-          <p:cNvSpPr txBox="1"/>
-          <p:nvPr/>
-        </p:nvSpPr>
-        <p:spPr>
-          <a:xfrm>
-            <a:off x="2196369" y="5751967"/>
-            <a:ext cx="8178999" cy="461665"/>
-          </a:xfrm>
-          <a:prstGeom prst="rect">
-            <a:avLst/>
-          </a:prstGeom>
-          <a:noFill/>
-        </p:spPr>
-        <p:txBody>
-          <a:bodyPr wrap="square" rtlCol="0">
-            <a:spAutoFit/>
-          </a:bodyPr>
-          <a:lstStyle/>
-          <a:p>
-            <a:pPr algn="ctr"/>
-            <a:r>
-              <a:rPr lang="en-GB" sz="2400" dirty="0">
-                <a:solidFill>
-                  <a:schemeClr val="bg1">
-                    <a:lumMod val="50000"/>
-                  </a:schemeClr>
-                </a:solidFill>
-                <a:latin typeface="Gill Sans MT" panose="020B0502020104020203" pitchFamily="34" charset="0"/>
-              </a:rPr>
-              <a:t>https://www.coursera.org/learn/python/home/info</a:t>
+              <a:t>Git vs GitHub</a:t>
             </a:r>
           </a:p>
         </p:txBody>
@@ -10745,7 +10300,7 @@
     </p:spTree>
     <p:extLst>
       <p:ext uri="{BB962C8B-B14F-4D97-AF65-F5344CB8AC3E}">
-        <p14:creationId xmlns:p14="http://schemas.microsoft.com/office/powerpoint/2010/main" val="1332079003"/>
+        <p14:creationId xmlns:p14="http://schemas.microsoft.com/office/powerpoint/2010/main" val="4093486244"/>
       </p:ext>
     </p:extLst>
   </p:cSld>
@@ -10774,43 +10329,119 @@
       </p:grpSpPr>
       <p:sp>
         <p:nvSpPr>
-          <p:cNvPr id="4" name="Title 3"/>
-          <p:cNvSpPr>
-            <a:spLocks noGrp="1"/>
-          </p:cNvSpPr>
-          <p:nvPr>
-            <p:ph type="title" idx="4294967295"/>
-          </p:nvPr>
+          <p:cNvPr id="5" name="Title 3"/>
+          <p:cNvSpPr txBox="1">
+            <a:spLocks/>
+          </p:cNvSpPr>
+          <p:nvPr/>
         </p:nvSpPr>
         <p:spPr>
           <a:xfrm>
-            <a:off x="1302707" y="1786938"/>
-            <a:ext cx="9966325" cy="2925762"/>
-          </a:xfrm>
-        </p:spPr>
-        <p:txBody>
-          <a:bodyPr>
+            <a:off x="1966585" y="5899758"/>
+            <a:ext cx="9966325" cy="806667"/>
+          </a:xfrm>
+          <a:prstGeom prst="rect">
+            <a:avLst/>
+          </a:prstGeom>
+        </p:spPr>
+        <p:txBody>
+          <a:bodyPr vert="horz" lIns="91440" tIns="45720" rIns="91440" bIns="45720" rtlCol="0" anchor="ctr">
             <a:noAutofit/>
           </a:bodyPr>
-          <a:lstStyle/>
-          <a:p>
-            <a:pPr algn="ctr"/>
-            <a:r>
-              <a:rPr lang="en-GB" sz="7200" b="1" dirty="0">
-                <a:solidFill>
-                  <a:srgbClr val="008080"/>
+          <a:lstStyle>
+            <a:lvl1pPr algn="l" defTabSz="914400" rtl="0" eaLnBrk="1" latinLnBrk="0" hangingPunct="1">
+              <a:lnSpc>
+                <a:spcPct val="90000"/>
+              </a:lnSpc>
+              <a:spcBef>
+                <a:spcPct val="0"/>
+              </a:spcBef>
+              <a:buNone/>
+              <a:defRPr sz="4400" kern="1200">
+                <a:solidFill>
+                  <a:schemeClr val="accent1"/>
+                </a:solidFill>
+                <a:latin typeface="+mj-lt"/>
+                <a:ea typeface="+mj-ea"/>
+                <a:cs typeface="+mj-cs"/>
+              </a:defRPr>
+            </a:lvl1pPr>
+          </a:lstStyle>
+          <a:p>
+            <a:pPr algn="r"/>
+            <a:r>
+              <a:rPr lang="en-GB" sz="1800" dirty="0">
+                <a:solidFill>
+                  <a:schemeClr val="bg2">
+                    <a:lumMod val="75000"/>
+                  </a:schemeClr>
                 </a:solidFill>
                 <a:latin typeface="Gill Sans MT" panose="020B0502020104020203" pitchFamily="34" charset="0"/>
               </a:rPr>
-              <a:t>Git vs GitHub</a:t>
-            </a:r>
-          </a:p>
-        </p:txBody>
-      </p:sp>
+              <a:t>www.stemmrolemodels.com</a:t>
+            </a:r>
+          </a:p>
+          <a:p>
+            <a:pPr algn="r"/>
+            <a:r>
+              <a:rPr lang="en-GB" sz="1800" dirty="0">
+                <a:solidFill>
+                  <a:schemeClr val="bg2">
+                    <a:lumMod val="75000"/>
+                  </a:schemeClr>
+                </a:solidFill>
+                <a:latin typeface="Gill Sans MT" panose="020B0502020104020203" pitchFamily="34" charset="0"/>
+              </a:rPr>
+              <a:t>www.github.com/KirstieJane/STEMMRoleModels </a:t>
+            </a:r>
+          </a:p>
+        </p:txBody>
+      </p:sp>
+      <p:pic>
+        <p:nvPicPr>
+          <p:cNvPr id="3074" name="Picture 2" descr="http://3.bp.blogspot.com/-SnWr9oa-G30/UY6tZKwGZPI/AAAAAAAABLc/dyQGoX_i3E8/s800/Github.png"/>
+          <p:cNvPicPr>
+            <a:picLocks noChangeAspect="1" noChangeArrowheads="1"/>
+          </p:cNvPicPr>
+          <p:nvPr/>
+        </p:nvPicPr>
+        <p:blipFill>
+          <a:blip r:embed="rId2">
+            <a:extLst>
+              <a:ext uri="{28A0092B-C50C-407E-A947-70E740481C1C}">
+                <a14:useLocalDpi xmlns:a14="http://schemas.microsoft.com/office/drawing/2010/main" val="0"/>
+              </a:ext>
+            </a:extLst>
+          </a:blip>
+          <a:srcRect/>
+          <a:stretch>
+            <a:fillRect/>
+          </a:stretch>
+        </p:blipFill>
+        <p:spPr bwMode="auto">
+          <a:xfrm>
+            <a:off x="2441574" y="667667"/>
+            <a:ext cx="7207751" cy="4889259"/>
+          </a:xfrm>
+          <a:prstGeom prst="rect">
+            <a:avLst/>
+          </a:prstGeom>
+          <a:noFill/>
+          <a:extLst>
+            <a:ext uri="{909E8E84-426E-40DD-AFC4-6F175D3DCCD1}">
+              <a14:hiddenFill xmlns:a14="http://schemas.microsoft.com/office/drawing/2010/main">
+                <a:solidFill>
+                  <a:srgbClr val="FFFFFF"/>
+                </a:solidFill>
+              </a14:hiddenFill>
+            </a:ext>
+          </a:extLst>
+        </p:spPr>
+      </p:pic>
     </p:spTree>
     <p:extLst>
       <p:ext uri="{BB962C8B-B14F-4D97-AF65-F5344CB8AC3E}">
-        <p14:creationId xmlns:p14="http://schemas.microsoft.com/office/powerpoint/2010/main" val="4093486244"/>
+        <p14:creationId xmlns:p14="http://schemas.microsoft.com/office/powerpoint/2010/main" val="3584226318"/>
       </p:ext>
     </p:extLst>
   </p:cSld>
@@ -10837,79 +10468,9 @@
           <a:chExt cx="0" cy="0"/>
         </a:xfrm>
       </p:grpSpPr>
-      <p:sp>
-        <p:nvSpPr>
-          <p:cNvPr id="5" name="Title 3"/>
-          <p:cNvSpPr txBox="1">
-            <a:spLocks/>
-          </p:cNvSpPr>
-          <p:nvPr/>
-        </p:nvSpPr>
-        <p:spPr>
-          <a:xfrm>
-            <a:off x="1966585" y="5899758"/>
-            <a:ext cx="9966325" cy="806667"/>
-          </a:xfrm>
-          <a:prstGeom prst="rect">
-            <a:avLst/>
-          </a:prstGeom>
-        </p:spPr>
-        <p:txBody>
-          <a:bodyPr vert="horz" lIns="91440" tIns="45720" rIns="91440" bIns="45720" rtlCol="0" anchor="ctr">
-            <a:noAutofit/>
-          </a:bodyPr>
-          <a:lstStyle>
-            <a:lvl1pPr algn="l" defTabSz="914400" rtl="0" eaLnBrk="1" latinLnBrk="0" hangingPunct="1">
-              <a:lnSpc>
-                <a:spcPct val="90000"/>
-              </a:lnSpc>
-              <a:spcBef>
-                <a:spcPct val="0"/>
-              </a:spcBef>
-              <a:buNone/>
-              <a:defRPr sz="4400" kern="1200">
-                <a:solidFill>
-                  <a:schemeClr val="accent1"/>
-                </a:solidFill>
-                <a:latin typeface="+mj-lt"/>
-                <a:ea typeface="+mj-ea"/>
-                <a:cs typeface="+mj-cs"/>
-              </a:defRPr>
-            </a:lvl1pPr>
-          </a:lstStyle>
-          <a:p>
-            <a:pPr algn="r"/>
-            <a:r>
-              <a:rPr lang="en-GB" sz="1800" dirty="0">
-                <a:solidFill>
-                  <a:schemeClr val="bg2">
-                    <a:lumMod val="75000"/>
-                  </a:schemeClr>
-                </a:solidFill>
-                <a:latin typeface="Gill Sans MT" panose="020B0502020104020203" pitchFamily="34" charset="0"/>
-              </a:rPr>
-              <a:t>www.stemmrolemodels.com</a:t>
-            </a:r>
-          </a:p>
-          <a:p>
-            <a:pPr algn="r"/>
-            <a:r>
-              <a:rPr lang="en-GB" sz="1800" dirty="0">
-                <a:solidFill>
-                  <a:schemeClr val="bg2">
-                    <a:lumMod val="75000"/>
-                  </a:schemeClr>
-                </a:solidFill>
-                <a:latin typeface="Gill Sans MT" panose="020B0502020104020203" pitchFamily="34" charset="0"/>
-              </a:rPr>
-              <a:t>www.github.com/KirstieJane/STEMMRoleModels </a:t>
-            </a:r>
-          </a:p>
-        </p:txBody>
-      </p:sp>
       <p:pic>
         <p:nvPicPr>
-          <p:cNvPr id="3074" name="Picture 2" descr="http://3.bp.blogspot.com/-SnWr9oa-G30/UY6tZKwGZPI/AAAAAAAABLc/dyQGoX_i3E8/s800/Github.png"/>
+          <p:cNvPr id="4098" name="Picture 2" descr="GitHub Flow - Create a Branch&#10; "/>
           <p:cNvPicPr>
             <a:picLocks noChangeAspect="1" noChangeArrowheads="1"/>
           </p:cNvPicPr>
@@ -10930,8 +10491,8 @@
         </p:blipFill>
         <p:spPr bwMode="auto">
           <a:xfrm>
-            <a:off x="2441574" y="667667"/>
-            <a:ext cx="7207751" cy="4889259"/>
+            <a:off x="1464655" y="822960"/>
+            <a:ext cx="9262691" cy="5212080"/>
           </a:xfrm>
           <a:prstGeom prst="rect">
             <a:avLst/>
@@ -10951,7 +10512,7 @@
     </p:spTree>
     <p:extLst>
       <p:ext uri="{BB962C8B-B14F-4D97-AF65-F5344CB8AC3E}">
-        <p14:creationId xmlns:p14="http://schemas.microsoft.com/office/powerpoint/2010/main" val="3584226318"/>
+        <p14:creationId xmlns:p14="http://schemas.microsoft.com/office/powerpoint/2010/main" val="2577244515"/>
       </p:ext>
     </p:extLst>
   </p:cSld>
@@ -11019,47 +10580,51 @@
           </a:extLst>
         </p:spPr>
       </p:pic>
-      <p:sp>
-        <p:nvSpPr>
-          <p:cNvPr id="3" name="TextBox 2"/>
-          <p:cNvSpPr txBox="1"/>
+      <p:pic>
+        <p:nvPicPr>
+          <p:cNvPr id="4100" name="Picture 4" descr="GitHub Flow - Add Commits&#10; "/>
+          <p:cNvPicPr>
+            <a:picLocks noChangeAspect="1" noChangeArrowheads="1"/>
+          </p:cNvPicPr>
           <p:nvPr/>
-        </p:nvSpPr>
-        <p:spPr>
-          <a:xfrm>
-            <a:off x="2006500" y="5388709"/>
-            <a:ext cx="8178999" cy="400110"/>
+        </p:nvPicPr>
+        <p:blipFill>
+          <a:blip r:embed="rId3">
+            <a:extLst>
+              <a:ext uri="{28A0092B-C50C-407E-A947-70E740481C1C}">
+                <a14:useLocalDpi xmlns:a14="http://schemas.microsoft.com/office/drawing/2010/main" val="0"/>
+              </a:ext>
+            </a:extLst>
+          </a:blip>
+          <a:srcRect/>
+          <a:stretch>
+            <a:fillRect/>
+          </a:stretch>
+        </p:blipFill>
+        <p:spPr bwMode="auto">
+          <a:xfrm>
+            <a:off x="1464655" y="822960"/>
+            <a:ext cx="9262691" cy="5212080"/>
           </a:xfrm>
           <a:prstGeom prst="rect">
             <a:avLst/>
           </a:prstGeom>
           <a:noFill/>
-        </p:spPr>
-        <p:txBody>
-          <a:bodyPr wrap="square" rtlCol="0">
-            <a:spAutoFit/>
-          </a:bodyPr>
-          <a:lstStyle/>
-          <a:p>
-            <a:pPr algn="ctr"/>
-            <a:r>
-              <a:rPr lang="en-GB" sz="2000" dirty="0">
-                <a:solidFill>
-                  <a:schemeClr val="bg1">
-                    <a:lumMod val="50000"/>
-                  </a:schemeClr>
-                </a:solidFill>
-                <a:latin typeface="Gill Sans MT" panose="020B0502020104020203" pitchFamily="34" charset="0"/>
-              </a:rPr>
-              <a:t>http://www.slideshare.net/nishanbose/introduction-to-github-55872492/7</a:t>
-            </a:r>
-          </a:p>
-        </p:txBody>
-      </p:sp>
+          <a:extLst>
+            <a:ext uri="{909E8E84-426E-40DD-AFC4-6F175D3DCCD1}">
+              <a14:hiddenFill xmlns:a14="http://schemas.microsoft.com/office/drawing/2010/main">
+                <a:solidFill>
+                  <a:srgbClr val="FFFFFF"/>
+                </a:solidFill>
+              </a14:hiddenFill>
+            </a:ext>
+          </a:extLst>
+        </p:spPr>
+      </p:pic>
     </p:spTree>
     <p:extLst>
       <p:ext uri="{BB962C8B-B14F-4D97-AF65-F5344CB8AC3E}">
-        <p14:creationId xmlns:p14="http://schemas.microsoft.com/office/powerpoint/2010/main" val="2577244515"/>
+        <p14:creationId xmlns:p14="http://schemas.microsoft.com/office/powerpoint/2010/main" val="3924672546"/>
       </p:ext>
     </p:extLst>
   </p:cSld>
@@ -11168,47 +10733,51 @@
           </a:extLst>
         </p:spPr>
       </p:pic>
-      <p:sp>
-        <p:nvSpPr>
-          <p:cNvPr id="4" name="TextBox 3"/>
-          <p:cNvSpPr txBox="1"/>
+      <p:pic>
+        <p:nvPicPr>
+          <p:cNvPr id="4102" name="Picture 6" descr="GitHub Flow - Open a pull request&#10; "/>
+          <p:cNvPicPr>
+            <a:picLocks noChangeAspect="1" noChangeArrowheads="1"/>
+          </p:cNvPicPr>
           <p:nvPr/>
-        </p:nvSpPr>
-        <p:spPr>
-          <a:xfrm>
-            <a:off x="2006500" y="5374195"/>
-            <a:ext cx="8178999" cy="400110"/>
+        </p:nvPicPr>
+        <p:blipFill>
+          <a:blip r:embed="rId4">
+            <a:extLst>
+              <a:ext uri="{28A0092B-C50C-407E-A947-70E740481C1C}">
+                <a14:useLocalDpi xmlns:a14="http://schemas.microsoft.com/office/drawing/2010/main" val="0"/>
+              </a:ext>
+            </a:extLst>
+          </a:blip>
+          <a:srcRect/>
+          <a:stretch>
+            <a:fillRect/>
+          </a:stretch>
+        </p:blipFill>
+        <p:spPr bwMode="auto">
+          <a:xfrm>
+            <a:off x="1464655" y="822960"/>
+            <a:ext cx="9262691" cy="5212080"/>
           </a:xfrm>
           <a:prstGeom prst="rect">
             <a:avLst/>
           </a:prstGeom>
           <a:noFill/>
-        </p:spPr>
-        <p:txBody>
-          <a:bodyPr wrap="square" rtlCol="0">
-            <a:spAutoFit/>
-          </a:bodyPr>
-          <a:lstStyle/>
-          <a:p>
-            <a:pPr algn="ctr"/>
-            <a:r>
-              <a:rPr lang="en-GB" sz="2000" dirty="0">
-                <a:solidFill>
-                  <a:schemeClr val="bg1">
-                    <a:lumMod val="50000"/>
-                  </a:schemeClr>
-                </a:solidFill>
-                <a:latin typeface="Gill Sans MT" panose="020B0502020104020203" pitchFamily="34" charset="0"/>
-              </a:rPr>
-              <a:t>http://www.slideshare.net/nishanbose/introduction-to-github-55872492/7</a:t>
-            </a:r>
-          </a:p>
-        </p:txBody>
-      </p:sp>
+          <a:extLst>
+            <a:ext uri="{909E8E84-426E-40DD-AFC4-6F175D3DCCD1}">
+              <a14:hiddenFill xmlns:a14="http://schemas.microsoft.com/office/drawing/2010/main">
+                <a:solidFill>
+                  <a:srgbClr val="FFFFFF"/>
+                </a:solidFill>
+              </a14:hiddenFill>
+            </a:ext>
+          </a:extLst>
+        </p:spPr>
+      </p:pic>
     </p:spTree>
     <p:extLst>
       <p:ext uri="{BB962C8B-B14F-4D97-AF65-F5344CB8AC3E}">
-        <p14:creationId xmlns:p14="http://schemas.microsoft.com/office/powerpoint/2010/main" val="3924672546"/>
+        <p14:creationId xmlns:p14="http://schemas.microsoft.com/office/powerpoint/2010/main" val="2713267608"/>
       </p:ext>
     </p:extLst>
   </p:cSld>
@@ -11770,47 +11339,51 @@
           </a:extLst>
         </p:spPr>
       </p:pic>
-      <p:sp>
-        <p:nvSpPr>
-          <p:cNvPr id="5" name="TextBox 4"/>
-          <p:cNvSpPr txBox="1"/>
+      <p:pic>
+        <p:nvPicPr>
+          <p:cNvPr id="4104" name="Picture 8" descr="GitHub Flow - Discuss and Review your code&#10; "/>
+          <p:cNvPicPr>
+            <a:picLocks noChangeAspect="1" noChangeArrowheads="1"/>
+          </p:cNvPicPr>
           <p:nvPr/>
-        </p:nvSpPr>
-        <p:spPr>
-          <a:xfrm>
-            <a:off x="2006500" y="5388709"/>
-            <a:ext cx="8178999" cy="400110"/>
+        </p:nvPicPr>
+        <p:blipFill>
+          <a:blip r:embed="rId5">
+            <a:extLst>
+              <a:ext uri="{28A0092B-C50C-407E-A947-70E740481C1C}">
+                <a14:useLocalDpi xmlns:a14="http://schemas.microsoft.com/office/drawing/2010/main" val="0"/>
+              </a:ext>
+            </a:extLst>
+          </a:blip>
+          <a:srcRect/>
+          <a:stretch>
+            <a:fillRect/>
+          </a:stretch>
+        </p:blipFill>
+        <p:spPr bwMode="auto">
+          <a:xfrm>
+            <a:off x="1464655" y="822960"/>
+            <a:ext cx="9262691" cy="5212080"/>
           </a:xfrm>
           <a:prstGeom prst="rect">
             <a:avLst/>
           </a:prstGeom>
           <a:noFill/>
-        </p:spPr>
-        <p:txBody>
-          <a:bodyPr wrap="square" rtlCol="0">
-            <a:spAutoFit/>
-          </a:bodyPr>
-          <a:lstStyle/>
-          <a:p>
-            <a:pPr algn="ctr"/>
-            <a:r>
-              <a:rPr lang="en-GB" sz="2000" dirty="0">
-                <a:solidFill>
-                  <a:schemeClr val="bg1">
-                    <a:lumMod val="50000"/>
-                  </a:schemeClr>
-                </a:solidFill>
-                <a:latin typeface="Gill Sans MT" panose="020B0502020104020203" pitchFamily="34" charset="0"/>
-              </a:rPr>
-              <a:t>http://www.slideshare.net/nishanbose/introduction-to-github-55872492/7</a:t>
-            </a:r>
-          </a:p>
-        </p:txBody>
-      </p:sp>
+          <a:extLst>
+            <a:ext uri="{909E8E84-426E-40DD-AFC4-6F175D3DCCD1}">
+              <a14:hiddenFill xmlns:a14="http://schemas.microsoft.com/office/drawing/2010/main">
+                <a:solidFill>
+                  <a:srgbClr val="FFFFFF"/>
+                </a:solidFill>
+              </a14:hiddenFill>
+            </a:ext>
+          </a:extLst>
+        </p:spPr>
+      </p:pic>
     </p:spTree>
     <p:extLst>
       <p:ext uri="{BB962C8B-B14F-4D97-AF65-F5344CB8AC3E}">
-        <p14:creationId xmlns:p14="http://schemas.microsoft.com/office/powerpoint/2010/main" val="2713267608"/>
+        <p14:creationId xmlns:p14="http://schemas.microsoft.com/office/powerpoint/2010/main" val="1498999144"/>
       </p:ext>
     </p:extLst>
   </p:cSld>
@@ -12001,237 +11574,6 @@
           </a:extLst>
         </p:spPr>
       </p:pic>
-      <p:sp>
-        <p:nvSpPr>
-          <p:cNvPr id="6" name="TextBox 5"/>
-          <p:cNvSpPr txBox="1"/>
-          <p:nvPr/>
-        </p:nvSpPr>
-        <p:spPr>
-          <a:xfrm>
-            <a:off x="2006500" y="5388709"/>
-            <a:ext cx="8178999" cy="400110"/>
-          </a:xfrm>
-          <a:prstGeom prst="rect">
-            <a:avLst/>
-          </a:prstGeom>
-          <a:noFill/>
-        </p:spPr>
-        <p:txBody>
-          <a:bodyPr wrap="square" rtlCol="0">
-            <a:spAutoFit/>
-          </a:bodyPr>
-          <a:lstStyle/>
-          <a:p>
-            <a:pPr algn="ctr"/>
-            <a:r>
-              <a:rPr lang="en-GB" sz="2000" dirty="0">
-                <a:solidFill>
-                  <a:schemeClr val="bg1">
-                    <a:lumMod val="50000"/>
-                  </a:schemeClr>
-                </a:solidFill>
-                <a:latin typeface="Gill Sans MT" panose="020B0502020104020203" pitchFamily="34" charset="0"/>
-              </a:rPr>
-              <a:t>http://www.slideshare.net/nishanbose/introduction-to-github-55872492/7</a:t>
-            </a:r>
-          </a:p>
-        </p:txBody>
-      </p:sp>
-    </p:spTree>
-    <p:extLst>
-      <p:ext uri="{BB962C8B-B14F-4D97-AF65-F5344CB8AC3E}">
-        <p14:creationId xmlns:p14="http://schemas.microsoft.com/office/powerpoint/2010/main" val="1498999144"/>
-      </p:ext>
-    </p:extLst>
-  </p:cSld>
-  <p:clrMapOvr>
-    <a:masterClrMapping/>
-  </p:clrMapOvr>
-</p:sld>
-</file>
-
-<file path=ppt/slides/slide42.xml><?xml version="1.0" encoding="utf-8"?>
-<p:sld xmlns:a="http://schemas.openxmlformats.org/drawingml/2006/main" xmlns:r="http://schemas.openxmlformats.org/officeDocument/2006/relationships" xmlns:p="http://schemas.openxmlformats.org/presentationml/2006/main">
-  <p:cSld>
-    <p:spTree>
-      <p:nvGrpSpPr>
-        <p:cNvPr id="1" name=""/>
-        <p:cNvGrpSpPr/>
-        <p:nvPr/>
-      </p:nvGrpSpPr>
-      <p:grpSpPr>
-        <a:xfrm>
-          <a:off x="0" y="0"/>
-          <a:ext cx="0" cy="0"/>
-          <a:chOff x="0" y="0"/>
-          <a:chExt cx="0" cy="0"/>
-        </a:xfrm>
-      </p:grpSpPr>
-      <p:pic>
-        <p:nvPicPr>
-          <p:cNvPr id="4098" name="Picture 2" descr="GitHub Flow - Create a Branch&#10; "/>
-          <p:cNvPicPr>
-            <a:picLocks noChangeAspect="1" noChangeArrowheads="1"/>
-          </p:cNvPicPr>
-          <p:nvPr/>
-        </p:nvPicPr>
-        <p:blipFill>
-          <a:blip r:embed="rId2">
-            <a:extLst>
-              <a:ext uri="{28A0092B-C50C-407E-A947-70E740481C1C}">
-                <a14:useLocalDpi xmlns:a14="http://schemas.microsoft.com/office/drawing/2010/main" val="0"/>
-              </a:ext>
-            </a:extLst>
-          </a:blip>
-          <a:srcRect/>
-          <a:stretch>
-            <a:fillRect/>
-          </a:stretch>
-        </p:blipFill>
-        <p:spPr bwMode="auto">
-          <a:xfrm>
-            <a:off x="1464655" y="822960"/>
-            <a:ext cx="9262691" cy="5212080"/>
-          </a:xfrm>
-          <a:prstGeom prst="rect">
-            <a:avLst/>
-          </a:prstGeom>
-          <a:noFill/>
-          <a:extLst>
-            <a:ext uri="{909E8E84-426E-40DD-AFC4-6F175D3DCCD1}">
-              <a14:hiddenFill xmlns:a14="http://schemas.microsoft.com/office/drawing/2010/main">
-                <a:solidFill>
-                  <a:srgbClr val="FFFFFF"/>
-                </a:solidFill>
-              </a14:hiddenFill>
-            </a:ext>
-          </a:extLst>
-        </p:spPr>
-      </p:pic>
-      <p:pic>
-        <p:nvPicPr>
-          <p:cNvPr id="4100" name="Picture 4" descr="GitHub Flow - Add Commits&#10; "/>
-          <p:cNvPicPr>
-            <a:picLocks noChangeAspect="1" noChangeArrowheads="1"/>
-          </p:cNvPicPr>
-          <p:nvPr/>
-        </p:nvPicPr>
-        <p:blipFill>
-          <a:blip r:embed="rId3">
-            <a:extLst>
-              <a:ext uri="{28A0092B-C50C-407E-A947-70E740481C1C}">
-                <a14:useLocalDpi xmlns:a14="http://schemas.microsoft.com/office/drawing/2010/main" val="0"/>
-              </a:ext>
-            </a:extLst>
-          </a:blip>
-          <a:srcRect/>
-          <a:stretch>
-            <a:fillRect/>
-          </a:stretch>
-        </p:blipFill>
-        <p:spPr bwMode="auto">
-          <a:xfrm>
-            <a:off x="1464655" y="822960"/>
-            <a:ext cx="9262691" cy="5212080"/>
-          </a:xfrm>
-          <a:prstGeom prst="rect">
-            <a:avLst/>
-          </a:prstGeom>
-          <a:noFill/>
-          <a:extLst>
-            <a:ext uri="{909E8E84-426E-40DD-AFC4-6F175D3DCCD1}">
-              <a14:hiddenFill xmlns:a14="http://schemas.microsoft.com/office/drawing/2010/main">
-                <a:solidFill>
-                  <a:srgbClr val="FFFFFF"/>
-                </a:solidFill>
-              </a14:hiddenFill>
-            </a:ext>
-          </a:extLst>
-        </p:spPr>
-      </p:pic>
-      <p:pic>
-        <p:nvPicPr>
-          <p:cNvPr id="4102" name="Picture 6" descr="GitHub Flow - Open a pull request&#10; "/>
-          <p:cNvPicPr>
-            <a:picLocks noChangeAspect="1" noChangeArrowheads="1"/>
-          </p:cNvPicPr>
-          <p:nvPr/>
-        </p:nvPicPr>
-        <p:blipFill>
-          <a:blip r:embed="rId4">
-            <a:extLst>
-              <a:ext uri="{28A0092B-C50C-407E-A947-70E740481C1C}">
-                <a14:useLocalDpi xmlns:a14="http://schemas.microsoft.com/office/drawing/2010/main" val="0"/>
-              </a:ext>
-            </a:extLst>
-          </a:blip>
-          <a:srcRect/>
-          <a:stretch>
-            <a:fillRect/>
-          </a:stretch>
-        </p:blipFill>
-        <p:spPr bwMode="auto">
-          <a:xfrm>
-            <a:off x="1464655" y="822960"/>
-            <a:ext cx="9262691" cy="5212080"/>
-          </a:xfrm>
-          <a:prstGeom prst="rect">
-            <a:avLst/>
-          </a:prstGeom>
-          <a:noFill/>
-          <a:extLst>
-            <a:ext uri="{909E8E84-426E-40DD-AFC4-6F175D3DCCD1}">
-              <a14:hiddenFill xmlns:a14="http://schemas.microsoft.com/office/drawing/2010/main">
-                <a:solidFill>
-                  <a:srgbClr val="FFFFFF"/>
-                </a:solidFill>
-              </a14:hiddenFill>
-            </a:ext>
-          </a:extLst>
-        </p:spPr>
-      </p:pic>
-      <p:pic>
-        <p:nvPicPr>
-          <p:cNvPr id="4104" name="Picture 8" descr="GitHub Flow - Discuss and Review your code&#10; "/>
-          <p:cNvPicPr>
-            <a:picLocks noChangeAspect="1" noChangeArrowheads="1"/>
-          </p:cNvPicPr>
-          <p:nvPr/>
-        </p:nvPicPr>
-        <p:blipFill>
-          <a:blip r:embed="rId5">
-            <a:extLst>
-              <a:ext uri="{28A0092B-C50C-407E-A947-70E740481C1C}">
-                <a14:useLocalDpi xmlns:a14="http://schemas.microsoft.com/office/drawing/2010/main" val="0"/>
-              </a:ext>
-            </a:extLst>
-          </a:blip>
-          <a:srcRect/>
-          <a:stretch>
-            <a:fillRect/>
-          </a:stretch>
-        </p:blipFill>
-        <p:spPr bwMode="auto">
-          <a:xfrm>
-            <a:off x="1464655" y="822960"/>
-            <a:ext cx="9262691" cy="5212080"/>
-          </a:xfrm>
-          <a:prstGeom prst="rect">
-            <a:avLst/>
-          </a:prstGeom>
-          <a:noFill/>
-          <a:extLst>
-            <a:ext uri="{909E8E84-426E-40DD-AFC4-6F175D3DCCD1}">
-              <a14:hiddenFill xmlns:a14="http://schemas.microsoft.com/office/drawing/2010/main">
-                <a:solidFill>
-                  <a:srgbClr val="FFFFFF"/>
-                </a:solidFill>
-              </a14:hiddenFill>
-            </a:ext>
-          </a:extLst>
-        </p:spPr>
-      </p:pic>
       <p:pic>
         <p:nvPicPr>
           <p:cNvPr id="4108" name="Picture 12" descr="GitHub Flow - Deploy / Test&#10; "/>
@@ -12273,43 +11615,6 @@
           </a:extLst>
         </p:spPr>
       </p:pic>
-      <p:sp>
-        <p:nvSpPr>
-          <p:cNvPr id="7" name="TextBox 6"/>
-          <p:cNvSpPr txBox="1"/>
-          <p:nvPr/>
-        </p:nvSpPr>
-        <p:spPr>
-          <a:xfrm>
-            <a:off x="2006500" y="5374195"/>
-            <a:ext cx="8178999" cy="400110"/>
-          </a:xfrm>
-          <a:prstGeom prst="rect">
-            <a:avLst/>
-          </a:prstGeom>
-          <a:noFill/>
-        </p:spPr>
-        <p:txBody>
-          <a:bodyPr wrap="square" rtlCol="0">
-            <a:spAutoFit/>
-          </a:bodyPr>
-          <a:lstStyle/>
-          <a:p>
-            <a:pPr algn="ctr"/>
-            <a:r>
-              <a:rPr lang="en-GB" sz="2000" dirty="0">
-                <a:solidFill>
-                  <a:schemeClr val="bg1">
-                    <a:lumMod val="50000"/>
-                  </a:schemeClr>
-                </a:solidFill>
-                <a:latin typeface="Gill Sans MT" panose="020B0502020104020203" pitchFamily="34" charset="0"/>
-              </a:rPr>
-              <a:t>http://www.slideshare.net/nishanbose/introduction-to-github-55872492/7</a:t>
-            </a:r>
-          </a:p>
-        </p:txBody>
-      </p:sp>
     </p:spTree>
     <p:extLst>
       <p:ext uri="{BB962C8B-B14F-4D97-AF65-F5344CB8AC3E}">
@@ -12323,7 +11628,7 @@
 </p:sld>
 </file>
 
-<file path=ppt/slides/slide43.xml><?xml version="1.0" encoding="utf-8"?>
+<file path=ppt/slides/slide42.xml><?xml version="1.0" encoding="utf-8"?>
 <p:sld xmlns:a="http://schemas.openxmlformats.org/drawingml/2006/main" xmlns:r="http://schemas.openxmlformats.org/officeDocument/2006/relationships" xmlns:p="http://schemas.openxmlformats.org/presentationml/2006/main">
   <p:cSld>
     <p:spTree>
@@ -12586,47 +11891,124 @@
           </a:extLst>
         </p:spPr>
       </p:pic>
-      <p:sp>
-        <p:nvSpPr>
-          <p:cNvPr id="8" name="TextBox 7"/>
-          <p:cNvSpPr txBox="1"/>
-          <p:nvPr/>
-        </p:nvSpPr>
-        <p:spPr>
-          <a:xfrm>
-            <a:off x="2006500" y="5388709"/>
-            <a:ext cx="8178999" cy="400110"/>
-          </a:xfrm>
-          <a:prstGeom prst="rect">
-            <a:avLst/>
-          </a:prstGeom>
-          <a:noFill/>
-        </p:spPr>
-        <p:txBody>
-          <a:bodyPr wrap="square" rtlCol="0">
-            <a:spAutoFit/>
-          </a:bodyPr>
-          <a:lstStyle/>
-          <a:p>
-            <a:pPr algn="ctr"/>
-            <a:r>
-              <a:rPr lang="en-GB" sz="2000" dirty="0">
-                <a:solidFill>
-                  <a:schemeClr val="bg1">
-                    <a:lumMod val="50000"/>
-                  </a:schemeClr>
-                </a:solidFill>
-                <a:latin typeface="Gill Sans MT" panose="020B0502020104020203" pitchFamily="34" charset="0"/>
-              </a:rPr>
-              <a:t>http://www.slideshare.net/nishanbose/introduction-to-github-55872492/7</a:t>
-            </a:r>
-          </a:p>
-        </p:txBody>
-      </p:sp>
     </p:spTree>
     <p:extLst>
       <p:ext uri="{BB962C8B-B14F-4D97-AF65-F5344CB8AC3E}">
         <p14:creationId xmlns:p14="http://schemas.microsoft.com/office/powerpoint/2010/main" val="374449858"/>
+      </p:ext>
+    </p:extLst>
+  </p:cSld>
+  <p:clrMapOvr>
+    <a:masterClrMapping/>
+  </p:clrMapOvr>
+</p:sld>
+</file>
+
+<file path=ppt/slides/slide43.xml><?xml version="1.0" encoding="utf-8"?>
+<p:sld xmlns:a="http://schemas.openxmlformats.org/drawingml/2006/main" xmlns:r="http://schemas.openxmlformats.org/officeDocument/2006/relationships" xmlns:p="http://schemas.openxmlformats.org/presentationml/2006/main">
+  <p:cSld>
+    <p:spTree>
+      <p:nvGrpSpPr>
+        <p:cNvPr id="1" name=""/>
+        <p:cNvGrpSpPr/>
+        <p:nvPr/>
+      </p:nvGrpSpPr>
+      <p:grpSpPr>
+        <a:xfrm>
+          <a:off x="0" y="0"/>
+          <a:ext cx="0" cy="0"/>
+          <a:chOff x="0" y="0"/>
+          <a:chExt cx="0" cy="0"/>
+        </a:xfrm>
+      </p:grpSpPr>
+      <p:sp>
+        <p:nvSpPr>
+          <p:cNvPr id="4" name="Title 3"/>
+          <p:cNvSpPr>
+            <a:spLocks noGrp="1"/>
+          </p:cNvSpPr>
+          <p:nvPr>
+            <p:ph type="title" idx="4294967295"/>
+          </p:nvPr>
+        </p:nvSpPr>
+        <p:spPr>
+          <a:xfrm>
+            <a:off x="1302707" y="1786938"/>
+            <a:ext cx="9966325" cy="2925762"/>
+          </a:xfrm>
+        </p:spPr>
+        <p:txBody>
+          <a:bodyPr>
+            <a:noAutofit/>
+          </a:bodyPr>
+          <a:lstStyle/>
+          <a:p>
+            <a:pPr algn="ctr"/>
+            <a:r>
+              <a:rPr lang="en-GB" sz="7200" b="1" dirty="0">
+                <a:solidFill>
+                  <a:srgbClr val="008080"/>
+                </a:solidFill>
+                <a:latin typeface="Gill Sans MT" panose="020B0502020104020203" pitchFamily="34" charset="0"/>
+              </a:rPr>
+              <a:t>www.GitHub.com/</a:t>
+            </a:r>
+            <a:br>
+              <a:rPr lang="en-GB" sz="7200" b="1" dirty="0">
+                <a:solidFill>
+                  <a:srgbClr val="008080"/>
+                </a:solidFill>
+                <a:latin typeface="Gill Sans MT" panose="020B0502020104020203" pitchFamily="34" charset="0"/>
+              </a:rPr>
+            </a:br>
+            <a:r>
+              <a:rPr lang="en-GB" sz="7200" b="1" dirty="0" err="1">
+                <a:solidFill>
+                  <a:srgbClr val="008080"/>
+                </a:solidFill>
+                <a:latin typeface="Gill Sans MT" panose="020B0502020104020203" pitchFamily="34" charset="0"/>
+              </a:rPr>
+              <a:t>KirstieJane</a:t>
+            </a:r>
+            <a:r>
+              <a:rPr lang="en-GB" sz="7200" b="1" dirty="0">
+                <a:solidFill>
+                  <a:srgbClr val="008080"/>
+                </a:solidFill>
+                <a:latin typeface="Gill Sans MT" panose="020B0502020104020203" pitchFamily="34" charset="0"/>
+              </a:rPr>
+              <a:t>/</a:t>
+            </a:r>
+            <a:br>
+              <a:rPr lang="en-GB" sz="7200" b="1" dirty="0">
+                <a:solidFill>
+                  <a:srgbClr val="008080"/>
+                </a:solidFill>
+                <a:latin typeface="Gill Sans MT" panose="020B0502020104020203" pitchFamily="34" charset="0"/>
+              </a:rPr>
+            </a:br>
+            <a:r>
+              <a:rPr lang="en-GB" sz="7200" b="1" dirty="0" err="1">
+                <a:solidFill>
+                  <a:srgbClr val="008080"/>
+                </a:solidFill>
+                <a:latin typeface="Gill Sans MT" panose="020B0502020104020203" pitchFamily="34" charset="0"/>
+              </a:rPr>
+              <a:t>ReproducibleResearch</a:t>
+            </a:r>
+            <a:endParaRPr lang="en-GB" sz="7200" b="1" dirty="0">
+              <a:solidFill>
+                <a:srgbClr val="008080"/>
+              </a:solidFill>
+              <a:latin typeface="Gill Sans MT" panose="020B0502020104020203" pitchFamily="34" charset="0"/>
+            </a:endParaRPr>
+          </a:p>
+        </p:txBody>
+      </p:sp>
+    </p:spTree>
+    <p:extLst>
+      <p:ext uri="{BB962C8B-B14F-4D97-AF65-F5344CB8AC3E}">
+        <p14:creationId xmlns:p14="http://schemas.microsoft.com/office/powerpoint/2010/main" val="2229641716"/>
       </p:ext>
     </p:extLst>
   </p:cSld>
@@ -12683,64 +12065,15 @@
                 </a:solidFill>
                 <a:latin typeface="Gill Sans MT" panose="020B0502020104020203" pitchFamily="34" charset="0"/>
               </a:rPr>
-              <a:t>www.GitHub.com/</a:t>
-            </a:r>
-            <a:br>
-              <a:rPr lang="en-GB" sz="7200" b="1" dirty="0">
-                <a:solidFill>
-                  <a:srgbClr val="008080"/>
-                </a:solidFill>
-                <a:latin typeface="Gill Sans MT" panose="020B0502020104020203" pitchFamily="34" charset="0"/>
-              </a:rPr>
-            </a:br>
-            <a:r>
-              <a:rPr lang="en-GB" sz="7200" b="1" dirty="0" err="1">
-                <a:solidFill>
-                  <a:srgbClr val="008080"/>
-                </a:solidFill>
-                <a:latin typeface="Gill Sans MT" panose="020B0502020104020203" pitchFamily="34" charset="0"/>
-              </a:rPr>
-              <a:t>KirstieJane</a:t>
-            </a:r>
-            <a:r>
-              <a:rPr lang="en-GB" sz="7200" b="1" dirty="0">
-                <a:solidFill>
-                  <a:srgbClr val="008080"/>
-                </a:solidFill>
-                <a:latin typeface="Gill Sans MT" panose="020B0502020104020203" pitchFamily="34" charset="0"/>
-              </a:rPr>
-              <a:t>/</a:t>
-            </a:r>
-            <a:br>
-              <a:rPr lang="en-GB" sz="7200" b="1" dirty="0">
-                <a:solidFill>
-                  <a:srgbClr val="008080"/>
-                </a:solidFill>
-                <a:latin typeface="Gill Sans MT" panose="020B0502020104020203" pitchFamily="34" charset="0"/>
-              </a:rPr>
-            </a:br>
-            <a:r>
-              <a:rPr lang="en-GB" sz="7200" b="1" dirty="0" err="1">
-                <a:solidFill>
-                  <a:srgbClr val="008080"/>
-                </a:solidFill>
-                <a:latin typeface="Gill Sans MT" panose="020B0502020104020203" pitchFamily="34" charset="0"/>
-              </a:rPr>
-              <a:t>ReproducibleResearch</a:t>
-            </a:r>
-            <a:endParaRPr lang="en-GB" sz="7200" b="1" dirty="0">
-              <a:solidFill>
-                <a:srgbClr val="008080"/>
-              </a:solidFill>
-              <a:latin typeface="Gill Sans MT" panose="020B0502020104020203" pitchFamily="34" charset="0"/>
-            </a:endParaRPr>
+              <a:t>Create a glossary</a:t>
+            </a:r>
           </a:p>
         </p:txBody>
       </p:sp>
     </p:spTree>
     <p:extLst>
       <p:ext uri="{BB962C8B-B14F-4D97-AF65-F5344CB8AC3E}">
-        <p14:creationId xmlns:p14="http://schemas.microsoft.com/office/powerpoint/2010/main" val="2229641716"/>
+        <p14:creationId xmlns:p14="http://schemas.microsoft.com/office/powerpoint/2010/main" val="1507702280"/>
       </p:ext>
     </p:extLst>
   </p:cSld>
@@ -13376,7 +12709,7 @@
                 </a:solidFill>
                 <a:latin typeface="Gill Sans MT" panose="020B0502020104020203" pitchFamily="34" charset="0"/>
               </a:rPr>
-              <a:t>Inspired by: https://yourfirstpr.github.io</a:t>
+              <a:t>Inspired by: https://yourfirstpr.github.io/</a:t>
             </a:r>
           </a:p>
         </p:txBody>
@@ -13413,6 +12746,52 @@
       </p:grpSpPr>
       <p:sp>
         <p:nvSpPr>
+          <p:cNvPr id="3" name="Rectangle 2"/>
+          <p:cNvSpPr/>
+          <p:nvPr/>
+        </p:nvSpPr>
+        <p:spPr>
+          <a:xfrm>
+            <a:off x="5812078" y="2893513"/>
+            <a:ext cx="3657600" cy="1841326"/>
+          </a:xfrm>
+          <a:prstGeom prst="rect">
+            <a:avLst/>
+          </a:prstGeom>
+          <a:solidFill>
+            <a:schemeClr val="bg1"/>
+          </a:solidFill>
+          <a:ln>
+            <a:noFill/>
+          </a:ln>
+        </p:spPr>
+        <p:style>
+          <a:lnRef idx="2">
+            <a:schemeClr val="accent1">
+              <a:shade val="50000"/>
+            </a:schemeClr>
+          </a:lnRef>
+          <a:fillRef idx="1">
+            <a:schemeClr val="accent1"/>
+          </a:fillRef>
+          <a:effectRef idx="0">
+            <a:schemeClr val="accent1"/>
+          </a:effectRef>
+          <a:fontRef idx="minor">
+            <a:schemeClr val="lt1"/>
+          </a:fontRef>
+        </p:style>
+        <p:txBody>
+          <a:bodyPr rtlCol="0" anchor="ctr"/>
+          <a:lstStyle/>
+          <a:p>
+            <a:pPr algn="ctr"/>
+            <a:endParaRPr lang="en-GB"/>
+          </a:p>
+        </p:txBody>
+      </p:sp>
+      <p:sp>
+        <p:nvSpPr>
           <p:cNvPr id="4" name="Title 3"/>
           <p:cNvSpPr>
             <a:spLocks noGrp="1"/>
@@ -13441,230 +12820,317 @@
                 </a:solidFill>
                 <a:latin typeface="Gill Sans MT" panose="020B0502020104020203" pitchFamily="34" charset="0"/>
               </a:rPr>
-              <a:t>Submit your first pull request!</a:t>
-            </a:r>
-          </a:p>
-        </p:txBody>
-      </p:sp>
-      <p:sp>
-        <p:nvSpPr>
-          <p:cNvPr id="3" name="TextBox 2"/>
-          <p:cNvSpPr txBox="1"/>
+              <a:t>Thank you!</a:t>
+            </a:r>
+          </a:p>
+        </p:txBody>
+      </p:sp>
+      <p:sp>
+        <p:nvSpPr>
+          <p:cNvPr id="6" name="Title 3"/>
+          <p:cNvSpPr txBox="1">
+            <a:spLocks/>
+          </p:cNvSpPr>
           <p:nvPr/>
         </p:nvSpPr>
         <p:spPr>
           <a:xfrm>
-            <a:off x="3090033" y="4712700"/>
-            <a:ext cx="8178999" cy="646331"/>
+            <a:off x="4709788" y="3395201"/>
+            <a:ext cx="6563638" cy="2925762"/>
+          </a:xfrm>
+          <a:prstGeom prst="rect">
+            <a:avLst/>
+          </a:prstGeom>
+        </p:spPr>
+        <p:txBody>
+          <a:bodyPr vert="horz" lIns="91440" tIns="45720" rIns="91440" bIns="45720" rtlCol="0" anchor="ctr">
+            <a:noAutofit/>
+          </a:bodyPr>
+          <a:lstStyle>
+            <a:lvl1pPr algn="l" defTabSz="914400" rtl="0" eaLnBrk="1" latinLnBrk="0" hangingPunct="1">
+              <a:lnSpc>
+                <a:spcPct val="90000"/>
+              </a:lnSpc>
+              <a:spcBef>
+                <a:spcPct val="0"/>
+              </a:spcBef>
+              <a:buNone/>
+              <a:defRPr sz="4400" kern="1200">
+                <a:solidFill>
+                  <a:schemeClr val="accent1"/>
+                </a:solidFill>
+                <a:latin typeface="+mj-lt"/>
+                <a:ea typeface="+mj-ea"/>
+                <a:cs typeface="+mj-cs"/>
+              </a:defRPr>
+            </a:lvl1pPr>
+          </a:lstStyle>
+          <a:p>
+            <a:pPr>
+              <a:spcAft>
+                <a:spcPts val="2400"/>
+              </a:spcAft>
+            </a:pPr>
+            <a:r>
+              <a:rPr lang="en-GB" sz="3600" dirty="0">
+                <a:solidFill>
+                  <a:schemeClr val="bg1">
+                    <a:lumMod val="50000"/>
+                  </a:schemeClr>
+                </a:solidFill>
+                <a:latin typeface="Gill Sans MT" panose="020B0502020104020203" pitchFamily="34" charset="0"/>
+              </a:rPr>
+              <a:t>	</a:t>
+            </a:r>
+          </a:p>
+          <a:p>
+            <a:pPr>
+              <a:spcAft>
+                <a:spcPts val="1800"/>
+              </a:spcAft>
+            </a:pPr>
+            <a:r>
+              <a:rPr lang="en-GB" sz="2800" dirty="0">
+                <a:solidFill>
+                  <a:schemeClr val="bg1">
+                    <a:lumMod val="50000"/>
+                  </a:schemeClr>
+                </a:solidFill>
+                <a:latin typeface="Gill Sans MT" panose="020B0502020104020203" pitchFamily="34" charset="0"/>
+              </a:rPr>
+              <a:t>	</a:t>
+            </a:r>
+            <a:r>
+              <a:rPr lang="en-GB" sz="2800" dirty="0" err="1">
+                <a:solidFill>
+                  <a:schemeClr val="bg1">
+                    <a:lumMod val="50000"/>
+                  </a:schemeClr>
+                </a:solidFill>
+                <a:latin typeface="Gill Sans MT" panose="020B0502020104020203" pitchFamily="34" charset="0"/>
+              </a:rPr>
+              <a:t>KirstieJane</a:t>
+            </a:r>
+            <a:r>
+              <a:rPr lang="en-GB" sz="2800" dirty="0">
+                <a:solidFill>
+                  <a:schemeClr val="bg1">
+                    <a:lumMod val="50000"/>
+                  </a:schemeClr>
+                </a:solidFill>
+                <a:latin typeface="Gill Sans MT" panose="020B0502020104020203" pitchFamily="34" charset="0"/>
+              </a:rPr>
+              <a:t>/</a:t>
+            </a:r>
+            <a:r>
+              <a:rPr lang="en-GB" sz="2800" dirty="0" err="1">
+                <a:solidFill>
+                  <a:schemeClr val="bg1">
+                    <a:lumMod val="50000"/>
+                  </a:schemeClr>
+                </a:solidFill>
+                <a:latin typeface="Gill Sans MT" panose="020B0502020104020203" pitchFamily="34" charset="0"/>
+              </a:rPr>
+              <a:t>ReproducibleResearch</a:t>
+            </a:r>
+            <a:endParaRPr lang="en-GB" sz="2800" dirty="0">
+              <a:solidFill>
+                <a:schemeClr val="bg1">
+                  <a:lumMod val="50000"/>
+                </a:schemeClr>
+              </a:solidFill>
+              <a:latin typeface="Gill Sans MT" panose="020B0502020104020203" pitchFamily="34" charset="0"/>
+            </a:endParaRPr>
+          </a:p>
+          <a:p>
+            <a:pPr>
+              <a:spcAft>
+                <a:spcPts val="1800"/>
+              </a:spcAft>
+            </a:pPr>
+            <a:r>
+              <a:rPr lang="en-GB" sz="2800" dirty="0">
+                <a:solidFill>
+                  <a:schemeClr val="bg1">
+                    <a:lumMod val="50000"/>
+                  </a:schemeClr>
+                </a:solidFill>
+                <a:latin typeface="Gill Sans MT" panose="020B0502020104020203" pitchFamily="34" charset="0"/>
+              </a:rPr>
+              <a:t>	@</a:t>
+            </a:r>
+            <a:r>
+              <a:rPr lang="en-GB" sz="2800" dirty="0" err="1">
+                <a:solidFill>
+                  <a:schemeClr val="bg1">
+                    <a:lumMod val="50000"/>
+                  </a:schemeClr>
+                </a:solidFill>
+                <a:latin typeface="Gill Sans MT" panose="020B0502020104020203" pitchFamily="34" charset="0"/>
+              </a:rPr>
+              <a:t>kirstie_j</a:t>
+            </a:r>
+            <a:endParaRPr lang="en-GB" sz="2800" dirty="0">
+              <a:solidFill>
+                <a:schemeClr val="bg1">
+                  <a:lumMod val="50000"/>
+                </a:schemeClr>
+              </a:solidFill>
+              <a:latin typeface="Gill Sans MT" panose="020B0502020104020203" pitchFamily="34" charset="0"/>
+            </a:endParaRPr>
+          </a:p>
+          <a:p>
+            <a:pPr>
+              <a:spcAft>
+                <a:spcPts val="1800"/>
+              </a:spcAft>
+            </a:pPr>
+            <a:r>
+              <a:rPr lang="en-GB" sz="2800" dirty="0">
+                <a:solidFill>
+                  <a:schemeClr val="bg1">
+                    <a:lumMod val="50000"/>
+                  </a:schemeClr>
+                </a:solidFill>
+                <a:latin typeface="Gill Sans MT" panose="020B0502020104020203" pitchFamily="34" charset="0"/>
+              </a:rPr>
+              <a:t>	</a:t>
+            </a:r>
+            <a:r>
+              <a:rPr lang="en-GB" sz="2800" dirty="0" err="1">
+                <a:solidFill>
+                  <a:schemeClr val="bg1">
+                    <a:lumMod val="50000"/>
+                  </a:schemeClr>
+                </a:solidFill>
+                <a:latin typeface="Gill Sans MT" panose="020B0502020104020203" pitchFamily="34" charset="0"/>
+              </a:rPr>
+              <a:t>doi</a:t>
+            </a:r>
+            <a:r>
+              <a:rPr lang="en-GB" sz="2800" dirty="0">
+                <a:solidFill>
+                  <a:schemeClr val="bg1">
+                    <a:lumMod val="50000"/>
+                  </a:schemeClr>
+                </a:solidFill>
+                <a:latin typeface="Gill Sans MT" panose="020B0502020104020203" pitchFamily="34" charset="0"/>
+              </a:rPr>
+              <a:t>: 10.6084/m9.figshare.3188422</a:t>
+            </a:r>
+          </a:p>
+        </p:txBody>
+      </p:sp>
+      <p:pic>
+        <p:nvPicPr>
+          <p:cNvPr id="2050" name="Picture 2" descr="https://pmcdeadline2.files.wordpress.com/2014/06/twitter-logo.png?w=970"/>
+          <p:cNvPicPr>
+            <a:picLocks noChangeAspect="1" noChangeArrowheads="1"/>
+          </p:cNvPicPr>
+          <p:nvPr/>
+        </p:nvPicPr>
+        <p:blipFill>
+          <a:blip r:embed="rId2">
+            <a:extLst>
+              <a:ext uri="{28A0092B-C50C-407E-A947-70E740481C1C}">
+                <a14:useLocalDpi xmlns:a14="http://schemas.microsoft.com/office/drawing/2010/main" val="0"/>
+              </a:ext>
+            </a:extLst>
+          </a:blip>
+          <a:srcRect/>
+          <a:stretch>
+            <a:fillRect/>
+          </a:stretch>
+        </p:blipFill>
+        <p:spPr bwMode="auto">
+          <a:xfrm>
+            <a:off x="5045302" y="5053368"/>
+            <a:ext cx="457200" cy="457200"/>
           </a:xfrm>
           <a:prstGeom prst="rect">
             <a:avLst/>
           </a:prstGeom>
           <a:noFill/>
-        </p:spPr>
-        <p:txBody>
-          <a:bodyPr wrap="square" rtlCol="0">
-            <a:spAutoFit/>
-          </a:bodyPr>
-          <a:lstStyle/>
-          <a:p>
-            <a:pPr algn="ctr"/>
-            <a:r>
-              <a:rPr lang="en-GB" sz="3600" dirty="0">
-                <a:solidFill>
-                  <a:schemeClr val="bg1">
-                    <a:lumMod val="50000"/>
-                  </a:schemeClr>
-                </a:solidFill>
-                <a:latin typeface="Gill Sans MT" panose="020B0502020104020203" pitchFamily="34" charset="0"/>
-              </a:rPr>
-              <a:t>Inspired by: https://yourfirstpr.github.io</a:t>
-            </a:r>
-          </a:p>
-        </p:txBody>
-      </p:sp>
+          <a:extLst>
+            <a:ext uri="{909E8E84-426E-40DD-AFC4-6F175D3DCCD1}">
+              <a14:hiddenFill xmlns:a14="http://schemas.microsoft.com/office/drawing/2010/main">
+                <a:solidFill>
+                  <a:srgbClr val="FFFFFF"/>
+                </a:solidFill>
+              </a14:hiddenFill>
+            </a:ext>
+          </a:extLst>
+        </p:spPr>
+      </p:pic>
       <p:pic>
         <p:nvPicPr>
-          <p:cNvPr id="2" name="Picture 1"/>
+          <p:cNvPr id="8" name="Picture 7"/>
           <p:cNvPicPr>
             <a:picLocks noChangeAspect="1"/>
           </p:cNvPicPr>
           <p:nvPr/>
         </p:nvPicPr>
         <p:blipFill>
-          <a:blip r:embed="rId2"/>
+          <a:blip r:embed="rId3"/>
           <a:stretch>
             <a:fillRect/>
           </a:stretch>
         </p:blipFill>
         <p:spPr>
           <a:xfrm>
-            <a:off x="1185862" y="619125"/>
-            <a:ext cx="9820275" cy="5619750"/>
+            <a:off x="5044282" y="5690183"/>
+            <a:ext cx="459241" cy="457200"/>
           </a:xfrm>
           <a:prstGeom prst="rect">
             <a:avLst/>
           </a:prstGeom>
+        </p:spPr>
+      </p:pic>
+      <p:pic>
+        <p:nvPicPr>
+          <p:cNvPr id="2052" name="Picture 4" descr="https://encrypted-tbn0.gstatic.com/images?q=tbn:ANd9GcTr1WT7d5fbNTZQ1D5DHIbJJT3BNXcw7iIi7tZfZKE_FtzBPcQs05G-VSw"/>
+          <p:cNvPicPr>
+            <a:picLocks noChangeAspect="1" noChangeArrowheads="1"/>
+          </p:cNvPicPr>
+          <p:nvPr/>
+        </p:nvPicPr>
+        <p:blipFill>
+          <a:blip r:embed="rId4">
+            <a:extLst>
+              <a:ext uri="{28A0092B-C50C-407E-A947-70E740481C1C}">
+                <a14:useLocalDpi xmlns:a14="http://schemas.microsoft.com/office/drawing/2010/main" val="0"/>
+              </a:ext>
+            </a:extLst>
+          </a:blip>
+          <a:srcRect/>
+          <a:stretch>
+            <a:fillRect/>
+          </a:stretch>
+        </p:blipFill>
+        <p:spPr bwMode="auto">
+          <a:xfrm>
+            <a:off x="5045302" y="4416554"/>
+            <a:ext cx="457200" cy="457200"/>
+          </a:xfrm>
+          <a:prstGeom prst="rect">
+            <a:avLst/>
+          </a:prstGeom>
+          <a:noFill/>
+          <a:extLst>
+            <a:ext uri="{909E8E84-426E-40DD-AFC4-6F175D3DCCD1}">
+              <a14:hiddenFill xmlns:a14="http://schemas.microsoft.com/office/drawing/2010/main">
+                <a:solidFill>
+                  <a:srgbClr val="FFFFFF"/>
+                </a:solidFill>
+              </a14:hiddenFill>
+            </a:ext>
+          </a:extLst>
         </p:spPr>
       </p:pic>
     </p:spTree>
     <p:extLst>
       <p:ext uri="{BB962C8B-B14F-4D97-AF65-F5344CB8AC3E}">
-        <p14:creationId xmlns:p14="http://schemas.microsoft.com/office/powerpoint/2010/main" val="2975187249"/>
-      </p:ext>
-    </p:extLst>
-  </p:cSld>
-  <p:clrMapOvr>
-    <a:masterClrMapping/>
-  </p:clrMapOvr>
-</p:sld>
-</file>
-
-<file path=ppt/slides/slide48.xml><?xml version="1.0" encoding="utf-8"?>
-<p:sld xmlns:a="http://schemas.openxmlformats.org/drawingml/2006/main" xmlns:r="http://schemas.openxmlformats.org/officeDocument/2006/relationships" xmlns:p="http://schemas.openxmlformats.org/presentationml/2006/main">
-  <p:cSld>
-    <p:spTree>
-      <p:nvGrpSpPr>
-        <p:cNvPr id="1" name=""/>
-        <p:cNvGrpSpPr/>
-        <p:nvPr/>
-      </p:nvGrpSpPr>
-      <p:grpSpPr>
-        <a:xfrm>
-          <a:off x="0" y="0"/>
-          <a:ext cx="0" cy="0"/>
-          <a:chOff x="0" y="0"/>
-          <a:chExt cx="0" cy="0"/>
-        </a:xfrm>
-      </p:grpSpPr>
-      <p:sp>
-        <p:nvSpPr>
-          <p:cNvPr id="4" name="Title 3"/>
-          <p:cNvSpPr>
-            <a:spLocks noGrp="1"/>
-          </p:cNvSpPr>
-          <p:nvPr>
-            <p:ph type="title" idx="4294967295"/>
-          </p:nvPr>
-        </p:nvSpPr>
-        <p:spPr>
-          <a:xfrm>
-            <a:off x="1302707" y="1786938"/>
-            <a:ext cx="9966325" cy="2925762"/>
-          </a:xfrm>
-        </p:spPr>
-        <p:txBody>
-          <a:bodyPr>
-            <a:noAutofit/>
-          </a:bodyPr>
-          <a:lstStyle/>
-          <a:p>
-            <a:pPr algn="ctr"/>
-            <a:r>
-              <a:rPr lang="en-GB" sz="7200" b="1" dirty="0">
-                <a:solidFill>
-                  <a:srgbClr val="008080"/>
-                </a:solidFill>
-                <a:latin typeface="Gill Sans MT" panose="020B0502020104020203" pitchFamily="34" charset="0"/>
-              </a:rPr>
-              <a:t>Create a glossary</a:t>
-            </a:r>
-          </a:p>
-        </p:txBody>
-      </p:sp>
-    </p:spTree>
-    <p:extLst>
-      <p:ext uri="{BB962C8B-B14F-4D97-AF65-F5344CB8AC3E}">
-        <p14:creationId xmlns:p14="http://schemas.microsoft.com/office/powerpoint/2010/main" val="1507702280"/>
-      </p:ext>
-    </p:extLst>
-  </p:cSld>
-  <p:clrMapOvr>
-    <a:masterClrMapping/>
-  </p:clrMapOvr>
-</p:sld>
-</file>
-
-<file path=ppt/slides/slide49.xml><?xml version="1.0" encoding="utf-8"?>
-<p:sld xmlns:a="http://schemas.openxmlformats.org/drawingml/2006/main" xmlns:r="http://schemas.openxmlformats.org/officeDocument/2006/relationships" xmlns:p="http://schemas.openxmlformats.org/presentationml/2006/main">
-  <p:cSld>
-    <p:spTree>
-      <p:nvGrpSpPr>
-        <p:cNvPr id="1" name=""/>
-        <p:cNvGrpSpPr/>
-        <p:nvPr/>
-      </p:nvGrpSpPr>
-      <p:grpSpPr>
-        <a:xfrm>
-          <a:off x="0" y="0"/>
-          <a:ext cx="0" cy="0"/>
-          <a:chOff x="0" y="0"/>
-          <a:chExt cx="0" cy="0"/>
-        </a:xfrm>
-      </p:grpSpPr>
-      <p:sp>
-        <p:nvSpPr>
-          <p:cNvPr id="4" name="Title 3"/>
-          <p:cNvSpPr>
-            <a:spLocks noGrp="1"/>
-          </p:cNvSpPr>
-          <p:nvPr>
-            <p:ph type="title" idx="4294967295"/>
-          </p:nvPr>
-        </p:nvSpPr>
-        <p:spPr>
-          <a:xfrm>
-            <a:off x="1302707" y="1786938"/>
-            <a:ext cx="9966325" cy="2925762"/>
-          </a:xfrm>
-        </p:spPr>
-        <p:txBody>
-          <a:bodyPr>
-            <a:noAutofit/>
-          </a:bodyPr>
-          <a:lstStyle/>
-          <a:p>
-            <a:pPr algn="ctr"/>
-            <a:r>
-              <a:rPr lang="en-GB" sz="7200" b="1" dirty="0">
-                <a:solidFill>
-                  <a:srgbClr val="008080"/>
-                </a:solidFill>
-                <a:latin typeface="Gill Sans MT" panose="020B0502020104020203" pitchFamily="34" charset="0"/>
-              </a:rPr>
-              <a:t>Create a glossary</a:t>
-            </a:r>
-          </a:p>
-        </p:txBody>
-      </p:sp>
-      <p:pic>
-        <p:nvPicPr>
-          <p:cNvPr id="5" name="Picture 4"/>
-          <p:cNvPicPr>
-            <a:picLocks noChangeAspect="1"/>
-          </p:cNvPicPr>
-          <p:nvPr/>
-        </p:nvPicPr>
-        <p:blipFill>
-          <a:blip r:embed="rId2"/>
-          <a:stretch>
-            <a:fillRect/>
-          </a:stretch>
-        </p:blipFill>
-        <p:spPr>
-          <a:xfrm>
-            <a:off x="884464" y="300264"/>
-            <a:ext cx="10858500" cy="5676900"/>
-          </a:xfrm>
-          <a:prstGeom prst="rect">
-            <a:avLst/>
-          </a:prstGeom>
-        </p:spPr>
-      </p:pic>
-    </p:spTree>
-    <p:extLst>
-      <p:ext uri="{BB962C8B-B14F-4D97-AF65-F5344CB8AC3E}">
-        <p14:creationId xmlns:p14="http://schemas.microsoft.com/office/powerpoint/2010/main" val="1909383440"/>
+        <p14:creationId xmlns:p14="http://schemas.microsoft.com/office/powerpoint/2010/main" val="3118929363"/>
       </p:ext>
     </p:extLst>
   </p:cSld>
@@ -14083,449 +13549,6 @@
     <p:extLst>
       <p:ext uri="{BB962C8B-B14F-4D97-AF65-F5344CB8AC3E}">
         <p14:creationId xmlns:p14="http://schemas.microsoft.com/office/powerpoint/2010/main" val="2725082329"/>
-      </p:ext>
-    </p:extLst>
-  </p:cSld>
-  <p:clrMapOvr>
-    <a:masterClrMapping/>
-  </p:clrMapOvr>
-</p:sld>
-</file>
-
-<file path=ppt/slides/slide50.xml><?xml version="1.0" encoding="utf-8"?>
-<p:sld xmlns:a="http://schemas.openxmlformats.org/drawingml/2006/main" xmlns:r="http://schemas.openxmlformats.org/officeDocument/2006/relationships" xmlns:p="http://schemas.openxmlformats.org/presentationml/2006/main">
-  <p:cSld>
-    <p:spTree>
-      <p:nvGrpSpPr>
-        <p:cNvPr id="1" name=""/>
-        <p:cNvGrpSpPr/>
-        <p:nvPr/>
-      </p:nvGrpSpPr>
-      <p:grpSpPr>
-        <a:xfrm>
-          <a:off x="0" y="0"/>
-          <a:ext cx="0" cy="0"/>
-          <a:chOff x="0" y="0"/>
-          <a:chExt cx="0" cy="0"/>
-        </a:xfrm>
-      </p:grpSpPr>
-      <p:sp>
-        <p:nvSpPr>
-          <p:cNvPr id="3" name="Rectangle 2"/>
-          <p:cNvSpPr/>
-          <p:nvPr/>
-        </p:nvSpPr>
-        <p:spPr>
-          <a:xfrm>
-            <a:off x="5812078" y="2893513"/>
-            <a:ext cx="3657600" cy="1841326"/>
-          </a:xfrm>
-          <a:prstGeom prst="rect">
-            <a:avLst/>
-          </a:prstGeom>
-          <a:solidFill>
-            <a:schemeClr val="bg1"/>
-          </a:solidFill>
-          <a:ln>
-            <a:noFill/>
-          </a:ln>
-        </p:spPr>
-        <p:style>
-          <a:lnRef idx="2">
-            <a:schemeClr val="accent1">
-              <a:shade val="50000"/>
-            </a:schemeClr>
-          </a:lnRef>
-          <a:fillRef idx="1">
-            <a:schemeClr val="accent1"/>
-          </a:fillRef>
-          <a:effectRef idx="0">
-            <a:schemeClr val="accent1"/>
-          </a:effectRef>
-          <a:fontRef idx="minor">
-            <a:schemeClr val="lt1"/>
-          </a:fontRef>
-        </p:style>
-        <p:txBody>
-          <a:bodyPr rtlCol="0" anchor="ctr"/>
-          <a:lstStyle/>
-          <a:p>
-            <a:pPr algn="ctr"/>
-            <a:endParaRPr lang="en-GB"/>
-          </a:p>
-        </p:txBody>
-      </p:sp>
-      <p:sp>
-        <p:nvSpPr>
-          <p:cNvPr id="4" name="Title 3"/>
-          <p:cNvSpPr>
-            <a:spLocks noGrp="1"/>
-          </p:cNvSpPr>
-          <p:nvPr>
-            <p:ph type="title" idx="4294967295"/>
-          </p:nvPr>
-        </p:nvSpPr>
-        <p:spPr>
-          <a:xfrm>
-            <a:off x="1302707" y="1786938"/>
-            <a:ext cx="9966325" cy="2925762"/>
-          </a:xfrm>
-        </p:spPr>
-        <p:txBody>
-          <a:bodyPr>
-            <a:noAutofit/>
-          </a:bodyPr>
-          <a:lstStyle/>
-          <a:p>
-            <a:pPr algn="ctr"/>
-            <a:r>
-              <a:rPr lang="en-GB" sz="7200" b="1" dirty="0">
-                <a:solidFill>
-                  <a:srgbClr val="008080"/>
-                </a:solidFill>
-                <a:latin typeface="Gill Sans MT" panose="020B0502020104020203" pitchFamily="34" charset="0"/>
-              </a:rPr>
-              <a:t>Thank you!</a:t>
-            </a:r>
-          </a:p>
-        </p:txBody>
-      </p:sp>
-      <p:sp>
-        <p:nvSpPr>
-          <p:cNvPr id="6" name="Title 3"/>
-          <p:cNvSpPr txBox="1">
-            <a:spLocks/>
-          </p:cNvSpPr>
-          <p:nvPr/>
-        </p:nvSpPr>
-        <p:spPr>
-          <a:xfrm>
-            <a:off x="4709788" y="3395201"/>
-            <a:ext cx="6563638" cy="2925762"/>
-          </a:xfrm>
-          <a:prstGeom prst="rect">
-            <a:avLst/>
-          </a:prstGeom>
-        </p:spPr>
-        <p:txBody>
-          <a:bodyPr vert="horz" lIns="91440" tIns="45720" rIns="91440" bIns="45720" rtlCol="0" anchor="ctr">
-            <a:noAutofit/>
-          </a:bodyPr>
-          <a:lstStyle>
-            <a:lvl1pPr algn="l" defTabSz="914400" rtl="0" eaLnBrk="1" latinLnBrk="0" hangingPunct="1">
-              <a:lnSpc>
-                <a:spcPct val="90000"/>
-              </a:lnSpc>
-              <a:spcBef>
-                <a:spcPct val="0"/>
-              </a:spcBef>
-              <a:buNone/>
-              <a:defRPr sz="4400" kern="1200">
-                <a:solidFill>
-                  <a:schemeClr val="accent1"/>
-                </a:solidFill>
-                <a:latin typeface="+mj-lt"/>
-                <a:ea typeface="+mj-ea"/>
-                <a:cs typeface="+mj-cs"/>
-              </a:defRPr>
-            </a:lvl1pPr>
-          </a:lstStyle>
-          <a:p>
-            <a:pPr>
-              <a:spcAft>
-                <a:spcPts val="2400"/>
-              </a:spcAft>
-            </a:pPr>
-            <a:r>
-              <a:rPr lang="en-GB" sz="3600" dirty="0">
-                <a:solidFill>
-                  <a:schemeClr val="bg1">
-                    <a:lumMod val="50000"/>
-                  </a:schemeClr>
-                </a:solidFill>
-                <a:latin typeface="Gill Sans MT" panose="020B0502020104020203" pitchFamily="34" charset="0"/>
-              </a:rPr>
-              <a:t>	</a:t>
-            </a:r>
-          </a:p>
-          <a:p>
-            <a:pPr>
-              <a:spcAft>
-                <a:spcPts val="1800"/>
-              </a:spcAft>
-            </a:pPr>
-            <a:r>
-              <a:rPr lang="en-GB" sz="2800" dirty="0">
-                <a:solidFill>
-                  <a:schemeClr val="bg1">
-                    <a:lumMod val="50000"/>
-                  </a:schemeClr>
-                </a:solidFill>
-                <a:latin typeface="Gill Sans MT" panose="020B0502020104020203" pitchFamily="34" charset="0"/>
-              </a:rPr>
-              <a:t>	</a:t>
-            </a:r>
-            <a:r>
-              <a:rPr lang="en-GB" sz="2800" dirty="0" err="1">
-                <a:solidFill>
-                  <a:schemeClr val="bg1">
-                    <a:lumMod val="50000"/>
-                  </a:schemeClr>
-                </a:solidFill>
-                <a:latin typeface="Gill Sans MT" panose="020B0502020104020203" pitchFamily="34" charset="0"/>
-              </a:rPr>
-              <a:t>KirstieJane</a:t>
-            </a:r>
-            <a:r>
-              <a:rPr lang="en-GB" sz="2800" dirty="0">
-                <a:solidFill>
-                  <a:schemeClr val="bg1">
-                    <a:lumMod val="50000"/>
-                  </a:schemeClr>
-                </a:solidFill>
-                <a:latin typeface="Gill Sans MT" panose="020B0502020104020203" pitchFamily="34" charset="0"/>
-              </a:rPr>
-              <a:t>/</a:t>
-            </a:r>
-            <a:r>
-              <a:rPr lang="en-GB" sz="2800" dirty="0" err="1">
-                <a:solidFill>
-                  <a:schemeClr val="bg1">
-                    <a:lumMod val="50000"/>
-                  </a:schemeClr>
-                </a:solidFill>
-                <a:latin typeface="Gill Sans MT" panose="020B0502020104020203" pitchFamily="34" charset="0"/>
-              </a:rPr>
-              <a:t>ReproducibleResearch</a:t>
-            </a:r>
-            <a:endParaRPr lang="en-GB" sz="2800" dirty="0">
-              <a:solidFill>
-                <a:schemeClr val="bg1">
-                  <a:lumMod val="50000"/>
-                </a:schemeClr>
-              </a:solidFill>
-              <a:latin typeface="Gill Sans MT" panose="020B0502020104020203" pitchFamily="34" charset="0"/>
-            </a:endParaRPr>
-          </a:p>
-          <a:p>
-            <a:pPr>
-              <a:spcAft>
-                <a:spcPts val="1800"/>
-              </a:spcAft>
-            </a:pPr>
-            <a:r>
-              <a:rPr lang="en-GB" sz="2800" dirty="0">
-                <a:solidFill>
-                  <a:schemeClr val="bg1">
-                    <a:lumMod val="50000"/>
-                  </a:schemeClr>
-                </a:solidFill>
-                <a:latin typeface="Gill Sans MT" panose="020B0502020104020203" pitchFamily="34" charset="0"/>
-              </a:rPr>
-              <a:t>	@</a:t>
-            </a:r>
-            <a:r>
-              <a:rPr lang="en-GB" sz="2800" dirty="0" err="1">
-                <a:solidFill>
-                  <a:schemeClr val="bg1">
-                    <a:lumMod val="50000"/>
-                  </a:schemeClr>
-                </a:solidFill>
-                <a:latin typeface="Gill Sans MT" panose="020B0502020104020203" pitchFamily="34" charset="0"/>
-              </a:rPr>
-              <a:t>kirstie_j</a:t>
-            </a:r>
-            <a:endParaRPr lang="en-GB" sz="2800" dirty="0">
-              <a:solidFill>
-                <a:schemeClr val="bg1">
-                  <a:lumMod val="50000"/>
-                </a:schemeClr>
-              </a:solidFill>
-              <a:latin typeface="Gill Sans MT" panose="020B0502020104020203" pitchFamily="34" charset="0"/>
-            </a:endParaRPr>
-          </a:p>
-          <a:p>
-            <a:pPr>
-              <a:spcAft>
-                <a:spcPts val="1800"/>
-              </a:spcAft>
-            </a:pPr>
-            <a:r>
-              <a:rPr lang="en-GB" sz="2800" dirty="0">
-                <a:solidFill>
-                  <a:schemeClr val="bg1">
-                    <a:lumMod val="50000"/>
-                  </a:schemeClr>
-                </a:solidFill>
-                <a:latin typeface="Gill Sans MT" panose="020B0502020104020203" pitchFamily="34" charset="0"/>
-              </a:rPr>
-              <a:t>	</a:t>
-            </a:r>
-            <a:r>
-              <a:rPr lang="en-GB" sz="2800" dirty="0" err="1">
-                <a:solidFill>
-                  <a:schemeClr val="bg1">
-                    <a:lumMod val="50000"/>
-                  </a:schemeClr>
-                </a:solidFill>
-                <a:latin typeface="Gill Sans MT" panose="020B0502020104020203" pitchFamily="34" charset="0"/>
-              </a:rPr>
-              <a:t>doi</a:t>
-            </a:r>
-            <a:r>
-              <a:rPr lang="en-GB" sz="2800" dirty="0">
-                <a:solidFill>
-                  <a:schemeClr val="bg1">
-                    <a:lumMod val="50000"/>
-                  </a:schemeClr>
-                </a:solidFill>
-                <a:latin typeface="Gill Sans MT" panose="020B0502020104020203" pitchFamily="34" charset="0"/>
-              </a:rPr>
-              <a:t>: 10.6084/m9.figshare.3188422</a:t>
-            </a:r>
-          </a:p>
-        </p:txBody>
-      </p:sp>
-      <p:pic>
-        <p:nvPicPr>
-          <p:cNvPr id="2050" name="Picture 2" descr="https://pmcdeadline2.files.wordpress.com/2014/06/twitter-logo.png?w=970"/>
-          <p:cNvPicPr>
-            <a:picLocks noChangeAspect="1" noChangeArrowheads="1"/>
-          </p:cNvPicPr>
-          <p:nvPr/>
-        </p:nvPicPr>
-        <p:blipFill>
-          <a:blip r:embed="rId2">
-            <a:extLst>
-              <a:ext uri="{28A0092B-C50C-407E-A947-70E740481C1C}">
-                <a14:useLocalDpi xmlns:a14="http://schemas.microsoft.com/office/drawing/2010/main" val="0"/>
-              </a:ext>
-            </a:extLst>
-          </a:blip>
-          <a:srcRect/>
-          <a:stretch>
-            <a:fillRect/>
-          </a:stretch>
-        </p:blipFill>
-        <p:spPr bwMode="auto">
-          <a:xfrm>
-            <a:off x="5045302" y="5053368"/>
-            <a:ext cx="457200" cy="457200"/>
-          </a:xfrm>
-          <a:prstGeom prst="rect">
-            <a:avLst/>
-          </a:prstGeom>
-          <a:noFill/>
-          <a:extLst>
-            <a:ext uri="{909E8E84-426E-40DD-AFC4-6F175D3DCCD1}">
-              <a14:hiddenFill xmlns:a14="http://schemas.microsoft.com/office/drawing/2010/main">
-                <a:solidFill>
-                  <a:srgbClr val="FFFFFF"/>
-                </a:solidFill>
-              </a14:hiddenFill>
-            </a:ext>
-          </a:extLst>
-        </p:spPr>
-      </p:pic>
-      <p:pic>
-        <p:nvPicPr>
-          <p:cNvPr id="8" name="Picture 7"/>
-          <p:cNvPicPr>
-            <a:picLocks noChangeAspect="1"/>
-          </p:cNvPicPr>
-          <p:nvPr/>
-        </p:nvPicPr>
-        <p:blipFill>
-          <a:blip r:embed="rId3"/>
-          <a:stretch>
-            <a:fillRect/>
-          </a:stretch>
-        </p:blipFill>
-        <p:spPr>
-          <a:xfrm>
-            <a:off x="5044282" y="5690183"/>
-            <a:ext cx="459241" cy="457200"/>
-          </a:xfrm>
-          <a:prstGeom prst="rect">
-            <a:avLst/>
-          </a:prstGeom>
-        </p:spPr>
-      </p:pic>
-      <p:pic>
-        <p:nvPicPr>
-          <p:cNvPr id="2052" name="Picture 4" descr="https://encrypted-tbn0.gstatic.com/images?q=tbn:ANd9GcTr1WT7d5fbNTZQ1D5DHIbJJT3BNXcw7iIi7tZfZKE_FtzBPcQs05G-VSw"/>
-          <p:cNvPicPr>
-            <a:picLocks noChangeAspect="1" noChangeArrowheads="1"/>
-          </p:cNvPicPr>
-          <p:nvPr/>
-        </p:nvPicPr>
-        <p:blipFill>
-          <a:blip r:embed="rId4">
-            <a:extLst>
-              <a:ext uri="{28A0092B-C50C-407E-A947-70E740481C1C}">
-                <a14:useLocalDpi xmlns:a14="http://schemas.microsoft.com/office/drawing/2010/main" val="0"/>
-              </a:ext>
-            </a:extLst>
-          </a:blip>
-          <a:srcRect/>
-          <a:stretch>
-            <a:fillRect/>
-          </a:stretch>
-        </p:blipFill>
-        <p:spPr bwMode="auto">
-          <a:xfrm>
-            <a:off x="5045302" y="4416554"/>
-            <a:ext cx="457200" cy="457200"/>
-          </a:xfrm>
-          <a:prstGeom prst="rect">
-            <a:avLst/>
-          </a:prstGeom>
-          <a:noFill/>
-          <a:extLst>
-            <a:ext uri="{909E8E84-426E-40DD-AFC4-6F175D3DCCD1}">
-              <a14:hiddenFill xmlns:a14="http://schemas.microsoft.com/office/drawing/2010/main">
-                <a:solidFill>
-                  <a:srgbClr val="FFFFFF"/>
-                </a:solidFill>
-              </a14:hiddenFill>
-            </a:ext>
-          </a:extLst>
-        </p:spPr>
-      </p:pic>
-      <p:pic>
-        <p:nvPicPr>
-          <p:cNvPr id="2" name="Picture 1"/>
-          <p:cNvPicPr>
-            <a:picLocks noChangeAspect="1"/>
-          </p:cNvPicPr>
-          <p:nvPr/>
-        </p:nvPicPr>
-        <p:blipFill>
-          <a:blip r:embed="rId5">
-            <a:extLst>
-              <a:ext uri="{28A0092B-C50C-407E-A947-70E740481C1C}">
-                <a14:useLocalDpi xmlns:a14="http://schemas.microsoft.com/office/drawing/2010/main" val="0"/>
-              </a:ext>
-            </a:extLst>
-          </a:blip>
-          <a:stretch>
-            <a:fillRect/>
-          </a:stretch>
-        </p:blipFill>
-        <p:spPr>
-          <a:xfrm>
-            <a:off x="409367" y="438942"/>
-            <a:ext cx="3305744" cy="3305744"/>
-          </a:xfrm>
-          <a:prstGeom prst="rect">
-            <a:avLst/>
-          </a:prstGeom>
-        </p:spPr>
-      </p:pic>
-    </p:spTree>
-    <p:extLst>
-      <p:ext uri="{BB962C8B-B14F-4D97-AF65-F5344CB8AC3E}">
-        <p14:creationId xmlns:p14="http://schemas.microsoft.com/office/powerpoint/2010/main" val="3118929363"/>
       </p:ext>
     </p:extLst>
   </p:cSld>
